--- a/カンバンゲームのルール.pptx
+++ b/カンバンゲームのルール.pptx
@@ -12,14 +12,18 @@
     <p:sldId id="258" r:id="rId6"/>
     <p:sldId id="269" r:id="rId7"/>
     <p:sldId id="261" r:id="rId8"/>
-    <p:sldId id="262" r:id="rId9"/>
-    <p:sldId id="263" r:id="rId10"/>
-    <p:sldId id="264" r:id="rId11"/>
-    <p:sldId id="265" r:id="rId12"/>
-    <p:sldId id="266" r:id="rId13"/>
-    <p:sldId id="267" r:id="rId14"/>
-    <p:sldId id="268" r:id="rId15"/>
-    <p:sldId id="270" r:id="rId16"/>
+    <p:sldId id="272" r:id="rId9"/>
+    <p:sldId id="273" r:id="rId10"/>
+    <p:sldId id="268" r:id="rId11"/>
+    <p:sldId id="274" r:id="rId12"/>
+    <p:sldId id="265" r:id="rId13"/>
+    <p:sldId id="262" r:id="rId14"/>
+    <p:sldId id="263" r:id="rId15"/>
+    <p:sldId id="264" r:id="rId16"/>
+    <p:sldId id="266" r:id="rId17"/>
+    <p:sldId id="267" r:id="rId18"/>
+    <p:sldId id="271" r:id="rId19"/>
+    <p:sldId id="270" r:id="rId20"/>
   </p:sldIdLst>
   <p:sldSz cx="12192000" cy="6858000"/>
   <p:notesSz cx="6858000" cy="9144000"/>
@@ -118,6 +122,11 @@
       </a:defRPr>
     </a:lvl9pPr>
   </p:defaultTextStyle>
+  <p:extLst>
+    <p:ext uri="{EFAFB233-063F-42B5-8137-9DF3F51BA10A}">
+      <p15:sldGuideLst xmlns:p15="http://schemas.microsoft.com/office/powerpoint/2012/main"/>
+    </p:ext>
+  </p:extLst>
 </p:presentation>
 </file>
 
@@ -268,7 +277,7 @@
           <a:p>
             <a:fld id="{E12D4CE4-0CC9-4B6D-BF8B-8C2C5D1B1436}" type="datetimeFigureOut">
               <a:rPr kumimoji="1" lang="ja-JP" altLang="en-US" smtClean="0"/>
-              <a:t>2019/10/3</a:t>
+              <a:t>2019/10/19</a:t>
             </a:fld>
             <a:endParaRPr kumimoji="1" lang="ja-JP" altLang="en-US"/>
           </a:p>
@@ -498,7 +507,7 @@
           <a:p>
             <a:fld id="{E12D4CE4-0CC9-4B6D-BF8B-8C2C5D1B1436}" type="datetimeFigureOut">
               <a:rPr kumimoji="1" lang="ja-JP" altLang="en-US" smtClean="0"/>
-              <a:t>2019/10/3</a:t>
+              <a:t>2019/10/19</a:t>
             </a:fld>
             <a:endParaRPr kumimoji="1" lang="ja-JP" altLang="en-US"/>
           </a:p>
@@ -738,7 +747,7 @@
           <a:p>
             <a:fld id="{E12D4CE4-0CC9-4B6D-BF8B-8C2C5D1B1436}" type="datetimeFigureOut">
               <a:rPr kumimoji="1" lang="ja-JP" altLang="en-US" smtClean="0"/>
-              <a:t>2019/10/3</a:t>
+              <a:t>2019/10/19</a:t>
             </a:fld>
             <a:endParaRPr kumimoji="1" lang="ja-JP" altLang="en-US"/>
           </a:p>
@@ -968,7 +977,7 @@
           <a:p>
             <a:fld id="{E12D4CE4-0CC9-4B6D-BF8B-8C2C5D1B1436}" type="datetimeFigureOut">
               <a:rPr kumimoji="1" lang="ja-JP" altLang="en-US" smtClean="0"/>
-              <a:t>2019/10/3</a:t>
+              <a:t>2019/10/19</a:t>
             </a:fld>
             <a:endParaRPr kumimoji="1" lang="ja-JP" altLang="en-US"/>
           </a:p>
@@ -1243,7 +1252,7 @@
           <a:p>
             <a:fld id="{E12D4CE4-0CC9-4B6D-BF8B-8C2C5D1B1436}" type="datetimeFigureOut">
               <a:rPr kumimoji="1" lang="ja-JP" altLang="en-US" smtClean="0"/>
-              <a:t>2019/10/3</a:t>
+              <a:t>2019/10/19</a:t>
             </a:fld>
             <a:endParaRPr kumimoji="1" lang="ja-JP" altLang="en-US"/>
           </a:p>
@@ -1572,7 +1581,7 @@
           <a:p>
             <a:fld id="{E12D4CE4-0CC9-4B6D-BF8B-8C2C5D1B1436}" type="datetimeFigureOut">
               <a:rPr kumimoji="1" lang="ja-JP" altLang="en-US" smtClean="0"/>
-              <a:t>2019/10/3</a:t>
+              <a:t>2019/10/19</a:t>
             </a:fld>
             <a:endParaRPr kumimoji="1" lang="ja-JP" altLang="en-US"/>
           </a:p>
@@ -2048,7 +2057,7 @@
           <a:p>
             <a:fld id="{E12D4CE4-0CC9-4B6D-BF8B-8C2C5D1B1436}" type="datetimeFigureOut">
               <a:rPr kumimoji="1" lang="ja-JP" altLang="en-US" smtClean="0"/>
-              <a:t>2019/10/3</a:t>
+              <a:t>2019/10/19</a:t>
             </a:fld>
             <a:endParaRPr kumimoji="1" lang="ja-JP" altLang="en-US"/>
           </a:p>
@@ -2189,7 +2198,7 @@
           <a:p>
             <a:fld id="{E12D4CE4-0CC9-4B6D-BF8B-8C2C5D1B1436}" type="datetimeFigureOut">
               <a:rPr kumimoji="1" lang="ja-JP" altLang="en-US" smtClean="0"/>
-              <a:t>2019/10/3</a:t>
+              <a:t>2019/10/19</a:t>
             </a:fld>
             <a:endParaRPr kumimoji="1" lang="ja-JP" altLang="en-US"/>
           </a:p>
@@ -2302,7 +2311,7 @@
           <a:p>
             <a:fld id="{E12D4CE4-0CC9-4B6D-BF8B-8C2C5D1B1436}" type="datetimeFigureOut">
               <a:rPr kumimoji="1" lang="ja-JP" altLang="en-US" smtClean="0"/>
-              <a:t>2019/10/3</a:t>
+              <a:t>2019/10/19</a:t>
             </a:fld>
             <a:endParaRPr kumimoji="1" lang="ja-JP" altLang="en-US"/>
           </a:p>
@@ -2645,7 +2654,7 @@
           <a:p>
             <a:fld id="{E12D4CE4-0CC9-4B6D-BF8B-8C2C5D1B1436}" type="datetimeFigureOut">
               <a:rPr kumimoji="1" lang="ja-JP" altLang="en-US" smtClean="0"/>
-              <a:t>2019/10/3</a:t>
+              <a:t>2019/10/19</a:t>
             </a:fld>
             <a:endParaRPr kumimoji="1" lang="ja-JP" altLang="en-US"/>
           </a:p>
@@ -2933,7 +2942,7 @@
           <a:p>
             <a:fld id="{E12D4CE4-0CC9-4B6D-BF8B-8C2C5D1B1436}" type="datetimeFigureOut">
               <a:rPr kumimoji="1" lang="ja-JP" altLang="en-US" smtClean="0"/>
-              <a:t>2019/10/3</a:t>
+              <a:t>2019/10/19</a:t>
             </a:fld>
             <a:endParaRPr kumimoji="1" lang="ja-JP" altLang="en-US"/>
           </a:p>
@@ -3206,7 +3215,7 @@
           <a:p>
             <a:fld id="{E12D4CE4-0CC9-4B6D-BF8B-8C2C5D1B1436}" type="datetimeFigureOut">
               <a:rPr kumimoji="1" lang="ja-JP" altLang="en-US" smtClean="0"/>
-              <a:t>2019/10/3</a:t>
+              <a:t>2019/10/19</a:t>
             </a:fld>
             <a:endParaRPr kumimoji="1" lang="ja-JP" altLang="en-US"/>
           </a:p>
@@ -3783,756 +3792,6 @@
       </p:grpSpPr>
       <p:pic>
         <p:nvPicPr>
-          <p:cNvPr id="5" name="コンテンツ プレースホルダー 4" descr="スクリーンショットの画面&#10;&#10;自動的に生成された説明">
-            <a:extLst>
-              <a:ext uri="{FF2B5EF4-FFF2-40B4-BE49-F238E27FC236}">
-                <a16:creationId xmlns:a16="http://schemas.microsoft.com/office/drawing/2014/main" id="{6EFB1E37-F861-4E35-BD21-7B412B7C7FB0}"/>
-              </a:ext>
-            </a:extLst>
-          </p:cNvPr>
-          <p:cNvPicPr>
-            <a:picLocks noGrp="1" noChangeAspect="1"/>
-          </p:cNvPicPr>
-          <p:nvPr>
-            <p:ph idx="1"/>
-          </p:nvPr>
-        </p:nvPicPr>
-        <p:blipFill rotWithShape="1">
-          <a:blip r:embed="rId2">
-            <a:extLst>
-              <a:ext uri="{28A0092B-C50C-407E-A947-70E740481C1C}">
-                <a14:useLocalDpi xmlns:a14="http://schemas.microsoft.com/office/drawing/2010/main" val="0"/>
-              </a:ext>
-            </a:extLst>
-          </a:blip>
-          <a:srcRect t="6451" b="9280"/>
-          <a:stretch/>
-        </p:blipFill>
-        <p:spPr>
-          <a:xfrm>
-            <a:off x="20" y="10"/>
-            <a:ext cx="12191980" cy="6857990"/>
-          </a:xfrm>
-          <a:prstGeom prst="rect">
-            <a:avLst/>
-          </a:prstGeom>
-        </p:spPr>
-      </p:pic>
-      <p:sp>
-        <p:nvSpPr>
-          <p:cNvPr id="6" name="テキスト ボックス 5">
-            <a:extLst>
-              <a:ext uri="{FF2B5EF4-FFF2-40B4-BE49-F238E27FC236}">
-                <a16:creationId xmlns:a16="http://schemas.microsoft.com/office/drawing/2014/main" id="{318F1D2E-EE2D-4F9C-AF42-B1A01FF21B65}"/>
-              </a:ext>
-            </a:extLst>
-          </p:cNvPr>
-          <p:cNvSpPr txBox="1"/>
-          <p:nvPr/>
-        </p:nvSpPr>
-        <p:spPr>
-          <a:xfrm>
-            <a:off x="4362994" y="2180197"/>
-            <a:ext cx="5608319" cy="1569660"/>
-          </a:xfrm>
-          <a:prstGeom prst="rect">
-            <a:avLst/>
-          </a:prstGeom>
-          <a:noFill/>
-        </p:spPr>
-        <p:txBody>
-          <a:bodyPr wrap="square" rtlCol="0">
-            <a:spAutoFit/>
-          </a:bodyPr>
-          <a:lstStyle/>
-          <a:p>
-            <a:r>
-              <a:rPr lang="ja-JP" altLang="en-US" sz="3200" b="1" dirty="0"/>
-              <a:t>もう一度</a:t>
-            </a:r>
-            <a:r>
-              <a:rPr lang="en-US" altLang="ja-JP" sz="3200" b="1" dirty="0"/>
-              <a:t>task1</a:t>
-            </a:r>
-            <a:r>
-              <a:rPr lang="ja-JP" altLang="en-US" sz="3200" b="1" dirty="0"/>
-              <a:t>をクリックすると上記が表示されるので</a:t>
-            </a:r>
-            <a:r>
-              <a:rPr lang="en-US" altLang="ja-JP" sz="3200" b="1" dirty="0"/>
-              <a:t>0</a:t>
-            </a:r>
-            <a:r>
-              <a:rPr lang="ja-JP" altLang="en-US" sz="3200" b="1" dirty="0"/>
-              <a:t>になるまでサイコロを振る。</a:t>
-            </a:r>
-            <a:endParaRPr kumimoji="1" lang="ja-JP" altLang="en-US" sz="3200" b="1" dirty="0"/>
-          </a:p>
-        </p:txBody>
-      </p:sp>
-      <p:cxnSp>
-        <p:nvCxnSpPr>
-          <p:cNvPr id="7" name="直線コネクタ 6">
-            <a:extLst>
-              <a:ext uri="{FF2B5EF4-FFF2-40B4-BE49-F238E27FC236}">
-                <a16:creationId xmlns:a16="http://schemas.microsoft.com/office/drawing/2014/main" id="{3FC84F50-0226-40BB-B365-3813DD600837}"/>
-              </a:ext>
-            </a:extLst>
-          </p:cNvPr>
-          <p:cNvCxnSpPr>
-            <a:cxnSpLocks/>
-          </p:cNvCxnSpPr>
-          <p:nvPr/>
-        </p:nvCxnSpPr>
-        <p:spPr>
-          <a:xfrm>
-            <a:off x="5808617" y="1193074"/>
-            <a:ext cx="1097281" cy="987123"/>
-          </a:xfrm>
-          <a:prstGeom prst="line">
-            <a:avLst/>
-          </a:prstGeom>
-          <a:ln>
-            <a:solidFill>
-              <a:schemeClr val="tx1"/>
-            </a:solidFill>
-          </a:ln>
-        </p:spPr>
-        <p:style>
-          <a:lnRef idx="1">
-            <a:schemeClr val="accent1"/>
-          </a:lnRef>
-          <a:fillRef idx="0">
-            <a:schemeClr val="accent1"/>
-          </a:fillRef>
-          <a:effectRef idx="0">
-            <a:schemeClr val="accent1"/>
-          </a:effectRef>
-          <a:fontRef idx="minor">
-            <a:schemeClr val="tx1"/>
-          </a:fontRef>
-        </p:style>
-      </p:cxnSp>
-    </p:spTree>
-    <p:extLst>
-      <p:ext uri="{BB962C8B-B14F-4D97-AF65-F5344CB8AC3E}">
-        <p14:creationId xmlns:p14="http://schemas.microsoft.com/office/powerpoint/2010/main" val="3670647035"/>
-      </p:ext>
-    </p:extLst>
-  </p:cSld>
-  <p:clrMapOvr>
-    <a:masterClrMapping/>
-  </p:clrMapOvr>
-</p:sld>
-</file>
-
-<file path=ppt/slides/slide11.xml><?xml version="1.0" encoding="utf-8"?>
-<p:sld xmlns:a="http://schemas.openxmlformats.org/drawingml/2006/main" xmlns:r="http://schemas.openxmlformats.org/officeDocument/2006/relationships" xmlns:p="http://schemas.openxmlformats.org/presentationml/2006/main">
-  <p:cSld>
-    <p:bg>
-      <p:bgPr>
-        <a:solidFill>
-          <a:schemeClr val="bg1"/>
-        </a:solidFill>
-        <a:effectLst/>
-      </p:bgPr>
-    </p:bg>
-    <p:spTree>
-      <p:nvGrpSpPr>
-        <p:cNvPr id="1" name=""/>
-        <p:cNvGrpSpPr/>
-        <p:nvPr/>
-      </p:nvGrpSpPr>
-      <p:grpSpPr>
-        <a:xfrm>
-          <a:off x="0" y="0"/>
-          <a:ext cx="0" cy="0"/>
-          <a:chOff x="0" y="0"/>
-          <a:chExt cx="0" cy="0"/>
-        </a:xfrm>
-      </p:grpSpPr>
-      <p:pic>
-        <p:nvPicPr>
-          <p:cNvPr id="4" name="コンテンツ プレースホルダー 3" descr="スクリーンショットの画面&#10;&#10;自動的に生成された説明">
-            <a:extLst>
-              <a:ext uri="{FF2B5EF4-FFF2-40B4-BE49-F238E27FC236}">
-                <a16:creationId xmlns:a16="http://schemas.microsoft.com/office/drawing/2014/main" id="{0670FD3B-519D-43DE-A82F-721F97EFF179}"/>
-              </a:ext>
-            </a:extLst>
-          </p:cNvPr>
-          <p:cNvPicPr>
-            <a:picLocks noGrp="1" noChangeAspect="1"/>
-          </p:cNvPicPr>
-          <p:nvPr>
-            <p:ph idx="1"/>
-          </p:nvPr>
-        </p:nvPicPr>
-        <p:blipFill rotWithShape="1">
-          <a:blip r:embed="rId2"/>
-          <a:srcRect t="6410" b="9321"/>
-          <a:stretch/>
-        </p:blipFill>
-        <p:spPr>
-          <a:xfrm>
-            <a:off x="20" y="10"/>
-            <a:ext cx="12191980" cy="6857990"/>
-          </a:xfrm>
-          <a:prstGeom prst="rect">
-            <a:avLst/>
-          </a:prstGeom>
-        </p:spPr>
-      </p:pic>
-      <p:sp>
-        <p:nvSpPr>
-          <p:cNvPr id="5" name="テキスト ボックス 4">
-            <a:extLst>
-              <a:ext uri="{FF2B5EF4-FFF2-40B4-BE49-F238E27FC236}">
-                <a16:creationId xmlns:a16="http://schemas.microsoft.com/office/drawing/2014/main" id="{52A2C896-EA8D-4552-9943-EB1021D47ADF}"/>
-              </a:ext>
-            </a:extLst>
-          </p:cNvPr>
-          <p:cNvSpPr txBox="1"/>
-          <p:nvPr/>
-        </p:nvSpPr>
-        <p:spPr>
-          <a:xfrm>
-            <a:off x="4362994" y="2180197"/>
-            <a:ext cx="5608319" cy="2062103"/>
-          </a:xfrm>
-          <a:prstGeom prst="rect">
-            <a:avLst/>
-          </a:prstGeom>
-          <a:noFill/>
-        </p:spPr>
-        <p:txBody>
-          <a:bodyPr wrap="square" rtlCol="0">
-            <a:spAutoFit/>
-          </a:bodyPr>
-          <a:lstStyle/>
-          <a:p>
-            <a:r>
-              <a:rPr lang="en-US" altLang="ja-JP" sz="3200" b="1" dirty="0"/>
-              <a:t>task1</a:t>
-            </a:r>
-            <a:r>
-              <a:rPr lang="ja-JP" altLang="en-US" sz="3200" b="1" dirty="0"/>
-              <a:t>の工数が０以下になると上記のように表示されるのでドラッグして</a:t>
-            </a:r>
-            <a:r>
-              <a:rPr lang="en-US" altLang="ja-JP" sz="3200" b="1" dirty="0"/>
-              <a:t>Doing</a:t>
-            </a:r>
-            <a:r>
-              <a:rPr lang="ja-JP" altLang="en-US" sz="3200" b="1" dirty="0"/>
-              <a:t>から</a:t>
-            </a:r>
-            <a:r>
-              <a:rPr lang="en-US" altLang="ja-JP" sz="3200" b="1" dirty="0"/>
-              <a:t>Done</a:t>
-            </a:r>
-            <a:r>
-              <a:rPr lang="ja-JP" altLang="en-US" sz="3200" b="1" dirty="0"/>
-              <a:t>に移動する。</a:t>
-            </a:r>
-            <a:endParaRPr kumimoji="1" lang="ja-JP" altLang="en-US" sz="3200" b="1" dirty="0"/>
-          </a:p>
-        </p:txBody>
-      </p:sp>
-    </p:spTree>
-    <p:extLst>
-      <p:ext uri="{BB962C8B-B14F-4D97-AF65-F5344CB8AC3E}">
-        <p14:creationId xmlns:p14="http://schemas.microsoft.com/office/powerpoint/2010/main" val="1144680246"/>
-      </p:ext>
-    </p:extLst>
-  </p:cSld>
-  <p:clrMapOvr>
-    <a:masterClrMapping/>
-  </p:clrMapOvr>
-</p:sld>
-</file>
-
-<file path=ppt/slides/slide12.xml><?xml version="1.0" encoding="utf-8"?>
-<p:sld xmlns:a="http://schemas.openxmlformats.org/drawingml/2006/main" xmlns:r="http://schemas.openxmlformats.org/officeDocument/2006/relationships" xmlns:p="http://schemas.openxmlformats.org/presentationml/2006/main">
-  <p:cSld>
-    <p:bg>
-      <p:bgPr>
-        <a:solidFill>
-          <a:schemeClr val="bg1"/>
-        </a:solidFill>
-        <a:effectLst/>
-      </p:bgPr>
-    </p:bg>
-    <p:spTree>
-      <p:nvGrpSpPr>
-        <p:cNvPr id="1" name=""/>
-        <p:cNvGrpSpPr/>
-        <p:nvPr/>
-      </p:nvGrpSpPr>
-      <p:grpSpPr>
-        <a:xfrm>
-          <a:off x="0" y="0"/>
-          <a:ext cx="0" cy="0"/>
-          <a:chOff x="0" y="0"/>
-          <a:chExt cx="0" cy="0"/>
-        </a:xfrm>
-      </p:grpSpPr>
-      <p:pic>
-        <p:nvPicPr>
-          <p:cNvPr id="4" name="コンテンツ プレースホルダー 3" descr="スクリーンショットの画面&#10;&#10;自動的に生成された説明">
-            <a:extLst>
-              <a:ext uri="{FF2B5EF4-FFF2-40B4-BE49-F238E27FC236}">
-                <a16:creationId xmlns:a16="http://schemas.microsoft.com/office/drawing/2014/main" id="{4E03644E-EB4C-4324-B98B-443460F5041E}"/>
-              </a:ext>
-            </a:extLst>
-          </p:cNvPr>
-          <p:cNvPicPr>
-            <a:picLocks noGrp="1" noChangeAspect="1"/>
-          </p:cNvPicPr>
-          <p:nvPr>
-            <p:ph idx="1"/>
-          </p:nvPr>
-        </p:nvPicPr>
-        <p:blipFill rotWithShape="1">
-          <a:blip r:embed="rId2"/>
-          <a:srcRect t="6679" b="9052"/>
-          <a:stretch/>
-        </p:blipFill>
-        <p:spPr>
-          <a:xfrm>
-            <a:off x="20" y="10"/>
-            <a:ext cx="12191980" cy="6857990"/>
-          </a:xfrm>
-          <a:prstGeom prst="rect">
-            <a:avLst/>
-          </a:prstGeom>
-        </p:spPr>
-      </p:pic>
-      <p:sp>
-        <p:nvSpPr>
-          <p:cNvPr id="5" name="テキスト ボックス 4">
-            <a:extLst>
-              <a:ext uri="{FF2B5EF4-FFF2-40B4-BE49-F238E27FC236}">
-                <a16:creationId xmlns:a16="http://schemas.microsoft.com/office/drawing/2014/main" id="{C5D2137B-D342-43EA-8C92-22789D6932A3}"/>
-              </a:ext>
-            </a:extLst>
-          </p:cNvPr>
-          <p:cNvSpPr txBox="1"/>
-          <p:nvPr/>
-        </p:nvSpPr>
-        <p:spPr>
-          <a:xfrm>
-            <a:off x="4362994" y="2180197"/>
-            <a:ext cx="5608319" cy="2062103"/>
-          </a:xfrm>
-          <a:prstGeom prst="rect">
-            <a:avLst/>
-          </a:prstGeom>
-          <a:noFill/>
-        </p:spPr>
-        <p:txBody>
-          <a:bodyPr wrap="square" rtlCol="0">
-            <a:spAutoFit/>
-          </a:bodyPr>
-          <a:lstStyle/>
-          <a:p>
-            <a:r>
-              <a:rPr lang="en-US" altLang="ja-JP" sz="3200" b="1" dirty="0"/>
-              <a:t>t</a:t>
-            </a:r>
-            <a:r>
-              <a:rPr kumimoji="1" lang="en-US" altLang="ja-JP" sz="3200" b="1" dirty="0"/>
-              <a:t>ask1</a:t>
-            </a:r>
-            <a:r>
-              <a:rPr kumimoji="1" lang="ja-JP" altLang="en-US" sz="3200" b="1" dirty="0"/>
-              <a:t>をクリックし、上記のように表示されれば</a:t>
-            </a:r>
-            <a:r>
-              <a:rPr kumimoji="1" lang="en-US" altLang="ja-JP" sz="3200" b="1" dirty="0"/>
-              <a:t>OK</a:t>
-            </a:r>
-            <a:r>
-              <a:rPr kumimoji="1" lang="ja-JP" altLang="en-US" sz="3200" b="1" dirty="0"/>
-              <a:t>！</a:t>
-            </a:r>
-            <a:endParaRPr kumimoji="1" lang="en-US" altLang="ja-JP" sz="3200" b="1" dirty="0"/>
-          </a:p>
-          <a:p>
-            <a:r>
-              <a:rPr kumimoji="1" lang="ja-JP" altLang="en-US" sz="3200" b="1" dirty="0"/>
-              <a:t>このように</a:t>
-            </a:r>
-            <a:r>
-              <a:rPr kumimoji="1" lang="en-US" altLang="ja-JP" sz="3200" b="1" dirty="0"/>
-              <a:t>task2,task3……</a:t>
-            </a:r>
-            <a:r>
-              <a:rPr kumimoji="1" lang="ja-JP" altLang="en-US" sz="3200" b="1" dirty="0"/>
-              <a:t>と進めていく。</a:t>
-            </a:r>
-            <a:endParaRPr kumimoji="1" lang="en-US" altLang="ja-JP" sz="3200" b="1" dirty="0"/>
-          </a:p>
-        </p:txBody>
-      </p:sp>
-      <p:sp>
-        <p:nvSpPr>
-          <p:cNvPr id="6" name="楕円 5">
-            <a:extLst>
-              <a:ext uri="{FF2B5EF4-FFF2-40B4-BE49-F238E27FC236}">
-                <a16:creationId xmlns:a16="http://schemas.microsoft.com/office/drawing/2014/main" id="{194B86C7-6CCB-4FF9-B1BA-D33C6D271B46}"/>
-              </a:ext>
-            </a:extLst>
-          </p:cNvPr>
-          <p:cNvSpPr/>
-          <p:nvPr/>
-        </p:nvSpPr>
-        <p:spPr>
-          <a:xfrm>
-            <a:off x="7820297" y="722811"/>
-            <a:ext cx="2246810" cy="1532709"/>
-          </a:xfrm>
-          <a:prstGeom prst="ellipse">
-            <a:avLst/>
-          </a:prstGeom>
-          <a:noFill/>
-          <a:ln w="76200">
-            <a:solidFill>
-              <a:srgbClr val="FF0000"/>
-            </a:solidFill>
-          </a:ln>
-        </p:spPr>
-        <p:style>
-          <a:lnRef idx="2">
-            <a:schemeClr val="accent1">
-              <a:shade val="50000"/>
-            </a:schemeClr>
-          </a:lnRef>
-          <a:fillRef idx="1">
-            <a:schemeClr val="accent1"/>
-          </a:fillRef>
-          <a:effectRef idx="0">
-            <a:schemeClr val="accent1"/>
-          </a:effectRef>
-          <a:fontRef idx="minor">
-            <a:schemeClr val="lt1"/>
-          </a:fontRef>
-        </p:style>
-        <p:txBody>
-          <a:bodyPr rtlCol="0" anchor="ctr"/>
-          <a:lstStyle/>
-          <a:p>
-            <a:pPr algn="ctr"/>
-            <a:endParaRPr kumimoji="1" lang="ja-JP" altLang="en-US"/>
-          </a:p>
-        </p:txBody>
-      </p:sp>
-    </p:spTree>
-    <p:extLst>
-      <p:ext uri="{BB962C8B-B14F-4D97-AF65-F5344CB8AC3E}">
-        <p14:creationId xmlns:p14="http://schemas.microsoft.com/office/powerpoint/2010/main" val="3453934001"/>
-      </p:ext>
-    </p:extLst>
-  </p:cSld>
-  <p:clrMapOvr>
-    <a:masterClrMapping/>
-  </p:clrMapOvr>
-</p:sld>
-</file>
-
-<file path=ppt/slides/slide13.xml><?xml version="1.0" encoding="utf-8"?>
-<p:sld xmlns:a="http://schemas.openxmlformats.org/drawingml/2006/main" xmlns:r="http://schemas.openxmlformats.org/officeDocument/2006/relationships" xmlns:p="http://schemas.openxmlformats.org/presentationml/2006/main">
-  <p:cSld>
-    <p:bg>
-      <p:bgPr>
-        <a:solidFill>
-          <a:schemeClr val="bg1"/>
-        </a:solidFill>
-        <a:effectLst/>
-      </p:bgPr>
-    </p:bg>
-    <p:spTree>
-      <p:nvGrpSpPr>
-        <p:cNvPr id="1" name=""/>
-        <p:cNvGrpSpPr/>
-        <p:nvPr/>
-      </p:nvGrpSpPr>
-      <p:grpSpPr>
-        <a:xfrm>
-          <a:off x="0" y="0"/>
-          <a:ext cx="0" cy="0"/>
-          <a:chOff x="0" y="0"/>
-          <a:chExt cx="0" cy="0"/>
-        </a:xfrm>
-      </p:grpSpPr>
-      <p:pic>
-        <p:nvPicPr>
-          <p:cNvPr id="4" name="コンテンツ プレースホルダー 3" descr="スクリーンショットの画面&#10;&#10;自動的に生成された説明">
-            <a:extLst>
-              <a:ext uri="{FF2B5EF4-FFF2-40B4-BE49-F238E27FC236}">
-                <a16:creationId xmlns:a16="http://schemas.microsoft.com/office/drawing/2014/main" id="{E5695E43-96C1-4A5E-9252-6F6FF42F612D}"/>
-              </a:ext>
-            </a:extLst>
-          </p:cNvPr>
-          <p:cNvPicPr>
-            <a:picLocks noGrp="1" noChangeAspect="1"/>
-          </p:cNvPicPr>
-          <p:nvPr>
-            <p:ph idx="1"/>
-          </p:nvPr>
-        </p:nvPicPr>
-        <p:blipFill rotWithShape="1">
-          <a:blip r:embed="rId2"/>
-          <a:srcRect t="6293" b="9437"/>
-          <a:stretch/>
-        </p:blipFill>
-        <p:spPr>
-          <a:xfrm>
-            <a:off x="20" y="10"/>
-            <a:ext cx="12191980" cy="6857990"/>
-          </a:xfrm>
-          <a:prstGeom prst="rect">
-            <a:avLst/>
-          </a:prstGeom>
-        </p:spPr>
-      </p:pic>
-      <p:sp>
-        <p:nvSpPr>
-          <p:cNvPr id="5" name="テキスト ボックス 4">
-            <a:extLst>
-              <a:ext uri="{FF2B5EF4-FFF2-40B4-BE49-F238E27FC236}">
-                <a16:creationId xmlns:a16="http://schemas.microsoft.com/office/drawing/2014/main" id="{A9778D75-FA70-4587-BB17-52CD35CE842F}"/>
-              </a:ext>
-            </a:extLst>
-          </p:cNvPr>
-          <p:cNvSpPr txBox="1"/>
-          <p:nvPr/>
-        </p:nvSpPr>
-        <p:spPr>
-          <a:xfrm>
-            <a:off x="923109" y="2197615"/>
-            <a:ext cx="5608319" cy="2062103"/>
-          </a:xfrm>
-          <a:prstGeom prst="rect">
-            <a:avLst/>
-          </a:prstGeom>
-          <a:noFill/>
-        </p:spPr>
-        <p:txBody>
-          <a:bodyPr wrap="square" rtlCol="0">
-            <a:spAutoFit/>
-          </a:bodyPr>
-          <a:lstStyle/>
-          <a:p>
-            <a:r>
-              <a:rPr lang="ja-JP" altLang="en-US" sz="3200" b="1" dirty="0"/>
-              <a:t>最後まで進めて</a:t>
-            </a:r>
-            <a:r>
-              <a:rPr lang="en-US" altLang="ja-JP" sz="3200" b="1" dirty="0"/>
-              <a:t>Done</a:t>
-            </a:r>
-            <a:r>
-              <a:rPr lang="ja-JP" altLang="en-US" sz="3200" b="1" dirty="0"/>
-              <a:t>にある最後に完了した</a:t>
-            </a:r>
-            <a:r>
-              <a:rPr lang="en-US" altLang="ja-JP" sz="3200" b="1" dirty="0"/>
-              <a:t>task</a:t>
-            </a:r>
-            <a:r>
-              <a:rPr lang="ja-JP" altLang="en-US" sz="3200" b="1" dirty="0"/>
-              <a:t>をクリックするとゲームクリア！</a:t>
-            </a:r>
-            <a:endParaRPr lang="en-US" altLang="ja-JP" sz="3200" b="1" dirty="0"/>
-          </a:p>
-          <a:p>
-            <a:r>
-              <a:rPr kumimoji="1" lang="ja-JP" altLang="en-US" sz="3200" b="1" dirty="0"/>
-              <a:t>スコアが表示される。</a:t>
-            </a:r>
-            <a:endParaRPr kumimoji="1" lang="en-US" altLang="ja-JP" sz="3200" b="1" dirty="0"/>
-          </a:p>
-        </p:txBody>
-      </p:sp>
-      <p:sp>
-        <p:nvSpPr>
-          <p:cNvPr id="6" name="楕円 5">
-            <a:extLst>
-              <a:ext uri="{FF2B5EF4-FFF2-40B4-BE49-F238E27FC236}">
-                <a16:creationId xmlns:a16="http://schemas.microsoft.com/office/drawing/2014/main" id="{A7EE84CB-F8BA-4ABD-AB4E-4AC3E0FB94CA}"/>
-              </a:ext>
-            </a:extLst>
-          </p:cNvPr>
-          <p:cNvSpPr/>
-          <p:nvPr/>
-        </p:nvSpPr>
-        <p:spPr>
-          <a:xfrm>
-            <a:off x="7750628" y="1896291"/>
-            <a:ext cx="2246810" cy="1532709"/>
-          </a:xfrm>
-          <a:prstGeom prst="ellipse">
-            <a:avLst/>
-          </a:prstGeom>
-          <a:noFill/>
-          <a:ln w="76200">
-            <a:solidFill>
-              <a:srgbClr val="FF0000"/>
-            </a:solidFill>
-          </a:ln>
-        </p:spPr>
-        <p:style>
-          <a:lnRef idx="2">
-            <a:schemeClr val="accent1">
-              <a:shade val="50000"/>
-            </a:schemeClr>
-          </a:lnRef>
-          <a:fillRef idx="1">
-            <a:schemeClr val="accent1"/>
-          </a:fillRef>
-          <a:effectRef idx="0">
-            <a:schemeClr val="accent1"/>
-          </a:effectRef>
-          <a:fontRef idx="minor">
-            <a:schemeClr val="lt1"/>
-          </a:fontRef>
-        </p:style>
-        <p:txBody>
-          <a:bodyPr rtlCol="0" anchor="ctr"/>
-          <a:lstStyle/>
-          <a:p>
-            <a:pPr algn="ctr"/>
-            <a:endParaRPr kumimoji="1" lang="ja-JP" altLang="en-US"/>
-          </a:p>
-        </p:txBody>
-      </p:sp>
-      <p:cxnSp>
-        <p:nvCxnSpPr>
-          <p:cNvPr id="8" name="直線矢印コネクタ 7">
-            <a:extLst>
-              <a:ext uri="{FF2B5EF4-FFF2-40B4-BE49-F238E27FC236}">
-                <a16:creationId xmlns:a16="http://schemas.microsoft.com/office/drawing/2014/main" id="{072042C4-4EAF-4D5D-9CFE-BDF2F4AF92A7}"/>
-              </a:ext>
-            </a:extLst>
-          </p:cNvPr>
-          <p:cNvCxnSpPr>
-            <a:cxnSpLocks/>
-          </p:cNvCxnSpPr>
-          <p:nvPr/>
-        </p:nvCxnSpPr>
-        <p:spPr>
-          <a:xfrm flipV="1">
-            <a:off x="4728751" y="1020436"/>
-            <a:ext cx="1367249" cy="875855"/>
-          </a:xfrm>
-          <a:prstGeom prst="straightConnector1">
-            <a:avLst/>
-          </a:prstGeom>
-          <a:ln>
-            <a:solidFill>
-              <a:schemeClr val="tx1"/>
-            </a:solidFill>
-            <a:tailEnd type="triangle"/>
-          </a:ln>
-        </p:spPr>
-        <p:style>
-          <a:lnRef idx="1">
-            <a:schemeClr val="accent1"/>
-          </a:lnRef>
-          <a:fillRef idx="0">
-            <a:schemeClr val="accent1"/>
-          </a:fillRef>
-          <a:effectRef idx="0">
-            <a:schemeClr val="accent1"/>
-          </a:effectRef>
-          <a:fontRef idx="minor">
-            <a:schemeClr val="tx1"/>
-          </a:fontRef>
-        </p:style>
-      </p:cxnSp>
-      <p:cxnSp>
-        <p:nvCxnSpPr>
-          <p:cNvPr id="10" name="直線コネクタ 9">
-            <a:extLst>
-              <a:ext uri="{FF2B5EF4-FFF2-40B4-BE49-F238E27FC236}">
-                <a16:creationId xmlns:a16="http://schemas.microsoft.com/office/drawing/2014/main" id="{B75E99FE-B3F3-42A6-A797-8F74917E864C}"/>
-              </a:ext>
-            </a:extLst>
-          </p:cNvPr>
-          <p:cNvCxnSpPr>
-            <a:cxnSpLocks/>
-          </p:cNvCxnSpPr>
-          <p:nvPr/>
-        </p:nvCxnSpPr>
-        <p:spPr>
-          <a:xfrm flipH="1">
-            <a:off x="6444343" y="2647407"/>
-            <a:ext cx="1959429" cy="139336"/>
-          </a:xfrm>
-          <a:prstGeom prst="line">
-            <a:avLst/>
-          </a:prstGeom>
-          <a:ln>
-            <a:solidFill>
-              <a:schemeClr val="tx1"/>
-            </a:solidFill>
-          </a:ln>
-        </p:spPr>
-        <p:style>
-          <a:lnRef idx="1">
-            <a:schemeClr val="accent1"/>
-          </a:lnRef>
-          <a:fillRef idx="0">
-            <a:schemeClr val="accent1"/>
-          </a:fillRef>
-          <a:effectRef idx="0">
-            <a:schemeClr val="accent1"/>
-          </a:effectRef>
-          <a:fontRef idx="minor">
-            <a:schemeClr val="tx1"/>
-          </a:fontRef>
-        </p:style>
-      </p:cxnSp>
-    </p:spTree>
-    <p:extLst>
-      <p:ext uri="{BB962C8B-B14F-4D97-AF65-F5344CB8AC3E}">
-        <p14:creationId xmlns:p14="http://schemas.microsoft.com/office/powerpoint/2010/main" val="222604336"/>
-      </p:ext>
-    </p:extLst>
-  </p:cSld>
-  <p:clrMapOvr>
-    <a:masterClrMapping/>
-  </p:clrMapOvr>
-</p:sld>
-</file>
-
-<file path=ppt/slides/slide14.xml><?xml version="1.0" encoding="utf-8"?>
-<p:sld xmlns:a="http://schemas.openxmlformats.org/drawingml/2006/main" xmlns:r="http://schemas.openxmlformats.org/officeDocument/2006/relationships" xmlns:p="http://schemas.openxmlformats.org/presentationml/2006/main">
-  <p:cSld>
-    <p:bg>
-      <p:bgPr>
-        <a:solidFill>
-          <a:schemeClr val="bg1"/>
-        </a:solidFill>
-        <a:effectLst/>
-      </p:bgPr>
-    </p:bg>
-    <p:spTree>
-      <p:nvGrpSpPr>
-        <p:cNvPr id="1" name=""/>
-        <p:cNvGrpSpPr/>
-        <p:nvPr/>
-      </p:nvGrpSpPr>
-      <p:grpSpPr>
-        <a:xfrm>
-          <a:off x="0" y="0"/>
-          <a:ext cx="0" cy="0"/>
-          <a:chOff x="0" y="0"/>
-          <a:chExt cx="0" cy="0"/>
-        </a:xfrm>
-      </p:grpSpPr>
-      <p:pic>
-        <p:nvPicPr>
           <p:cNvPr id="4" name="コンテンツ プレースホルダー 3" descr="スクリーンショットの画面&#10;&#10;自動的に生成された説明">
             <a:extLst>
               <a:ext uri="{FF2B5EF4-FFF2-40B4-BE49-F238E27FC236}">
@@ -4576,19 +3835,15 @@
         </p:nvSpPr>
         <p:spPr>
           <a:xfrm>
-            <a:off x="6583661" y="525569"/>
-            <a:ext cx="5608319" cy="1569660"/>
+            <a:off x="6261444" y="1878875"/>
+            <a:ext cx="5608319" cy="1077218"/>
           </a:xfrm>
           <a:prstGeom prst="rect">
             <a:avLst/>
           </a:prstGeom>
-          <a:solidFill>
-            <a:schemeClr val="bg1"/>
-          </a:solidFill>
+          <a:noFill/>
           <a:ln>
-            <a:solidFill>
-              <a:schemeClr val="tx1"/>
-            </a:solidFill>
+            <a:noFill/>
           </a:ln>
         </p:spPr>
         <p:txBody>
@@ -4599,7 +3854,7 @@
           <a:p>
             <a:r>
               <a:rPr lang="ja-JP" altLang="en-US" sz="3200" b="1" dirty="0"/>
-              <a:t>サイコロを振った後右下のカードをクリックするとイベントカードが使用される。</a:t>
+              <a:t>イベントカードが使用された結果</a:t>
             </a:r>
             <a:endParaRPr lang="en-US" altLang="ja-JP" sz="3200" b="1" dirty="0"/>
           </a:p>
@@ -5025,7 +4280,1602 @@
 </p:sld>
 </file>
 
+<file path=ppt/slides/slide11.xml><?xml version="1.0" encoding="utf-8"?>
+<p:sld xmlns:a="http://schemas.openxmlformats.org/drawingml/2006/main" xmlns:r="http://schemas.openxmlformats.org/officeDocument/2006/relationships" xmlns:p="http://schemas.openxmlformats.org/presentationml/2006/main">
+  <p:cSld>
+    <p:bg>
+      <p:bgPr>
+        <a:solidFill>
+          <a:schemeClr val="bg1"/>
+        </a:solidFill>
+        <a:effectLst/>
+      </p:bgPr>
+    </p:bg>
+    <p:spTree>
+      <p:nvGrpSpPr>
+        <p:cNvPr id="1" name=""/>
+        <p:cNvGrpSpPr/>
+        <p:nvPr/>
+      </p:nvGrpSpPr>
+      <p:grpSpPr>
+        <a:xfrm>
+          <a:off x="0" y="0"/>
+          <a:ext cx="0" cy="0"/>
+          <a:chOff x="0" y="0"/>
+          <a:chExt cx="0" cy="0"/>
+        </a:xfrm>
+      </p:grpSpPr>
+      <p:pic>
+        <p:nvPicPr>
+          <p:cNvPr id="4" name="コンテンツ プレースホルダー 3" descr="スクリーンショットの画面&#10;&#10;自動的に生成された説明">
+            <a:extLst>
+              <a:ext uri="{FF2B5EF4-FFF2-40B4-BE49-F238E27FC236}">
+                <a16:creationId xmlns:a16="http://schemas.microsoft.com/office/drawing/2014/main" id="{B6F277E7-2416-458A-B279-0860A1A96B95}"/>
+              </a:ext>
+            </a:extLst>
+          </p:cNvPr>
+          <p:cNvPicPr>
+            <a:picLocks noGrp="1" noChangeAspect="1"/>
+          </p:cNvPicPr>
+          <p:nvPr>
+            <p:ph idx="1"/>
+          </p:nvPr>
+        </p:nvPicPr>
+        <p:blipFill rotWithShape="1">
+          <a:blip r:embed="rId2"/>
+          <a:srcRect t="11471" b="4260"/>
+          <a:stretch/>
+        </p:blipFill>
+        <p:spPr>
+          <a:xfrm>
+            <a:off x="20" y="10"/>
+            <a:ext cx="12191980" cy="5721521"/>
+          </a:xfrm>
+          <a:prstGeom prst="rect">
+            <a:avLst/>
+          </a:prstGeom>
+        </p:spPr>
+      </p:pic>
+      <p:sp>
+        <p:nvSpPr>
+          <p:cNvPr id="5" name="テキスト ボックス 4">
+            <a:extLst>
+              <a:ext uri="{FF2B5EF4-FFF2-40B4-BE49-F238E27FC236}">
+                <a16:creationId xmlns:a16="http://schemas.microsoft.com/office/drawing/2014/main" id="{63D96ACB-2942-454D-AE60-AAD33C605922}"/>
+              </a:ext>
+            </a:extLst>
+          </p:cNvPr>
+          <p:cNvSpPr txBox="1"/>
+          <p:nvPr/>
+        </p:nvSpPr>
+        <p:spPr>
+          <a:xfrm>
+            <a:off x="8090263" y="5967268"/>
+            <a:ext cx="3561806" cy="646331"/>
+          </a:xfrm>
+          <a:prstGeom prst="rect">
+            <a:avLst/>
+          </a:prstGeom>
+          <a:noFill/>
+          <a:ln>
+            <a:solidFill>
+              <a:schemeClr val="tx1"/>
+            </a:solidFill>
+          </a:ln>
+        </p:spPr>
+        <p:txBody>
+          <a:bodyPr wrap="square" rtlCol="0">
+            <a:spAutoFit/>
+          </a:bodyPr>
+          <a:lstStyle/>
+          <a:p>
+            <a:r>
+              <a:rPr kumimoji="1" lang="ja-JP" altLang="en-US" dirty="0"/>
+              <a:t>ターン終了ボタンのようなものを作る</a:t>
+            </a:r>
+          </a:p>
+        </p:txBody>
+      </p:sp>
+      <p:sp>
+        <p:nvSpPr>
+          <p:cNvPr id="6" name="テキスト ボックス 5">
+            <a:extLst>
+              <a:ext uri="{FF2B5EF4-FFF2-40B4-BE49-F238E27FC236}">
+                <a16:creationId xmlns:a16="http://schemas.microsoft.com/office/drawing/2014/main" id="{4681C17A-44F9-4958-A266-877ED7503769}"/>
+              </a:ext>
+            </a:extLst>
+          </p:cNvPr>
+          <p:cNvSpPr txBox="1"/>
+          <p:nvPr/>
+        </p:nvSpPr>
+        <p:spPr>
+          <a:xfrm>
+            <a:off x="4193177" y="5967267"/>
+            <a:ext cx="3561806" cy="646331"/>
+          </a:xfrm>
+          <a:prstGeom prst="rect">
+            <a:avLst/>
+          </a:prstGeom>
+          <a:noFill/>
+          <a:ln>
+            <a:noFill/>
+          </a:ln>
+        </p:spPr>
+        <p:txBody>
+          <a:bodyPr wrap="square" rtlCol="0">
+            <a:spAutoFit/>
+          </a:bodyPr>
+          <a:lstStyle/>
+          <a:p>
+            <a:r>
+              <a:rPr kumimoji="1" lang="en-US" altLang="ja-JP" dirty="0"/>
+              <a:t>※event</a:t>
+            </a:r>
+            <a:r>
+              <a:rPr kumimoji="1" lang="ja-JP" altLang="en-US" dirty="0"/>
+              <a:t>カードを引かない場合必要になる。</a:t>
+            </a:r>
+            <a:endParaRPr kumimoji="1" lang="en-US" altLang="ja-JP" dirty="0"/>
+          </a:p>
+        </p:txBody>
+      </p:sp>
+    </p:spTree>
+    <p:extLst>
+      <p:ext uri="{BB962C8B-B14F-4D97-AF65-F5344CB8AC3E}">
+        <p14:creationId xmlns:p14="http://schemas.microsoft.com/office/powerpoint/2010/main" val="3417578181"/>
+      </p:ext>
+    </p:extLst>
+  </p:cSld>
+  <p:clrMapOvr>
+    <a:masterClrMapping/>
+  </p:clrMapOvr>
+</p:sld>
+</file>
+
+<file path=ppt/slides/slide12.xml><?xml version="1.0" encoding="utf-8"?>
+<p:sld xmlns:a="http://schemas.openxmlformats.org/drawingml/2006/main" xmlns:r="http://schemas.openxmlformats.org/officeDocument/2006/relationships" xmlns:p="http://schemas.openxmlformats.org/presentationml/2006/main">
+  <p:cSld>
+    <p:bg>
+      <p:bgPr>
+        <a:solidFill>
+          <a:schemeClr val="bg1"/>
+        </a:solidFill>
+        <a:effectLst/>
+      </p:bgPr>
+    </p:bg>
+    <p:spTree>
+      <p:nvGrpSpPr>
+        <p:cNvPr id="1" name=""/>
+        <p:cNvGrpSpPr/>
+        <p:nvPr/>
+      </p:nvGrpSpPr>
+      <p:grpSpPr>
+        <a:xfrm>
+          <a:off x="0" y="0"/>
+          <a:ext cx="0" cy="0"/>
+          <a:chOff x="0" y="0"/>
+          <a:chExt cx="0" cy="0"/>
+        </a:xfrm>
+      </p:grpSpPr>
+      <p:pic>
+        <p:nvPicPr>
+          <p:cNvPr id="4" name="コンテンツ プレースホルダー 3" descr="スクリーンショットの画面&#10;&#10;自動的に生成された説明">
+            <a:extLst>
+              <a:ext uri="{FF2B5EF4-FFF2-40B4-BE49-F238E27FC236}">
+                <a16:creationId xmlns:a16="http://schemas.microsoft.com/office/drawing/2014/main" id="{0670FD3B-519D-43DE-A82F-721F97EFF179}"/>
+              </a:ext>
+            </a:extLst>
+          </p:cNvPr>
+          <p:cNvPicPr>
+            <a:picLocks noGrp="1" noChangeAspect="1"/>
+          </p:cNvPicPr>
+          <p:nvPr>
+            <p:ph idx="1"/>
+          </p:nvPr>
+        </p:nvPicPr>
+        <p:blipFill rotWithShape="1">
+          <a:blip r:embed="rId2"/>
+          <a:srcRect t="6410" b="9321"/>
+          <a:stretch/>
+        </p:blipFill>
+        <p:spPr>
+          <a:xfrm>
+            <a:off x="20" y="10"/>
+            <a:ext cx="12191980" cy="6857990"/>
+          </a:xfrm>
+          <a:prstGeom prst="rect">
+            <a:avLst/>
+          </a:prstGeom>
+        </p:spPr>
+      </p:pic>
+      <p:sp>
+        <p:nvSpPr>
+          <p:cNvPr id="5" name="テキスト ボックス 4">
+            <a:extLst>
+              <a:ext uri="{FF2B5EF4-FFF2-40B4-BE49-F238E27FC236}">
+                <a16:creationId xmlns:a16="http://schemas.microsoft.com/office/drawing/2014/main" id="{52A2C896-EA8D-4552-9943-EB1021D47ADF}"/>
+              </a:ext>
+            </a:extLst>
+          </p:cNvPr>
+          <p:cNvSpPr txBox="1"/>
+          <p:nvPr/>
+        </p:nvSpPr>
+        <p:spPr>
+          <a:xfrm>
+            <a:off x="4362994" y="2180197"/>
+            <a:ext cx="5608319" cy="2062103"/>
+          </a:xfrm>
+          <a:prstGeom prst="rect">
+            <a:avLst/>
+          </a:prstGeom>
+          <a:noFill/>
+        </p:spPr>
+        <p:txBody>
+          <a:bodyPr wrap="square" rtlCol="0">
+            <a:spAutoFit/>
+          </a:bodyPr>
+          <a:lstStyle/>
+          <a:p>
+            <a:r>
+              <a:rPr lang="en-US" altLang="ja-JP" sz="3200" b="1" dirty="0"/>
+              <a:t>task1</a:t>
+            </a:r>
+            <a:r>
+              <a:rPr lang="ja-JP" altLang="en-US" sz="3200" b="1" dirty="0"/>
+              <a:t>の工数が０以下になると上記のように表示されるのでドラッグして</a:t>
+            </a:r>
+            <a:r>
+              <a:rPr lang="en-US" altLang="ja-JP" sz="3200" b="1" dirty="0"/>
+              <a:t>Doing</a:t>
+            </a:r>
+            <a:r>
+              <a:rPr lang="ja-JP" altLang="en-US" sz="3200" b="1" dirty="0"/>
+              <a:t>から</a:t>
+            </a:r>
+            <a:r>
+              <a:rPr lang="en-US" altLang="ja-JP" sz="3200" b="1" dirty="0"/>
+              <a:t>Done</a:t>
+            </a:r>
+            <a:r>
+              <a:rPr lang="ja-JP" altLang="en-US" sz="3200" b="1" dirty="0"/>
+              <a:t>に移動する。</a:t>
+            </a:r>
+            <a:endParaRPr kumimoji="1" lang="ja-JP" altLang="en-US" sz="3200" b="1" dirty="0"/>
+          </a:p>
+        </p:txBody>
+      </p:sp>
+    </p:spTree>
+    <p:extLst>
+      <p:ext uri="{BB962C8B-B14F-4D97-AF65-F5344CB8AC3E}">
+        <p14:creationId xmlns:p14="http://schemas.microsoft.com/office/powerpoint/2010/main" val="1144680246"/>
+      </p:ext>
+    </p:extLst>
+  </p:cSld>
+  <p:clrMapOvr>
+    <a:masterClrMapping/>
+  </p:clrMapOvr>
+</p:sld>
+</file>
+
+<file path=ppt/slides/slide13.xml><?xml version="1.0" encoding="utf-8"?>
+<p:sld xmlns:a="http://schemas.openxmlformats.org/drawingml/2006/main" xmlns:r="http://schemas.openxmlformats.org/officeDocument/2006/relationships" xmlns:p="http://schemas.openxmlformats.org/presentationml/2006/main">
+  <p:cSld>
+    <p:bg>
+      <p:bgPr>
+        <a:solidFill>
+          <a:schemeClr val="bg1"/>
+        </a:solidFill>
+        <a:effectLst/>
+      </p:bgPr>
+    </p:bg>
+    <p:spTree>
+      <p:nvGrpSpPr>
+        <p:cNvPr id="1" name=""/>
+        <p:cNvGrpSpPr/>
+        <p:nvPr/>
+      </p:nvGrpSpPr>
+      <p:grpSpPr>
+        <a:xfrm>
+          <a:off x="0" y="0"/>
+          <a:ext cx="0" cy="0"/>
+          <a:chOff x="0" y="0"/>
+          <a:chExt cx="0" cy="0"/>
+        </a:xfrm>
+      </p:grpSpPr>
+      <p:pic>
+        <p:nvPicPr>
+          <p:cNvPr id="9" name="コンテンツ プレースホルダー 8" descr="スクリーンショットの画面&#10;&#10;自動的に生成された説明">
+            <a:extLst>
+              <a:ext uri="{FF2B5EF4-FFF2-40B4-BE49-F238E27FC236}">
+                <a16:creationId xmlns:a16="http://schemas.microsoft.com/office/drawing/2014/main" id="{614DD335-2310-4C32-BD04-5172B4DF470F}"/>
+              </a:ext>
+            </a:extLst>
+          </p:cNvPr>
+          <p:cNvPicPr>
+            <a:picLocks noGrp="1" noChangeAspect="1"/>
+          </p:cNvPicPr>
+          <p:nvPr>
+            <p:ph idx="1"/>
+          </p:nvPr>
+        </p:nvPicPr>
+        <p:blipFill rotWithShape="1">
+          <a:blip r:embed="rId2">
+            <a:extLst>
+              <a:ext uri="{28A0092B-C50C-407E-A947-70E740481C1C}">
+                <a14:useLocalDpi xmlns:a14="http://schemas.microsoft.com/office/drawing/2010/main" val="0"/>
+              </a:ext>
+            </a:extLst>
+          </a:blip>
+          <a:srcRect t="7096" b="8634"/>
+          <a:stretch/>
+        </p:blipFill>
+        <p:spPr>
+          <a:xfrm>
+            <a:off x="20" y="-185924"/>
+            <a:ext cx="12191980" cy="6874107"/>
+          </a:xfrm>
+          <a:prstGeom prst="rect">
+            <a:avLst/>
+          </a:prstGeom>
+        </p:spPr>
+      </p:pic>
+      <p:sp>
+        <p:nvSpPr>
+          <p:cNvPr id="10" name="楕円 9">
+            <a:extLst>
+              <a:ext uri="{FF2B5EF4-FFF2-40B4-BE49-F238E27FC236}">
+                <a16:creationId xmlns:a16="http://schemas.microsoft.com/office/drawing/2014/main" id="{6288078F-D7EE-409A-BA38-FF6453A633DE}"/>
+              </a:ext>
+            </a:extLst>
+          </p:cNvPr>
+          <p:cNvSpPr/>
+          <p:nvPr/>
+        </p:nvSpPr>
+        <p:spPr>
+          <a:xfrm>
+            <a:off x="4362994" y="4972594"/>
+            <a:ext cx="3361509" cy="1654629"/>
+          </a:xfrm>
+          <a:prstGeom prst="ellipse">
+            <a:avLst/>
+          </a:prstGeom>
+          <a:noFill/>
+          <a:ln w="76200">
+            <a:solidFill>
+              <a:srgbClr val="FF0000"/>
+            </a:solidFill>
+          </a:ln>
+        </p:spPr>
+        <p:style>
+          <a:lnRef idx="2">
+            <a:schemeClr val="accent1">
+              <a:shade val="50000"/>
+            </a:schemeClr>
+          </a:lnRef>
+          <a:fillRef idx="1">
+            <a:schemeClr val="accent1"/>
+          </a:fillRef>
+          <a:effectRef idx="0">
+            <a:schemeClr val="accent1"/>
+          </a:effectRef>
+          <a:fontRef idx="minor">
+            <a:schemeClr val="lt1"/>
+          </a:fontRef>
+        </p:style>
+        <p:txBody>
+          <a:bodyPr rtlCol="0" anchor="ctr"/>
+          <a:lstStyle/>
+          <a:p>
+            <a:pPr algn="ctr"/>
+            <a:endParaRPr kumimoji="1" lang="ja-JP" altLang="en-US"/>
+          </a:p>
+        </p:txBody>
+      </p:sp>
+      <p:sp>
+        <p:nvSpPr>
+          <p:cNvPr id="11" name="テキスト ボックス 10">
+            <a:extLst>
+              <a:ext uri="{FF2B5EF4-FFF2-40B4-BE49-F238E27FC236}">
+                <a16:creationId xmlns:a16="http://schemas.microsoft.com/office/drawing/2014/main" id="{8FD5A78A-08DE-44F6-8BFD-B952616D8D33}"/>
+              </a:ext>
+            </a:extLst>
+          </p:cNvPr>
+          <p:cNvSpPr txBox="1"/>
+          <p:nvPr/>
+        </p:nvSpPr>
+        <p:spPr>
+          <a:xfrm>
+            <a:off x="5408023" y="4201885"/>
+            <a:ext cx="5608319" cy="584775"/>
+          </a:xfrm>
+          <a:prstGeom prst="rect">
+            <a:avLst/>
+          </a:prstGeom>
+          <a:noFill/>
+        </p:spPr>
+        <p:txBody>
+          <a:bodyPr wrap="square" rtlCol="0">
+            <a:spAutoFit/>
+          </a:bodyPr>
+          <a:lstStyle/>
+          <a:p>
+            <a:r>
+              <a:rPr lang="ja-JP" altLang="en-US" sz="3200" b="1" dirty="0"/>
+              <a:t>サイコロはすぐに止まる</a:t>
+            </a:r>
+            <a:endParaRPr kumimoji="1" lang="ja-JP" altLang="en-US" sz="3200" b="1" dirty="0"/>
+          </a:p>
+        </p:txBody>
+      </p:sp>
+      <p:cxnSp>
+        <p:nvCxnSpPr>
+          <p:cNvPr id="14" name="直線コネクタ 13">
+            <a:extLst>
+              <a:ext uri="{FF2B5EF4-FFF2-40B4-BE49-F238E27FC236}">
+                <a16:creationId xmlns:a16="http://schemas.microsoft.com/office/drawing/2014/main" id="{10989137-C75A-4F97-B3BC-8BD8D7241C53}"/>
+              </a:ext>
+            </a:extLst>
+          </p:cNvPr>
+          <p:cNvCxnSpPr>
+            <a:cxnSpLocks/>
+          </p:cNvCxnSpPr>
+          <p:nvPr/>
+        </p:nvCxnSpPr>
+        <p:spPr>
+          <a:xfrm>
+            <a:off x="1771971" y="1823263"/>
+            <a:ext cx="736097" cy="737057"/>
+          </a:xfrm>
+          <a:prstGeom prst="line">
+            <a:avLst/>
+          </a:prstGeom>
+          <a:ln>
+            <a:solidFill>
+              <a:schemeClr val="tx1"/>
+            </a:solidFill>
+          </a:ln>
+        </p:spPr>
+        <p:style>
+          <a:lnRef idx="1">
+            <a:schemeClr val="accent1"/>
+          </a:lnRef>
+          <a:fillRef idx="0">
+            <a:schemeClr val="accent1"/>
+          </a:fillRef>
+          <a:effectRef idx="0">
+            <a:schemeClr val="accent1"/>
+          </a:effectRef>
+          <a:fontRef idx="minor">
+            <a:schemeClr val="tx1"/>
+          </a:fontRef>
+        </p:style>
+      </p:cxnSp>
+      <p:sp>
+        <p:nvSpPr>
+          <p:cNvPr id="15" name="テキスト ボックス 14">
+            <a:extLst>
+              <a:ext uri="{FF2B5EF4-FFF2-40B4-BE49-F238E27FC236}">
+                <a16:creationId xmlns:a16="http://schemas.microsoft.com/office/drawing/2014/main" id="{28A48DE1-A4FB-4CD1-BAE2-B8B7B6830254}"/>
+              </a:ext>
+            </a:extLst>
+          </p:cNvPr>
+          <p:cNvSpPr txBox="1"/>
+          <p:nvPr/>
+        </p:nvSpPr>
+        <p:spPr>
+          <a:xfrm>
+            <a:off x="2508068" y="2044005"/>
+            <a:ext cx="5608319" cy="1384995"/>
+          </a:xfrm>
+          <a:prstGeom prst="rect">
+            <a:avLst/>
+          </a:prstGeom>
+          <a:noFill/>
+        </p:spPr>
+        <p:txBody>
+          <a:bodyPr wrap="square" rtlCol="0">
+            <a:spAutoFit/>
+          </a:bodyPr>
+          <a:lstStyle/>
+          <a:p>
+            <a:r>
+              <a:rPr lang="en-US" altLang="ja-JP" sz="2800" b="1" dirty="0"/>
+              <a:t>task</a:t>
+            </a:r>
+            <a:r>
+              <a:rPr kumimoji="1" lang="ja-JP" altLang="en-US" sz="2800" b="1" dirty="0"/>
+              <a:t>をクリックするとサイコロの目の合計だけ工数が減っているとわかる。</a:t>
+            </a:r>
+            <a:endParaRPr kumimoji="1" lang="en-US" altLang="ja-JP" sz="2800" b="1" dirty="0"/>
+          </a:p>
+        </p:txBody>
+      </p:sp>
+      <p:cxnSp>
+        <p:nvCxnSpPr>
+          <p:cNvPr id="17" name="直線矢印コネクタ 16">
+            <a:extLst>
+              <a:ext uri="{FF2B5EF4-FFF2-40B4-BE49-F238E27FC236}">
+                <a16:creationId xmlns:a16="http://schemas.microsoft.com/office/drawing/2014/main" id="{25C08F5D-00FD-42EF-99BA-E4F8E96892EC}"/>
+              </a:ext>
+            </a:extLst>
+          </p:cNvPr>
+          <p:cNvCxnSpPr>
+            <a:cxnSpLocks/>
+          </p:cNvCxnSpPr>
+          <p:nvPr/>
+        </p:nvCxnSpPr>
+        <p:spPr>
+          <a:xfrm flipV="1">
+            <a:off x="4650355" y="931817"/>
+            <a:ext cx="461576" cy="926254"/>
+          </a:xfrm>
+          <a:prstGeom prst="straightConnector1">
+            <a:avLst/>
+          </a:prstGeom>
+          <a:ln>
+            <a:solidFill>
+              <a:schemeClr val="tx1"/>
+            </a:solidFill>
+            <a:tailEnd type="triangle"/>
+          </a:ln>
+        </p:spPr>
+        <p:style>
+          <a:lnRef idx="1">
+            <a:schemeClr val="accent1"/>
+          </a:lnRef>
+          <a:fillRef idx="0">
+            <a:schemeClr val="accent1"/>
+          </a:fillRef>
+          <a:effectRef idx="0">
+            <a:schemeClr val="accent1"/>
+          </a:effectRef>
+          <a:fontRef idx="minor">
+            <a:schemeClr val="tx1"/>
+          </a:fontRef>
+        </p:style>
+      </p:cxnSp>
+      <p:sp>
+        <p:nvSpPr>
+          <p:cNvPr id="18" name="楕円 17">
+            <a:extLst>
+              <a:ext uri="{FF2B5EF4-FFF2-40B4-BE49-F238E27FC236}">
+                <a16:creationId xmlns:a16="http://schemas.microsoft.com/office/drawing/2014/main" id="{06E862C7-C2F0-460A-8726-22972AA479DC}"/>
+              </a:ext>
+            </a:extLst>
+          </p:cNvPr>
+          <p:cNvSpPr/>
+          <p:nvPr/>
+        </p:nvSpPr>
+        <p:spPr>
+          <a:xfrm>
+            <a:off x="-274320" y="870857"/>
+            <a:ext cx="2416627" cy="1410790"/>
+          </a:xfrm>
+          <a:prstGeom prst="ellipse">
+            <a:avLst/>
+          </a:prstGeom>
+          <a:noFill/>
+          <a:ln w="76200">
+            <a:solidFill>
+              <a:srgbClr val="FF0000"/>
+            </a:solidFill>
+          </a:ln>
+        </p:spPr>
+        <p:style>
+          <a:lnRef idx="2">
+            <a:schemeClr val="accent1">
+              <a:shade val="50000"/>
+            </a:schemeClr>
+          </a:lnRef>
+          <a:fillRef idx="1">
+            <a:schemeClr val="accent1"/>
+          </a:fillRef>
+          <a:effectRef idx="0">
+            <a:schemeClr val="accent1"/>
+          </a:effectRef>
+          <a:fontRef idx="minor">
+            <a:schemeClr val="lt1"/>
+          </a:fontRef>
+        </p:style>
+        <p:txBody>
+          <a:bodyPr rtlCol="0" anchor="ctr"/>
+          <a:lstStyle/>
+          <a:p>
+            <a:pPr algn="ctr"/>
+            <a:endParaRPr kumimoji="1" lang="ja-JP" altLang="en-US"/>
+          </a:p>
+        </p:txBody>
+      </p:sp>
+      <p:sp>
+        <p:nvSpPr>
+          <p:cNvPr id="19" name="テキスト ボックス 18">
+            <a:extLst>
+              <a:ext uri="{FF2B5EF4-FFF2-40B4-BE49-F238E27FC236}">
+                <a16:creationId xmlns:a16="http://schemas.microsoft.com/office/drawing/2014/main" id="{5A10AD3F-1087-4089-8D45-E1B6D8864BE7}"/>
+              </a:ext>
+            </a:extLst>
+          </p:cNvPr>
+          <p:cNvSpPr txBox="1"/>
+          <p:nvPr/>
+        </p:nvSpPr>
+        <p:spPr>
+          <a:xfrm>
+            <a:off x="8273144" y="1899403"/>
+            <a:ext cx="3387632" cy="892552"/>
+          </a:xfrm>
+          <a:prstGeom prst="rect">
+            <a:avLst/>
+          </a:prstGeom>
+          <a:noFill/>
+        </p:spPr>
+        <p:txBody>
+          <a:bodyPr wrap="square" rtlCol="0">
+            <a:spAutoFit/>
+          </a:bodyPr>
+          <a:lstStyle/>
+          <a:p>
+            <a:r>
+              <a:rPr kumimoji="1" lang="ja-JP" altLang="en-US" sz="3600" b="1" u="sng" dirty="0"/>
+              <a:t>２４</a:t>
+            </a:r>
+            <a:r>
+              <a:rPr kumimoji="1" lang="ja-JP" altLang="en-US" sz="3600" b="1" dirty="0"/>
+              <a:t>－</a:t>
+            </a:r>
+            <a:r>
+              <a:rPr kumimoji="1" lang="ja-JP" altLang="en-US" sz="3600" b="1" u="sng" dirty="0"/>
+              <a:t>９</a:t>
+            </a:r>
+            <a:r>
+              <a:rPr kumimoji="1" lang="ja-JP" altLang="en-US" sz="3600" b="1" dirty="0"/>
+              <a:t>＝１５</a:t>
+            </a:r>
+            <a:endParaRPr kumimoji="1" lang="en-US" altLang="ja-JP" sz="3600" b="1" dirty="0"/>
+          </a:p>
+          <a:p>
+            <a:r>
+              <a:rPr kumimoji="1" lang="ja-JP" altLang="en-US" sz="1400" b="1" dirty="0"/>
+              <a:t>（残りの工数）（サイコロの和）</a:t>
+            </a:r>
+          </a:p>
+        </p:txBody>
+      </p:sp>
+    </p:spTree>
+    <p:extLst>
+      <p:ext uri="{BB962C8B-B14F-4D97-AF65-F5344CB8AC3E}">
+        <p14:creationId xmlns:p14="http://schemas.microsoft.com/office/powerpoint/2010/main" val="43072322"/>
+      </p:ext>
+    </p:extLst>
+  </p:cSld>
+  <p:clrMapOvr>
+    <a:masterClrMapping/>
+  </p:clrMapOvr>
+</p:sld>
+</file>
+
+<file path=ppt/slides/slide14.xml><?xml version="1.0" encoding="utf-8"?>
+<p:sld xmlns:a="http://schemas.openxmlformats.org/drawingml/2006/main" xmlns:r="http://schemas.openxmlformats.org/officeDocument/2006/relationships" xmlns:p="http://schemas.openxmlformats.org/presentationml/2006/main">
+  <p:cSld>
+    <p:bg>
+      <p:bgPr>
+        <a:solidFill>
+          <a:schemeClr val="bg1"/>
+        </a:solidFill>
+        <a:effectLst/>
+      </p:bgPr>
+    </p:bg>
+    <p:spTree>
+      <p:nvGrpSpPr>
+        <p:cNvPr id="1" name=""/>
+        <p:cNvGrpSpPr/>
+        <p:nvPr/>
+      </p:nvGrpSpPr>
+      <p:grpSpPr>
+        <a:xfrm>
+          <a:off x="0" y="0"/>
+          <a:ext cx="0" cy="0"/>
+          <a:chOff x="0" y="0"/>
+          <a:chExt cx="0" cy="0"/>
+        </a:xfrm>
+      </p:grpSpPr>
+      <p:pic>
+        <p:nvPicPr>
+          <p:cNvPr id="5" name="コンテンツ プレースホルダー 4" descr="スクリーンショットの画面&#10;&#10;自動的に生成された説明">
+            <a:extLst>
+              <a:ext uri="{FF2B5EF4-FFF2-40B4-BE49-F238E27FC236}">
+                <a16:creationId xmlns:a16="http://schemas.microsoft.com/office/drawing/2014/main" id="{B7BC22E0-E528-40CB-80F6-DB5C9904B831}"/>
+              </a:ext>
+            </a:extLst>
+          </p:cNvPr>
+          <p:cNvPicPr>
+            <a:picLocks noGrp="1" noChangeAspect="1"/>
+          </p:cNvPicPr>
+          <p:nvPr>
+            <p:ph idx="1"/>
+          </p:nvPr>
+        </p:nvPicPr>
+        <p:blipFill rotWithShape="1">
+          <a:blip r:embed="rId2">
+            <a:extLst>
+              <a:ext uri="{28A0092B-C50C-407E-A947-70E740481C1C}">
+                <a14:useLocalDpi xmlns:a14="http://schemas.microsoft.com/office/drawing/2010/main" val="0"/>
+              </a:ext>
+            </a:extLst>
+          </a:blip>
+          <a:srcRect t="6280" b="9450"/>
+          <a:stretch/>
+        </p:blipFill>
+        <p:spPr>
+          <a:xfrm>
+            <a:off x="235151" y="78386"/>
+            <a:ext cx="12191980" cy="6857990"/>
+          </a:xfrm>
+          <a:prstGeom prst="rect">
+            <a:avLst/>
+          </a:prstGeom>
+        </p:spPr>
+      </p:pic>
+      <p:cxnSp>
+        <p:nvCxnSpPr>
+          <p:cNvPr id="7" name="直線コネクタ 6">
+            <a:extLst>
+              <a:ext uri="{FF2B5EF4-FFF2-40B4-BE49-F238E27FC236}">
+                <a16:creationId xmlns:a16="http://schemas.microsoft.com/office/drawing/2014/main" id="{2E6238BB-EB1E-4D8F-A66C-20A4223787CA}"/>
+              </a:ext>
+            </a:extLst>
+          </p:cNvPr>
+          <p:cNvCxnSpPr/>
+          <p:nvPr/>
+        </p:nvCxnSpPr>
+        <p:spPr>
+          <a:xfrm>
+            <a:off x="1771971" y="1823263"/>
+            <a:ext cx="2451687" cy="597720"/>
+          </a:xfrm>
+          <a:prstGeom prst="line">
+            <a:avLst/>
+          </a:prstGeom>
+          <a:ln>
+            <a:solidFill>
+              <a:schemeClr val="tx1"/>
+            </a:solidFill>
+          </a:ln>
+        </p:spPr>
+        <p:style>
+          <a:lnRef idx="1">
+            <a:schemeClr val="accent1"/>
+          </a:lnRef>
+          <a:fillRef idx="0">
+            <a:schemeClr val="accent1"/>
+          </a:fillRef>
+          <a:effectRef idx="0">
+            <a:schemeClr val="accent1"/>
+          </a:effectRef>
+          <a:fontRef idx="minor">
+            <a:schemeClr val="tx1"/>
+          </a:fontRef>
+        </p:style>
+      </p:cxnSp>
+      <p:sp>
+        <p:nvSpPr>
+          <p:cNvPr id="8" name="テキスト ボックス 7">
+            <a:extLst>
+              <a:ext uri="{FF2B5EF4-FFF2-40B4-BE49-F238E27FC236}">
+                <a16:creationId xmlns:a16="http://schemas.microsoft.com/office/drawing/2014/main" id="{0060D7A7-F35E-45AF-B594-53D321F3F86A}"/>
+              </a:ext>
+            </a:extLst>
+          </p:cNvPr>
+          <p:cNvSpPr txBox="1"/>
+          <p:nvPr/>
+        </p:nvSpPr>
+        <p:spPr>
+          <a:xfrm>
+            <a:off x="4362994" y="2180197"/>
+            <a:ext cx="5608319" cy="2062103"/>
+          </a:xfrm>
+          <a:prstGeom prst="rect">
+            <a:avLst/>
+          </a:prstGeom>
+          <a:noFill/>
+        </p:spPr>
+        <p:txBody>
+          <a:bodyPr wrap="square" rtlCol="0">
+            <a:spAutoFit/>
+          </a:bodyPr>
+          <a:lstStyle/>
+          <a:p>
+            <a:r>
+              <a:rPr lang="ja-JP" altLang="en-US" sz="3200" b="1" dirty="0"/>
+              <a:t>もう一度クリックすると上記が表示されるので</a:t>
+            </a:r>
+            <a:r>
+              <a:rPr lang="en-US" altLang="ja-JP" sz="3200" b="1" dirty="0"/>
+              <a:t>task</a:t>
+            </a:r>
+            <a:r>
+              <a:rPr lang="ja-JP" altLang="en-US" sz="3200" b="1" dirty="0"/>
+              <a:t>１をドラッグして</a:t>
+            </a:r>
+            <a:r>
+              <a:rPr lang="en-US" altLang="ja-JP" sz="3200" b="1" dirty="0" err="1"/>
+              <a:t>ToDo</a:t>
+            </a:r>
+            <a:r>
+              <a:rPr lang="ja-JP" altLang="en-US" sz="3200" b="1" dirty="0"/>
+              <a:t>から</a:t>
+            </a:r>
+            <a:r>
+              <a:rPr lang="en-US" altLang="ja-JP" sz="3200" b="1" dirty="0"/>
+              <a:t>Doing</a:t>
+            </a:r>
+            <a:r>
+              <a:rPr lang="ja-JP" altLang="en-US" sz="3200" b="1" dirty="0"/>
+              <a:t>に移動させる。</a:t>
+            </a:r>
+            <a:endParaRPr kumimoji="1" lang="ja-JP" altLang="en-US" sz="3200" b="1" dirty="0"/>
+          </a:p>
+        </p:txBody>
+      </p:sp>
+      <p:sp>
+        <p:nvSpPr>
+          <p:cNvPr id="9" name="楕円 8">
+            <a:extLst>
+              <a:ext uri="{FF2B5EF4-FFF2-40B4-BE49-F238E27FC236}">
+                <a16:creationId xmlns:a16="http://schemas.microsoft.com/office/drawing/2014/main" id="{77F9A631-0882-4410-8E25-15C83D3F121E}"/>
+              </a:ext>
+            </a:extLst>
+          </p:cNvPr>
+          <p:cNvSpPr/>
+          <p:nvPr/>
+        </p:nvSpPr>
+        <p:spPr>
+          <a:xfrm>
+            <a:off x="141402" y="888274"/>
+            <a:ext cx="2270871" cy="1532709"/>
+          </a:xfrm>
+          <a:prstGeom prst="ellipse">
+            <a:avLst/>
+          </a:prstGeom>
+          <a:noFill/>
+          <a:ln w="76200">
+            <a:solidFill>
+              <a:srgbClr val="FF0000"/>
+            </a:solidFill>
+          </a:ln>
+        </p:spPr>
+        <p:style>
+          <a:lnRef idx="2">
+            <a:schemeClr val="accent1">
+              <a:shade val="50000"/>
+            </a:schemeClr>
+          </a:lnRef>
+          <a:fillRef idx="1">
+            <a:schemeClr val="accent1"/>
+          </a:fillRef>
+          <a:effectRef idx="0">
+            <a:schemeClr val="accent1"/>
+          </a:effectRef>
+          <a:fontRef idx="minor">
+            <a:schemeClr val="lt1"/>
+          </a:fontRef>
+        </p:style>
+        <p:txBody>
+          <a:bodyPr rtlCol="0" anchor="ctr"/>
+          <a:lstStyle/>
+          <a:p>
+            <a:pPr algn="ctr"/>
+            <a:endParaRPr kumimoji="1" lang="ja-JP" altLang="en-US"/>
+          </a:p>
+        </p:txBody>
+      </p:sp>
+    </p:spTree>
+    <p:extLst>
+      <p:ext uri="{BB962C8B-B14F-4D97-AF65-F5344CB8AC3E}">
+        <p14:creationId xmlns:p14="http://schemas.microsoft.com/office/powerpoint/2010/main" val="2900658168"/>
+      </p:ext>
+    </p:extLst>
+  </p:cSld>
+  <p:clrMapOvr>
+    <a:masterClrMapping/>
+  </p:clrMapOvr>
+</p:sld>
+</file>
+
 <file path=ppt/slides/slide15.xml><?xml version="1.0" encoding="utf-8"?>
+<p:sld xmlns:a="http://schemas.openxmlformats.org/drawingml/2006/main" xmlns:r="http://schemas.openxmlformats.org/officeDocument/2006/relationships" xmlns:p="http://schemas.openxmlformats.org/presentationml/2006/main">
+  <p:cSld>
+    <p:bg>
+      <p:bgPr>
+        <a:solidFill>
+          <a:schemeClr val="bg1"/>
+        </a:solidFill>
+        <a:effectLst/>
+      </p:bgPr>
+    </p:bg>
+    <p:spTree>
+      <p:nvGrpSpPr>
+        <p:cNvPr id="1" name=""/>
+        <p:cNvGrpSpPr/>
+        <p:nvPr/>
+      </p:nvGrpSpPr>
+      <p:grpSpPr>
+        <a:xfrm>
+          <a:off x="0" y="0"/>
+          <a:ext cx="0" cy="0"/>
+          <a:chOff x="0" y="0"/>
+          <a:chExt cx="0" cy="0"/>
+        </a:xfrm>
+      </p:grpSpPr>
+      <p:pic>
+        <p:nvPicPr>
+          <p:cNvPr id="5" name="コンテンツ プレースホルダー 4" descr="スクリーンショットの画面&#10;&#10;自動的に生成された説明">
+            <a:extLst>
+              <a:ext uri="{FF2B5EF4-FFF2-40B4-BE49-F238E27FC236}">
+                <a16:creationId xmlns:a16="http://schemas.microsoft.com/office/drawing/2014/main" id="{6EFB1E37-F861-4E35-BD21-7B412B7C7FB0}"/>
+              </a:ext>
+            </a:extLst>
+          </p:cNvPr>
+          <p:cNvPicPr>
+            <a:picLocks noGrp="1" noChangeAspect="1"/>
+          </p:cNvPicPr>
+          <p:nvPr>
+            <p:ph idx="1"/>
+          </p:nvPr>
+        </p:nvPicPr>
+        <p:blipFill rotWithShape="1">
+          <a:blip r:embed="rId2">
+            <a:extLst>
+              <a:ext uri="{28A0092B-C50C-407E-A947-70E740481C1C}">
+                <a14:useLocalDpi xmlns:a14="http://schemas.microsoft.com/office/drawing/2010/main" val="0"/>
+              </a:ext>
+            </a:extLst>
+          </a:blip>
+          <a:srcRect t="6451" b="9280"/>
+          <a:stretch/>
+        </p:blipFill>
+        <p:spPr>
+          <a:xfrm>
+            <a:off x="20" y="10"/>
+            <a:ext cx="12191980" cy="6857990"/>
+          </a:xfrm>
+          <a:prstGeom prst="rect">
+            <a:avLst/>
+          </a:prstGeom>
+        </p:spPr>
+      </p:pic>
+      <p:sp>
+        <p:nvSpPr>
+          <p:cNvPr id="6" name="テキスト ボックス 5">
+            <a:extLst>
+              <a:ext uri="{FF2B5EF4-FFF2-40B4-BE49-F238E27FC236}">
+                <a16:creationId xmlns:a16="http://schemas.microsoft.com/office/drawing/2014/main" id="{318F1D2E-EE2D-4F9C-AF42-B1A01FF21B65}"/>
+              </a:ext>
+            </a:extLst>
+          </p:cNvPr>
+          <p:cNvSpPr txBox="1"/>
+          <p:nvPr/>
+        </p:nvSpPr>
+        <p:spPr>
+          <a:xfrm>
+            <a:off x="4362994" y="2180197"/>
+            <a:ext cx="5608319" cy="1569660"/>
+          </a:xfrm>
+          <a:prstGeom prst="rect">
+            <a:avLst/>
+          </a:prstGeom>
+          <a:noFill/>
+        </p:spPr>
+        <p:txBody>
+          <a:bodyPr wrap="square" rtlCol="0">
+            <a:spAutoFit/>
+          </a:bodyPr>
+          <a:lstStyle/>
+          <a:p>
+            <a:r>
+              <a:rPr lang="ja-JP" altLang="en-US" sz="3200" b="1" dirty="0"/>
+              <a:t>もう一度</a:t>
+            </a:r>
+            <a:r>
+              <a:rPr lang="en-US" altLang="ja-JP" sz="3200" b="1" dirty="0"/>
+              <a:t>task1</a:t>
+            </a:r>
+            <a:r>
+              <a:rPr lang="ja-JP" altLang="en-US" sz="3200" b="1" dirty="0"/>
+              <a:t>をクリックすると上記が表示されるので</a:t>
+            </a:r>
+            <a:r>
+              <a:rPr lang="en-US" altLang="ja-JP" sz="3200" b="1" dirty="0"/>
+              <a:t>0</a:t>
+            </a:r>
+            <a:r>
+              <a:rPr lang="ja-JP" altLang="en-US" sz="3200" b="1" dirty="0"/>
+              <a:t>になるまでサイコロを振る。</a:t>
+            </a:r>
+            <a:endParaRPr kumimoji="1" lang="ja-JP" altLang="en-US" sz="3200" b="1" dirty="0"/>
+          </a:p>
+        </p:txBody>
+      </p:sp>
+      <p:cxnSp>
+        <p:nvCxnSpPr>
+          <p:cNvPr id="7" name="直線コネクタ 6">
+            <a:extLst>
+              <a:ext uri="{FF2B5EF4-FFF2-40B4-BE49-F238E27FC236}">
+                <a16:creationId xmlns:a16="http://schemas.microsoft.com/office/drawing/2014/main" id="{3FC84F50-0226-40BB-B365-3813DD600837}"/>
+              </a:ext>
+            </a:extLst>
+          </p:cNvPr>
+          <p:cNvCxnSpPr>
+            <a:cxnSpLocks/>
+          </p:cNvCxnSpPr>
+          <p:nvPr/>
+        </p:nvCxnSpPr>
+        <p:spPr>
+          <a:xfrm>
+            <a:off x="5808617" y="1193074"/>
+            <a:ext cx="1097281" cy="987123"/>
+          </a:xfrm>
+          <a:prstGeom prst="line">
+            <a:avLst/>
+          </a:prstGeom>
+          <a:ln>
+            <a:solidFill>
+              <a:schemeClr val="tx1"/>
+            </a:solidFill>
+          </a:ln>
+        </p:spPr>
+        <p:style>
+          <a:lnRef idx="1">
+            <a:schemeClr val="accent1"/>
+          </a:lnRef>
+          <a:fillRef idx="0">
+            <a:schemeClr val="accent1"/>
+          </a:fillRef>
+          <a:effectRef idx="0">
+            <a:schemeClr val="accent1"/>
+          </a:effectRef>
+          <a:fontRef idx="minor">
+            <a:schemeClr val="tx1"/>
+          </a:fontRef>
+        </p:style>
+      </p:cxnSp>
+    </p:spTree>
+    <p:extLst>
+      <p:ext uri="{BB962C8B-B14F-4D97-AF65-F5344CB8AC3E}">
+        <p14:creationId xmlns:p14="http://schemas.microsoft.com/office/powerpoint/2010/main" val="3670647035"/>
+      </p:ext>
+    </p:extLst>
+  </p:cSld>
+  <p:clrMapOvr>
+    <a:masterClrMapping/>
+  </p:clrMapOvr>
+</p:sld>
+</file>
+
+<file path=ppt/slides/slide16.xml><?xml version="1.0" encoding="utf-8"?>
+<p:sld xmlns:a="http://schemas.openxmlformats.org/drawingml/2006/main" xmlns:r="http://schemas.openxmlformats.org/officeDocument/2006/relationships" xmlns:p="http://schemas.openxmlformats.org/presentationml/2006/main">
+  <p:cSld>
+    <p:bg>
+      <p:bgPr>
+        <a:solidFill>
+          <a:schemeClr val="bg1"/>
+        </a:solidFill>
+        <a:effectLst/>
+      </p:bgPr>
+    </p:bg>
+    <p:spTree>
+      <p:nvGrpSpPr>
+        <p:cNvPr id="1" name=""/>
+        <p:cNvGrpSpPr/>
+        <p:nvPr/>
+      </p:nvGrpSpPr>
+      <p:grpSpPr>
+        <a:xfrm>
+          <a:off x="0" y="0"/>
+          <a:ext cx="0" cy="0"/>
+          <a:chOff x="0" y="0"/>
+          <a:chExt cx="0" cy="0"/>
+        </a:xfrm>
+      </p:grpSpPr>
+      <p:pic>
+        <p:nvPicPr>
+          <p:cNvPr id="4" name="コンテンツ プレースホルダー 3" descr="スクリーンショットの画面&#10;&#10;自動的に生成された説明">
+            <a:extLst>
+              <a:ext uri="{FF2B5EF4-FFF2-40B4-BE49-F238E27FC236}">
+                <a16:creationId xmlns:a16="http://schemas.microsoft.com/office/drawing/2014/main" id="{4E03644E-EB4C-4324-B98B-443460F5041E}"/>
+              </a:ext>
+            </a:extLst>
+          </p:cNvPr>
+          <p:cNvPicPr>
+            <a:picLocks noGrp="1" noChangeAspect="1"/>
+          </p:cNvPicPr>
+          <p:nvPr>
+            <p:ph idx="1"/>
+          </p:nvPr>
+        </p:nvPicPr>
+        <p:blipFill rotWithShape="1">
+          <a:blip r:embed="rId2"/>
+          <a:srcRect t="6679" b="9052"/>
+          <a:stretch/>
+        </p:blipFill>
+        <p:spPr>
+          <a:xfrm>
+            <a:off x="20" y="10"/>
+            <a:ext cx="12191980" cy="6857990"/>
+          </a:xfrm>
+          <a:prstGeom prst="rect">
+            <a:avLst/>
+          </a:prstGeom>
+        </p:spPr>
+      </p:pic>
+      <p:sp>
+        <p:nvSpPr>
+          <p:cNvPr id="5" name="テキスト ボックス 4">
+            <a:extLst>
+              <a:ext uri="{FF2B5EF4-FFF2-40B4-BE49-F238E27FC236}">
+                <a16:creationId xmlns:a16="http://schemas.microsoft.com/office/drawing/2014/main" id="{C5D2137B-D342-43EA-8C92-22789D6932A3}"/>
+              </a:ext>
+            </a:extLst>
+          </p:cNvPr>
+          <p:cNvSpPr txBox="1"/>
+          <p:nvPr/>
+        </p:nvSpPr>
+        <p:spPr>
+          <a:xfrm>
+            <a:off x="4362994" y="2180197"/>
+            <a:ext cx="5608319" cy="2062103"/>
+          </a:xfrm>
+          <a:prstGeom prst="rect">
+            <a:avLst/>
+          </a:prstGeom>
+          <a:noFill/>
+        </p:spPr>
+        <p:txBody>
+          <a:bodyPr wrap="square" rtlCol="0">
+            <a:spAutoFit/>
+          </a:bodyPr>
+          <a:lstStyle/>
+          <a:p>
+            <a:r>
+              <a:rPr lang="en-US" altLang="ja-JP" sz="3200" b="1" dirty="0"/>
+              <a:t>t</a:t>
+            </a:r>
+            <a:r>
+              <a:rPr kumimoji="1" lang="en-US" altLang="ja-JP" sz="3200" b="1" dirty="0"/>
+              <a:t>ask1</a:t>
+            </a:r>
+            <a:r>
+              <a:rPr kumimoji="1" lang="ja-JP" altLang="en-US" sz="3200" b="1" dirty="0"/>
+              <a:t>をクリックし、上記のように表示されれば</a:t>
+            </a:r>
+            <a:r>
+              <a:rPr kumimoji="1" lang="en-US" altLang="ja-JP" sz="3200" b="1" dirty="0"/>
+              <a:t>OK</a:t>
+            </a:r>
+            <a:r>
+              <a:rPr kumimoji="1" lang="ja-JP" altLang="en-US" sz="3200" b="1" dirty="0"/>
+              <a:t>！</a:t>
+            </a:r>
+            <a:endParaRPr kumimoji="1" lang="en-US" altLang="ja-JP" sz="3200" b="1" dirty="0"/>
+          </a:p>
+          <a:p>
+            <a:r>
+              <a:rPr kumimoji="1" lang="ja-JP" altLang="en-US" sz="3200" b="1" dirty="0"/>
+              <a:t>このように</a:t>
+            </a:r>
+            <a:r>
+              <a:rPr kumimoji="1" lang="en-US" altLang="ja-JP" sz="3200" b="1" dirty="0"/>
+              <a:t>task2,task3……</a:t>
+            </a:r>
+            <a:r>
+              <a:rPr kumimoji="1" lang="ja-JP" altLang="en-US" sz="3200" b="1" dirty="0"/>
+              <a:t>と進めていく。</a:t>
+            </a:r>
+            <a:endParaRPr kumimoji="1" lang="en-US" altLang="ja-JP" sz="3200" b="1" dirty="0"/>
+          </a:p>
+        </p:txBody>
+      </p:sp>
+      <p:sp>
+        <p:nvSpPr>
+          <p:cNvPr id="6" name="楕円 5">
+            <a:extLst>
+              <a:ext uri="{FF2B5EF4-FFF2-40B4-BE49-F238E27FC236}">
+                <a16:creationId xmlns:a16="http://schemas.microsoft.com/office/drawing/2014/main" id="{194B86C7-6CCB-4FF9-B1BA-D33C6D271B46}"/>
+              </a:ext>
+            </a:extLst>
+          </p:cNvPr>
+          <p:cNvSpPr/>
+          <p:nvPr/>
+        </p:nvSpPr>
+        <p:spPr>
+          <a:xfrm>
+            <a:off x="7820297" y="722811"/>
+            <a:ext cx="2246810" cy="1532709"/>
+          </a:xfrm>
+          <a:prstGeom prst="ellipse">
+            <a:avLst/>
+          </a:prstGeom>
+          <a:noFill/>
+          <a:ln w="76200">
+            <a:solidFill>
+              <a:srgbClr val="FF0000"/>
+            </a:solidFill>
+          </a:ln>
+        </p:spPr>
+        <p:style>
+          <a:lnRef idx="2">
+            <a:schemeClr val="accent1">
+              <a:shade val="50000"/>
+            </a:schemeClr>
+          </a:lnRef>
+          <a:fillRef idx="1">
+            <a:schemeClr val="accent1"/>
+          </a:fillRef>
+          <a:effectRef idx="0">
+            <a:schemeClr val="accent1"/>
+          </a:effectRef>
+          <a:fontRef idx="minor">
+            <a:schemeClr val="lt1"/>
+          </a:fontRef>
+        </p:style>
+        <p:txBody>
+          <a:bodyPr rtlCol="0" anchor="ctr"/>
+          <a:lstStyle/>
+          <a:p>
+            <a:pPr algn="ctr"/>
+            <a:endParaRPr kumimoji="1" lang="ja-JP" altLang="en-US"/>
+          </a:p>
+        </p:txBody>
+      </p:sp>
+    </p:spTree>
+    <p:extLst>
+      <p:ext uri="{BB962C8B-B14F-4D97-AF65-F5344CB8AC3E}">
+        <p14:creationId xmlns:p14="http://schemas.microsoft.com/office/powerpoint/2010/main" val="3453934001"/>
+      </p:ext>
+    </p:extLst>
+  </p:cSld>
+  <p:clrMapOvr>
+    <a:masterClrMapping/>
+  </p:clrMapOvr>
+</p:sld>
+</file>
+
+<file path=ppt/slides/slide17.xml><?xml version="1.0" encoding="utf-8"?>
+<p:sld xmlns:a="http://schemas.openxmlformats.org/drawingml/2006/main" xmlns:r="http://schemas.openxmlformats.org/officeDocument/2006/relationships" xmlns:p="http://schemas.openxmlformats.org/presentationml/2006/main">
+  <p:cSld>
+    <p:bg>
+      <p:bgPr>
+        <a:solidFill>
+          <a:schemeClr val="bg1"/>
+        </a:solidFill>
+        <a:effectLst/>
+      </p:bgPr>
+    </p:bg>
+    <p:spTree>
+      <p:nvGrpSpPr>
+        <p:cNvPr id="1" name=""/>
+        <p:cNvGrpSpPr/>
+        <p:nvPr/>
+      </p:nvGrpSpPr>
+      <p:grpSpPr>
+        <a:xfrm>
+          <a:off x="0" y="0"/>
+          <a:ext cx="0" cy="0"/>
+          <a:chOff x="0" y="0"/>
+          <a:chExt cx="0" cy="0"/>
+        </a:xfrm>
+      </p:grpSpPr>
+      <p:pic>
+        <p:nvPicPr>
+          <p:cNvPr id="4" name="コンテンツ プレースホルダー 3" descr="スクリーンショットの画面&#10;&#10;自動的に生成された説明">
+            <a:extLst>
+              <a:ext uri="{FF2B5EF4-FFF2-40B4-BE49-F238E27FC236}">
+                <a16:creationId xmlns:a16="http://schemas.microsoft.com/office/drawing/2014/main" id="{E5695E43-96C1-4A5E-9252-6F6FF42F612D}"/>
+              </a:ext>
+            </a:extLst>
+          </p:cNvPr>
+          <p:cNvPicPr>
+            <a:picLocks noGrp="1" noChangeAspect="1"/>
+          </p:cNvPicPr>
+          <p:nvPr>
+            <p:ph idx="1"/>
+          </p:nvPr>
+        </p:nvPicPr>
+        <p:blipFill rotWithShape="1">
+          <a:blip r:embed="rId2"/>
+          <a:srcRect t="6293" b="9437"/>
+          <a:stretch/>
+        </p:blipFill>
+        <p:spPr>
+          <a:xfrm>
+            <a:off x="20" y="10"/>
+            <a:ext cx="12191980" cy="6857990"/>
+          </a:xfrm>
+          <a:prstGeom prst="rect">
+            <a:avLst/>
+          </a:prstGeom>
+        </p:spPr>
+      </p:pic>
+      <p:sp>
+        <p:nvSpPr>
+          <p:cNvPr id="5" name="テキスト ボックス 4">
+            <a:extLst>
+              <a:ext uri="{FF2B5EF4-FFF2-40B4-BE49-F238E27FC236}">
+                <a16:creationId xmlns:a16="http://schemas.microsoft.com/office/drawing/2014/main" id="{A9778D75-FA70-4587-BB17-52CD35CE842F}"/>
+              </a:ext>
+            </a:extLst>
+          </p:cNvPr>
+          <p:cNvSpPr txBox="1"/>
+          <p:nvPr/>
+        </p:nvSpPr>
+        <p:spPr>
+          <a:xfrm>
+            <a:off x="923109" y="2197615"/>
+            <a:ext cx="5608319" cy="2062103"/>
+          </a:xfrm>
+          <a:prstGeom prst="rect">
+            <a:avLst/>
+          </a:prstGeom>
+          <a:noFill/>
+        </p:spPr>
+        <p:txBody>
+          <a:bodyPr wrap="square" rtlCol="0">
+            <a:spAutoFit/>
+          </a:bodyPr>
+          <a:lstStyle/>
+          <a:p>
+            <a:r>
+              <a:rPr lang="ja-JP" altLang="en-US" sz="3200" b="1" dirty="0"/>
+              <a:t>最後まで進めて</a:t>
+            </a:r>
+            <a:r>
+              <a:rPr lang="en-US" altLang="ja-JP" sz="3200" b="1" dirty="0"/>
+              <a:t>Done</a:t>
+            </a:r>
+            <a:r>
+              <a:rPr lang="ja-JP" altLang="en-US" sz="3200" b="1" dirty="0"/>
+              <a:t>にある最後に完了した</a:t>
+            </a:r>
+            <a:r>
+              <a:rPr lang="en-US" altLang="ja-JP" sz="3200" b="1" dirty="0"/>
+              <a:t>task</a:t>
+            </a:r>
+            <a:r>
+              <a:rPr lang="ja-JP" altLang="en-US" sz="3200" b="1" dirty="0"/>
+              <a:t>をクリックするとゲームクリア！</a:t>
+            </a:r>
+            <a:endParaRPr lang="en-US" altLang="ja-JP" sz="3200" b="1" dirty="0"/>
+          </a:p>
+          <a:p>
+            <a:r>
+              <a:rPr kumimoji="1" lang="ja-JP" altLang="en-US" sz="3200" b="1" dirty="0"/>
+              <a:t>スコアが表示される。</a:t>
+            </a:r>
+            <a:endParaRPr kumimoji="1" lang="en-US" altLang="ja-JP" sz="3200" b="1" dirty="0"/>
+          </a:p>
+        </p:txBody>
+      </p:sp>
+      <p:sp>
+        <p:nvSpPr>
+          <p:cNvPr id="6" name="楕円 5">
+            <a:extLst>
+              <a:ext uri="{FF2B5EF4-FFF2-40B4-BE49-F238E27FC236}">
+                <a16:creationId xmlns:a16="http://schemas.microsoft.com/office/drawing/2014/main" id="{A7EE84CB-F8BA-4ABD-AB4E-4AC3E0FB94CA}"/>
+              </a:ext>
+            </a:extLst>
+          </p:cNvPr>
+          <p:cNvSpPr/>
+          <p:nvPr/>
+        </p:nvSpPr>
+        <p:spPr>
+          <a:xfrm>
+            <a:off x="7750628" y="1896291"/>
+            <a:ext cx="2246810" cy="1532709"/>
+          </a:xfrm>
+          <a:prstGeom prst="ellipse">
+            <a:avLst/>
+          </a:prstGeom>
+          <a:noFill/>
+          <a:ln w="76200">
+            <a:solidFill>
+              <a:srgbClr val="FF0000"/>
+            </a:solidFill>
+          </a:ln>
+        </p:spPr>
+        <p:style>
+          <a:lnRef idx="2">
+            <a:schemeClr val="accent1">
+              <a:shade val="50000"/>
+            </a:schemeClr>
+          </a:lnRef>
+          <a:fillRef idx="1">
+            <a:schemeClr val="accent1"/>
+          </a:fillRef>
+          <a:effectRef idx="0">
+            <a:schemeClr val="accent1"/>
+          </a:effectRef>
+          <a:fontRef idx="minor">
+            <a:schemeClr val="lt1"/>
+          </a:fontRef>
+        </p:style>
+        <p:txBody>
+          <a:bodyPr rtlCol="0" anchor="ctr"/>
+          <a:lstStyle/>
+          <a:p>
+            <a:pPr algn="ctr"/>
+            <a:endParaRPr kumimoji="1" lang="ja-JP" altLang="en-US"/>
+          </a:p>
+        </p:txBody>
+      </p:sp>
+      <p:cxnSp>
+        <p:nvCxnSpPr>
+          <p:cNvPr id="8" name="直線矢印コネクタ 7">
+            <a:extLst>
+              <a:ext uri="{FF2B5EF4-FFF2-40B4-BE49-F238E27FC236}">
+                <a16:creationId xmlns:a16="http://schemas.microsoft.com/office/drawing/2014/main" id="{072042C4-4EAF-4D5D-9CFE-BDF2F4AF92A7}"/>
+              </a:ext>
+            </a:extLst>
+          </p:cNvPr>
+          <p:cNvCxnSpPr>
+            <a:cxnSpLocks/>
+          </p:cNvCxnSpPr>
+          <p:nvPr/>
+        </p:nvCxnSpPr>
+        <p:spPr>
+          <a:xfrm flipV="1">
+            <a:off x="4728751" y="1020436"/>
+            <a:ext cx="1367249" cy="875855"/>
+          </a:xfrm>
+          <a:prstGeom prst="straightConnector1">
+            <a:avLst/>
+          </a:prstGeom>
+          <a:ln>
+            <a:solidFill>
+              <a:schemeClr val="tx1"/>
+            </a:solidFill>
+            <a:tailEnd type="triangle"/>
+          </a:ln>
+        </p:spPr>
+        <p:style>
+          <a:lnRef idx="1">
+            <a:schemeClr val="accent1"/>
+          </a:lnRef>
+          <a:fillRef idx="0">
+            <a:schemeClr val="accent1"/>
+          </a:fillRef>
+          <a:effectRef idx="0">
+            <a:schemeClr val="accent1"/>
+          </a:effectRef>
+          <a:fontRef idx="minor">
+            <a:schemeClr val="tx1"/>
+          </a:fontRef>
+        </p:style>
+      </p:cxnSp>
+      <p:cxnSp>
+        <p:nvCxnSpPr>
+          <p:cNvPr id="10" name="直線コネクタ 9">
+            <a:extLst>
+              <a:ext uri="{FF2B5EF4-FFF2-40B4-BE49-F238E27FC236}">
+                <a16:creationId xmlns:a16="http://schemas.microsoft.com/office/drawing/2014/main" id="{B75E99FE-B3F3-42A6-A797-8F74917E864C}"/>
+              </a:ext>
+            </a:extLst>
+          </p:cNvPr>
+          <p:cNvCxnSpPr>
+            <a:cxnSpLocks/>
+          </p:cNvCxnSpPr>
+          <p:nvPr/>
+        </p:nvCxnSpPr>
+        <p:spPr>
+          <a:xfrm flipH="1">
+            <a:off x="6444343" y="2647407"/>
+            <a:ext cx="1959429" cy="139336"/>
+          </a:xfrm>
+          <a:prstGeom prst="line">
+            <a:avLst/>
+          </a:prstGeom>
+          <a:ln>
+            <a:solidFill>
+              <a:schemeClr val="tx1"/>
+            </a:solidFill>
+          </a:ln>
+        </p:spPr>
+        <p:style>
+          <a:lnRef idx="1">
+            <a:schemeClr val="accent1"/>
+          </a:lnRef>
+          <a:fillRef idx="0">
+            <a:schemeClr val="accent1"/>
+          </a:fillRef>
+          <a:effectRef idx="0">
+            <a:schemeClr val="accent1"/>
+          </a:effectRef>
+          <a:fontRef idx="minor">
+            <a:schemeClr val="tx1"/>
+          </a:fontRef>
+        </p:style>
+      </p:cxnSp>
+    </p:spTree>
+    <p:extLst>
+      <p:ext uri="{BB962C8B-B14F-4D97-AF65-F5344CB8AC3E}">
+        <p14:creationId xmlns:p14="http://schemas.microsoft.com/office/powerpoint/2010/main" val="222604336"/>
+      </p:ext>
+    </p:extLst>
+  </p:cSld>
+  <p:clrMapOvr>
+    <a:masterClrMapping/>
+  </p:clrMapOvr>
+</p:sld>
+</file>
+
+<file path=ppt/slides/slide18.xml><?xml version="1.0" encoding="utf-8"?>
+<p:sld xmlns:a="http://schemas.openxmlformats.org/drawingml/2006/main" xmlns:r="http://schemas.openxmlformats.org/officeDocument/2006/relationships" xmlns:p="http://schemas.openxmlformats.org/presentationml/2006/main">
+  <p:cSld>
+    <p:bg>
+      <p:bgPr>
+        <a:solidFill>
+          <a:schemeClr val="bg1"/>
+        </a:solidFill>
+        <a:effectLst/>
+      </p:bgPr>
+    </p:bg>
+    <p:spTree>
+      <p:nvGrpSpPr>
+        <p:cNvPr id="1" name=""/>
+        <p:cNvGrpSpPr/>
+        <p:nvPr/>
+      </p:nvGrpSpPr>
+      <p:grpSpPr>
+        <a:xfrm>
+          <a:off x="0" y="0"/>
+          <a:ext cx="0" cy="0"/>
+          <a:chOff x="0" y="0"/>
+          <a:chExt cx="0" cy="0"/>
+        </a:xfrm>
+      </p:grpSpPr>
+      <p:pic>
+        <p:nvPicPr>
+          <p:cNvPr id="4" name="コンテンツ プレースホルダー 3" descr="スクリーンショットの画面&#10;&#10;自動的に生成された説明">
+            <a:extLst>
+              <a:ext uri="{FF2B5EF4-FFF2-40B4-BE49-F238E27FC236}">
+                <a16:creationId xmlns:a16="http://schemas.microsoft.com/office/drawing/2014/main" id="{A06F60DC-84F9-461C-9D6E-0292797AF058}"/>
+              </a:ext>
+            </a:extLst>
+          </p:cNvPr>
+          <p:cNvPicPr>
+            <a:picLocks noGrp="1" noChangeAspect="1"/>
+          </p:cNvPicPr>
+          <p:nvPr>
+            <p:ph idx="1"/>
+          </p:nvPr>
+        </p:nvPicPr>
+        <p:blipFill rotWithShape="1">
+          <a:blip r:embed="rId2"/>
+          <a:srcRect b="15730"/>
+          <a:stretch/>
+        </p:blipFill>
+        <p:spPr>
+          <a:xfrm>
+            <a:off x="20" y="10"/>
+            <a:ext cx="12191980" cy="6857990"/>
+          </a:xfrm>
+          <a:prstGeom prst="rect">
+            <a:avLst/>
+          </a:prstGeom>
+        </p:spPr>
+      </p:pic>
+    </p:spTree>
+    <p:extLst>
+      <p:ext uri="{BB962C8B-B14F-4D97-AF65-F5344CB8AC3E}">
+        <p14:creationId xmlns:p14="http://schemas.microsoft.com/office/powerpoint/2010/main" val="265315533"/>
+      </p:ext>
+    </p:extLst>
+  </p:cSld>
+  <p:clrMapOvr>
+    <a:masterClrMapping/>
+  </p:clrMapOvr>
+</p:sld>
+</file>
+
+<file path=ppt/slides/slide19.xml><?xml version="1.0" encoding="utf-8"?>
 <p:sld xmlns:a="http://schemas.openxmlformats.org/drawingml/2006/main" xmlns:r="http://schemas.openxmlformats.org/officeDocument/2006/relationships" xmlns:p="http://schemas.openxmlformats.org/presentationml/2006/main">
   <p:cSld>
     <p:spTree>
@@ -5882,7 +6732,7 @@
         </p:blipFill>
         <p:spPr>
           <a:xfrm>
-            <a:off x="20" y="-95784"/>
+            <a:off x="0" y="0"/>
             <a:ext cx="12191980" cy="6857990"/>
           </a:xfrm>
           <a:prstGeom prst="rect">
@@ -5904,8 +6754,8 @@
         </p:nvSpPr>
         <p:spPr>
           <a:xfrm>
-            <a:off x="4362994" y="4937760"/>
-            <a:ext cx="3361509" cy="2264229"/>
+            <a:off x="-365760" y="955765"/>
+            <a:ext cx="2664824" cy="3250475"/>
           </a:xfrm>
           <a:prstGeom prst="ellipse">
             <a:avLst/>
@@ -5956,8 +6806,8 @@
         </p:nvSpPr>
         <p:spPr>
           <a:xfrm>
-            <a:off x="4990012" y="4093028"/>
-            <a:ext cx="5608319" cy="584775"/>
+            <a:off x="2124893" y="1348088"/>
+            <a:ext cx="5608319" cy="1569660"/>
           </a:xfrm>
           <a:prstGeom prst="rect">
             <a:avLst/>
@@ -5972,7 +6822,15 @@
           <a:p>
             <a:r>
               <a:rPr kumimoji="1" lang="ja-JP" altLang="en-US" sz="3200" b="1" dirty="0"/>
-              <a:t>まずはサイコロをクリック</a:t>
+              <a:t>まずはストーリーカード一つを選択し、ドラッグして</a:t>
+            </a:r>
+            <a:r>
+              <a:rPr kumimoji="1" lang="en-US" altLang="ja-JP" sz="3200" b="1" dirty="0"/>
+              <a:t>Doing</a:t>
+            </a:r>
+            <a:r>
+              <a:rPr kumimoji="1" lang="ja-JP" altLang="en-US" sz="3200" b="1" dirty="0"/>
+              <a:t>に移動する。</a:t>
             </a:r>
           </a:p>
         </p:txBody>
@@ -6017,10 +6875,10 @@
       </p:grpSpPr>
       <p:pic>
         <p:nvPicPr>
-          <p:cNvPr id="9" name="コンテンツ プレースホルダー 8" descr="スクリーンショットの画面&#10;&#10;自動的に生成された説明">
-            <a:extLst>
-              <a:ext uri="{FF2B5EF4-FFF2-40B4-BE49-F238E27FC236}">
-                <a16:creationId xmlns:a16="http://schemas.microsoft.com/office/drawing/2014/main" id="{614DD335-2310-4C32-BD04-5172B4DF470F}"/>
+          <p:cNvPr id="4" name="コンテンツ プレースホルダー 3" descr="スクリーンショットの画面&#10;&#10;自動的に生成された説明">
+            <a:extLst>
+              <a:ext uri="{FF2B5EF4-FFF2-40B4-BE49-F238E27FC236}">
+                <a16:creationId xmlns:a16="http://schemas.microsoft.com/office/drawing/2014/main" id="{1E72B44E-EA52-4E6F-8962-0BACB9502B72}"/>
               </a:ext>
             </a:extLst>
           </p:cNvPr>
@@ -6032,20 +6890,14 @@
           </p:nvPr>
         </p:nvPicPr>
         <p:blipFill rotWithShape="1">
-          <a:blip r:embed="rId2">
-            <a:extLst>
-              <a:ext uri="{28A0092B-C50C-407E-A947-70E740481C1C}">
-                <a14:useLocalDpi xmlns:a14="http://schemas.microsoft.com/office/drawing/2010/main" val="0"/>
-              </a:ext>
-            </a:extLst>
-          </a:blip>
-          <a:srcRect t="7096" b="8634"/>
+          <a:blip r:embed="rId2"/>
+          <a:srcRect t="11114" b="4616"/>
           <a:stretch/>
         </p:blipFill>
         <p:spPr>
           <a:xfrm>
-            <a:off x="20" y="-185924"/>
-            <a:ext cx="12191980" cy="6874107"/>
+            <a:off x="0" y="0"/>
+            <a:ext cx="12191980" cy="6857990"/>
           </a:xfrm>
           <a:prstGeom prst="rect">
             <a:avLst/>
@@ -6054,10 +6906,49 @@
       </p:pic>
       <p:sp>
         <p:nvSpPr>
-          <p:cNvPr id="10" name="楕円 9">
-            <a:extLst>
-              <a:ext uri="{FF2B5EF4-FFF2-40B4-BE49-F238E27FC236}">
-                <a16:creationId xmlns:a16="http://schemas.microsoft.com/office/drawing/2014/main" id="{6288078F-D7EE-409A-BA38-FF6453A633DE}"/>
+          <p:cNvPr id="5" name="テキスト ボックス 4">
+            <a:extLst>
+              <a:ext uri="{FF2B5EF4-FFF2-40B4-BE49-F238E27FC236}">
+                <a16:creationId xmlns:a16="http://schemas.microsoft.com/office/drawing/2014/main" id="{4AECB87E-3736-4998-9923-558D5D0375CD}"/>
+              </a:ext>
+            </a:extLst>
+          </p:cNvPr>
+          <p:cNvSpPr txBox="1"/>
+          <p:nvPr/>
+        </p:nvSpPr>
+        <p:spPr>
+          <a:xfrm>
+            <a:off x="5869578" y="2791157"/>
+            <a:ext cx="5608319" cy="1569660"/>
+          </a:xfrm>
+          <a:prstGeom prst="rect">
+            <a:avLst/>
+          </a:prstGeom>
+          <a:noFill/>
+        </p:spPr>
+        <p:txBody>
+          <a:bodyPr wrap="square" rtlCol="0">
+            <a:spAutoFit/>
+          </a:bodyPr>
+          <a:lstStyle/>
+          <a:p>
+            <a:r>
+              <a:rPr kumimoji="1" lang="en-US" altLang="ja-JP" sz="3200" b="1" dirty="0"/>
+              <a:t>Doing</a:t>
+            </a:r>
+            <a:r>
+              <a:rPr kumimoji="1" lang="ja-JP" altLang="en-US" sz="3200" b="1" dirty="0"/>
+              <a:t>にあるストーリーカードを一つ選択しサイコロをクリックする。</a:t>
+            </a:r>
+          </a:p>
+        </p:txBody>
+      </p:sp>
+      <p:sp>
+        <p:nvSpPr>
+          <p:cNvPr id="6" name="楕円 5">
+            <a:extLst>
+              <a:ext uri="{FF2B5EF4-FFF2-40B4-BE49-F238E27FC236}">
+                <a16:creationId xmlns:a16="http://schemas.microsoft.com/office/drawing/2014/main" id="{E475F883-89C4-45C0-A7CB-4A9CBFD61B26}"/>
               </a:ext>
             </a:extLst>
           </p:cNvPr>
@@ -6066,8 +6957,8 @@
         </p:nvSpPr>
         <p:spPr>
           <a:xfrm>
-            <a:off x="4362994" y="4972594"/>
-            <a:ext cx="3361509" cy="1654629"/>
+            <a:off x="3936274" y="661852"/>
+            <a:ext cx="2264228" cy="1393372"/>
           </a:xfrm>
           <a:prstGeom prst="ellipse">
             <a:avLst/>
@@ -6106,183 +6997,20 @@
       </p:sp>
       <p:sp>
         <p:nvSpPr>
-          <p:cNvPr id="11" name="テキスト ボックス 10">
-            <a:extLst>
-              <a:ext uri="{FF2B5EF4-FFF2-40B4-BE49-F238E27FC236}">
-                <a16:creationId xmlns:a16="http://schemas.microsoft.com/office/drawing/2014/main" id="{8FD5A78A-08DE-44F6-8BFD-B952616D8D33}"/>
-              </a:ext>
-            </a:extLst>
-          </p:cNvPr>
-          <p:cNvSpPr txBox="1"/>
+          <p:cNvPr id="7" name="楕円 6">
+            <a:extLst>
+              <a:ext uri="{FF2B5EF4-FFF2-40B4-BE49-F238E27FC236}">
+                <a16:creationId xmlns:a16="http://schemas.microsoft.com/office/drawing/2014/main" id="{13FE9A12-9F9E-45C6-8DBC-7F506694787E}"/>
+              </a:ext>
+            </a:extLst>
+          </p:cNvPr>
+          <p:cNvSpPr/>
           <p:nvPr/>
         </p:nvSpPr>
         <p:spPr>
           <a:xfrm>
-            <a:off x="5408023" y="4201885"/>
-            <a:ext cx="5608319" cy="584775"/>
-          </a:xfrm>
-          <a:prstGeom prst="rect">
-            <a:avLst/>
-          </a:prstGeom>
-          <a:noFill/>
-        </p:spPr>
-        <p:txBody>
-          <a:bodyPr wrap="square" rtlCol="0">
-            <a:spAutoFit/>
-          </a:bodyPr>
-          <a:lstStyle/>
-          <a:p>
-            <a:r>
-              <a:rPr lang="ja-JP" altLang="en-US" sz="3200" b="1" dirty="0"/>
-              <a:t>サイコロはすぐに止まる</a:t>
-            </a:r>
-            <a:endParaRPr kumimoji="1" lang="ja-JP" altLang="en-US" sz="3200" b="1" dirty="0"/>
-          </a:p>
-        </p:txBody>
-      </p:sp>
-      <p:cxnSp>
-        <p:nvCxnSpPr>
-          <p:cNvPr id="14" name="直線コネクタ 13">
-            <a:extLst>
-              <a:ext uri="{FF2B5EF4-FFF2-40B4-BE49-F238E27FC236}">
-                <a16:creationId xmlns:a16="http://schemas.microsoft.com/office/drawing/2014/main" id="{10989137-C75A-4F97-B3BC-8BD8D7241C53}"/>
-              </a:ext>
-            </a:extLst>
-          </p:cNvPr>
-          <p:cNvCxnSpPr>
-            <a:cxnSpLocks/>
-          </p:cNvCxnSpPr>
-          <p:nvPr/>
-        </p:nvCxnSpPr>
-        <p:spPr>
-          <a:xfrm>
-            <a:off x="1771971" y="1823263"/>
-            <a:ext cx="736097" cy="737057"/>
-          </a:xfrm>
-          <a:prstGeom prst="line">
-            <a:avLst/>
-          </a:prstGeom>
-          <a:ln>
-            <a:solidFill>
-              <a:schemeClr val="tx1"/>
-            </a:solidFill>
-          </a:ln>
-        </p:spPr>
-        <p:style>
-          <a:lnRef idx="1">
-            <a:schemeClr val="accent1"/>
-          </a:lnRef>
-          <a:fillRef idx="0">
-            <a:schemeClr val="accent1"/>
-          </a:fillRef>
-          <a:effectRef idx="0">
-            <a:schemeClr val="accent1"/>
-          </a:effectRef>
-          <a:fontRef idx="minor">
-            <a:schemeClr val="tx1"/>
-          </a:fontRef>
-        </p:style>
-      </p:cxnSp>
-      <p:sp>
-        <p:nvSpPr>
-          <p:cNvPr id="15" name="テキスト ボックス 14">
-            <a:extLst>
-              <a:ext uri="{FF2B5EF4-FFF2-40B4-BE49-F238E27FC236}">
-                <a16:creationId xmlns:a16="http://schemas.microsoft.com/office/drawing/2014/main" id="{28A48DE1-A4FB-4CD1-BAE2-B8B7B6830254}"/>
-              </a:ext>
-            </a:extLst>
-          </p:cNvPr>
-          <p:cNvSpPr txBox="1"/>
-          <p:nvPr/>
-        </p:nvSpPr>
-        <p:spPr>
-          <a:xfrm>
-            <a:off x="2508068" y="2044005"/>
-            <a:ext cx="5608319" cy="1384995"/>
-          </a:xfrm>
-          <a:prstGeom prst="rect">
-            <a:avLst/>
-          </a:prstGeom>
-          <a:noFill/>
-        </p:spPr>
-        <p:txBody>
-          <a:bodyPr wrap="square" rtlCol="0">
-            <a:spAutoFit/>
-          </a:bodyPr>
-          <a:lstStyle/>
-          <a:p>
-            <a:r>
-              <a:rPr lang="en-US" altLang="ja-JP" sz="2800" b="1" dirty="0"/>
-              <a:t>task</a:t>
-            </a:r>
-            <a:r>
-              <a:rPr kumimoji="1" lang="ja-JP" altLang="en-US" sz="2800" b="1" dirty="0"/>
-              <a:t>をクリックするとサイコロの目の合計だけ工数が減っているとわかる。</a:t>
-            </a:r>
-            <a:endParaRPr kumimoji="1" lang="en-US" altLang="ja-JP" sz="2800" b="1" dirty="0"/>
-          </a:p>
-        </p:txBody>
-      </p:sp>
-      <p:cxnSp>
-        <p:nvCxnSpPr>
-          <p:cNvPr id="17" name="直線矢印コネクタ 16">
-            <a:extLst>
-              <a:ext uri="{FF2B5EF4-FFF2-40B4-BE49-F238E27FC236}">
-                <a16:creationId xmlns:a16="http://schemas.microsoft.com/office/drawing/2014/main" id="{25C08F5D-00FD-42EF-99BA-E4F8E96892EC}"/>
-              </a:ext>
-            </a:extLst>
-          </p:cNvPr>
-          <p:cNvCxnSpPr>
-            <a:cxnSpLocks/>
-          </p:cNvCxnSpPr>
-          <p:nvPr/>
-        </p:nvCxnSpPr>
-        <p:spPr>
-          <a:xfrm flipV="1">
-            <a:off x="4650355" y="931817"/>
-            <a:ext cx="461576" cy="926254"/>
-          </a:xfrm>
-          <a:prstGeom prst="straightConnector1">
-            <a:avLst/>
-          </a:prstGeom>
-          <a:ln>
-            <a:solidFill>
-              <a:schemeClr val="tx1"/>
-            </a:solidFill>
-            <a:tailEnd type="triangle"/>
-          </a:ln>
-        </p:spPr>
-        <p:style>
-          <a:lnRef idx="1">
-            <a:schemeClr val="accent1"/>
-          </a:lnRef>
-          <a:fillRef idx="0">
-            <a:schemeClr val="accent1"/>
-          </a:fillRef>
-          <a:effectRef idx="0">
-            <a:schemeClr val="accent1"/>
-          </a:effectRef>
-          <a:fontRef idx="minor">
-            <a:schemeClr val="tx1"/>
-          </a:fontRef>
-        </p:style>
-      </p:cxnSp>
-      <p:sp>
-        <p:nvSpPr>
-          <p:cNvPr id="18" name="楕円 17">
-            <a:extLst>
-              <a:ext uri="{FF2B5EF4-FFF2-40B4-BE49-F238E27FC236}">
-                <a16:creationId xmlns:a16="http://schemas.microsoft.com/office/drawing/2014/main" id="{06E862C7-C2F0-460A-8726-22972AA479DC}"/>
-              </a:ext>
-            </a:extLst>
-          </p:cNvPr>
-          <p:cNvSpPr/>
-          <p:nvPr/>
-        </p:nvSpPr>
-        <p:spPr>
-          <a:xfrm>
-            <a:off x="-274320" y="870857"/>
-            <a:ext cx="2416627" cy="1410790"/>
+            <a:off x="4572000" y="5512526"/>
+            <a:ext cx="2882536" cy="1166948"/>
           </a:xfrm>
           <a:prstGeom prst="ellipse">
             <a:avLst/>
@@ -6319,64 +7047,96 @@
           </a:p>
         </p:txBody>
       </p:sp>
-      <p:sp>
-        <p:nvSpPr>
-          <p:cNvPr id="19" name="テキスト ボックス 18">
-            <a:extLst>
-              <a:ext uri="{FF2B5EF4-FFF2-40B4-BE49-F238E27FC236}">
-                <a16:creationId xmlns:a16="http://schemas.microsoft.com/office/drawing/2014/main" id="{5A10AD3F-1087-4089-8D45-E1B6D8864BE7}"/>
-              </a:ext>
-            </a:extLst>
-          </p:cNvPr>
-          <p:cNvSpPr txBox="1"/>
+      <p:cxnSp>
+        <p:nvCxnSpPr>
+          <p:cNvPr id="9" name="直線矢印コネクタ 8">
+            <a:extLst>
+              <a:ext uri="{FF2B5EF4-FFF2-40B4-BE49-F238E27FC236}">
+                <a16:creationId xmlns:a16="http://schemas.microsoft.com/office/drawing/2014/main" id="{8EC2BB21-5EF7-4388-B387-9E298EB5D1EF}"/>
+              </a:ext>
+            </a:extLst>
+          </p:cNvPr>
+          <p:cNvCxnSpPr/>
           <p:nvPr/>
-        </p:nvSpPr>
+        </p:nvCxnSpPr>
         <p:spPr>
-          <a:xfrm>
-            <a:off x="8273144" y="1899403"/>
-            <a:ext cx="3387632" cy="892552"/>
+          <a:xfrm flipH="1" flipV="1">
+            <a:off x="5312229" y="2231512"/>
+            <a:ext cx="444137" cy="790362"/>
           </a:xfrm>
-          <a:prstGeom prst="rect">
+          <a:prstGeom prst="straightConnector1">
             <a:avLst/>
           </a:prstGeom>
-          <a:noFill/>
+          <a:ln>
+            <a:solidFill>
+              <a:schemeClr val="tx1"/>
+            </a:solidFill>
+            <a:tailEnd type="triangle"/>
+          </a:ln>
         </p:spPr>
-        <p:txBody>
-          <a:bodyPr wrap="square" rtlCol="0">
-            <a:spAutoFit/>
-          </a:bodyPr>
-          <a:lstStyle/>
-          <a:p>
-            <a:r>
-              <a:rPr kumimoji="1" lang="ja-JP" altLang="en-US" sz="3600" b="1" u="sng" dirty="0"/>
-              <a:t>２４</a:t>
-            </a:r>
-            <a:r>
-              <a:rPr kumimoji="1" lang="ja-JP" altLang="en-US" sz="3600" b="1" dirty="0"/>
-              <a:t>－</a:t>
-            </a:r>
-            <a:r>
-              <a:rPr kumimoji="1" lang="ja-JP" altLang="en-US" sz="3600" b="1" u="sng" dirty="0"/>
-              <a:t>９</a:t>
-            </a:r>
-            <a:r>
-              <a:rPr kumimoji="1" lang="ja-JP" altLang="en-US" sz="3600" b="1" dirty="0"/>
-              <a:t>＝１５</a:t>
-            </a:r>
-            <a:endParaRPr kumimoji="1" lang="en-US" altLang="ja-JP" sz="3600" b="1" dirty="0"/>
-          </a:p>
-          <a:p>
-            <a:r>
-              <a:rPr kumimoji="1" lang="ja-JP" altLang="en-US" sz="1400" b="1" dirty="0"/>
-              <a:t>（残りの工数）（サイコロの和）</a:t>
-            </a:r>
-          </a:p>
-        </p:txBody>
-      </p:sp>
+        <p:style>
+          <a:lnRef idx="1">
+            <a:schemeClr val="accent1"/>
+          </a:lnRef>
+          <a:fillRef idx="0">
+            <a:schemeClr val="accent1"/>
+          </a:fillRef>
+          <a:effectRef idx="0">
+            <a:schemeClr val="accent1"/>
+          </a:effectRef>
+          <a:fontRef idx="minor">
+            <a:schemeClr val="tx1"/>
+          </a:fontRef>
+        </p:style>
+      </p:cxnSp>
+      <p:cxnSp>
+        <p:nvCxnSpPr>
+          <p:cNvPr id="10" name="直線矢印コネクタ 9">
+            <a:extLst>
+              <a:ext uri="{FF2B5EF4-FFF2-40B4-BE49-F238E27FC236}">
+                <a16:creationId xmlns:a16="http://schemas.microsoft.com/office/drawing/2014/main" id="{0F36433D-F8EB-493C-8481-CA0F3144D219}"/>
+              </a:ext>
+            </a:extLst>
+          </p:cNvPr>
+          <p:cNvCxnSpPr>
+            <a:cxnSpLocks/>
+          </p:cNvCxnSpPr>
+          <p:nvPr/>
+        </p:nvCxnSpPr>
+        <p:spPr>
+          <a:xfrm flipH="1">
+            <a:off x="5199017" y="3971109"/>
+            <a:ext cx="557349" cy="1362891"/>
+          </a:xfrm>
+          <a:prstGeom prst="straightConnector1">
+            <a:avLst/>
+          </a:prstGeom>
+          <a:ln>
+            <a:solidFill>
+              <a:schemeClr val="tx1"/>
+            </a:solidFill>
+            <a:tailEnd type="triangle"/>
+          </a:ln>
+        </p:spPr>
+        <p:style>
+          <a:lnRef idx="1">
+            <a:schemeClr val="accent1"/>
+          </a:lnRef>
+          <a:fillRef idx="0">
+            <a:schemeClr val="accent1"/>
+          </a:fillRef>
+          <a:effectRef idx="0">
+            <a:schemeClr val="accent1"/>
+          </a:effectRef>
+          <a:fontRef idx="minor">
+            <a:schemeClr val="tx1"/>
+          </a:fontRef>
+        </p:style>
+      </p:cxnSp>
     </p:spTree>
     <p:extLst>
       <p:ext uri="{BB962C8B-B14F-4D97-AF65-F5344CB8AC3E}">
-        <p14:creationId xmlns:p14="http://schemas.microsoft.com/office/powerpoint/2010/main" val="43072322"/>
+        <p14:creationId xmlns:p14="http://schemas.microsoft.com/office/powerpoint/2010/main" val="4095871786"/>
       </p:ext>
     </p:extLst>
   </p:cSld>
@@ -6413,10 +7173,10 @@
       </p:grpSpPr>
       <p:pic>
         <p:nvPicPr>
-          <p:cNvPr id="5" name="コンテンツ プレースホルダー 4" descr="スクリーンショットの画面&#10;&#10;自動的に生成された説明">
-            <a:extLst>
-              <a:ext uri="{FF2B5EF4-FFF2-40B4-BE49-F238E27FC236}">
-                <a16:creationId xmlns:a16="http://schemas.microsoft.com/office/drawing/2014/main" id="{B7BC22E0-E528-40CB-80F6-DB5C9904B831}"/>
+          <p:cNvPr id="4" name="コンテンツ プレースホルダー 3" descr="スクリーンショットの画面&#10;&#10;自動的に生成された説明">
+            <a:extLst>
+              <a:ext uri="{FF2B5EF4-FFF2-40B4-BE49-F238E27FC236}">
+                <a16:creationId xmlns:a16="http://schemas.microsoft.com/office/drawing/2014/main" id="{05700A88-0402-48B0-BB76-FBCCD707BFAD}"/>
               </a:ext>
             </a:extLst>
           </p:cNvPr>
@@ -6428,19 +7188,13 @@
           </p:nvPr>
         </p:nvPicPr>
         <p:blipFill rotWithShape="1">
-          <a:blip r:embed="rId2">
-            <a:extLst>
-              <a:ext uri="{28A0092B-C50C-407E-A947-70E740481C1C}">
-                <a14:useLocalDpi xmlns:a14="http://schemas.microsoft.com/office/drawing/2010/main" val="0"/>
-              </a:ext>
-            </a:extLst>
-          </a:blip>
-          <a:srcRect t="6280" b="9450"/>
+          <a:blip r:embed="rId2"/>
+          <a:srcRect t="11470" b="4260"/>
           <a:stretch/>
         </p:blipFill>
         <p:spPr>
           <a:xfrm>
-            <a:off x="235151" y="78386"/>
+            <a:off x="20" y="10"/>
             <a:ext cx="12191980" cy="6857990"/>
           </a:xfrm>
           <a:prstGeom prst="rect">
@@ -6448,123 +7202,22 @@
           </a:prstGeom>
         </p:spPr>
       </p:pic>
-      <p:cxnSp>
-        <p:nvCxnSpPr>
-          <p:cNvPr id="7" name="直線コネクタ 6">
-            <a:extLst>
-              <a:ext uri="{FF2B5EF4-FFF2-40B4-BE49-F238E27FC236}">
-                <a16:creationId xmlns:a16="http://schemas.microsoft.com/office/drawing/2014/main" id="{2E6238BB-EB1E-4D8F-A66C-20A4223787CA}"/>
-              </a:ext>
-            </a:extLst>
-          </p:cNvPr>
-          <p:cNvCxnSpPr/>
+      <p:sp>
+        <p:nvSpPr>
+          <p:cNvPr id="5" name="楕円 4">
+            <a:extLst>
+              <a:ext uri="{FF2B5EF4-FFF2-40B4-BE49-F238E27FC236}">
+                <a16:creationId xmlns:a16="http://schemas.microsoft.com/office/drawing/2014/main" id="{62154891-144D-41E7-9E75-2BF2D95EC324}"/>
+              </a:ext>
+            </a:extLst>
+          </p:cNvPr>
+          <p:cNvSpPr/>
           <p:nvPr/>
-        </p:nvCxnSpPr>
+        </p:nvSpPr>
         <p:spPr>
           <a:xfrm>
-            <a:off x="1771971" y="1823263"/>
-            <a:ext cx="2451687" cy="597720"/>
-          </a:xfrm>
-          <a:prstGeom prst="line">
-            <a:avLst/>
-          </a:prstGeom>
-          <a:ln>
-            <a:solidFill>
-              <a:schemeClr val="tx1"/>
-            </a:solidFill>
-          </a:ln>
-        </p:spPr>
-        <p:style>
-          <a:lnRef idx="1">
-            <a:schemeClr val="accent1"/>
-          </a:lnRef>
-          <a:fillRef idx="0">
-            <a:schemeClr val="accent1"/>
-          </a:fillRef>
-          <a:effectRef idx="0">
-            <a:schemeClr val="accent1"/>
-          </a:effectRef>
-          <a:fontRef idx="minor">
-            <a:schemeClr val="tx1"/>
-          </a:fontRef>
-        </p:style>
-      </p:cxnSp>
-      <p:sp>
-        <p:nvSpPr>
-          <p:cNvPr id="8" name="テキスト ボックス 7">
-            <a:extLst>
-              <a:ext uri="{FF2B5EF4-FFF2-40B4-BE49-F238E27FC236}">
-                <a16:creationId xmlns:a16="http://schemas.microsoft.com/office/drawing/2014/main" id="{0060D7A7-F35E-45AF-B594-53D321F3F86A}"/>
-              </a:ext>
-            </a:extLst>
-          </p:cNvPr>
-          <p:cNvSpPr txBox="1"/>
-          <p:nvPr/>
-        </p:nvSpPr>
-        <p:spPr>
-          <a:xfrm>
-            <a:off x="4362994" y="2180197"/>
-            <a:ext cx="5608319" cy="2062103"/>
-          </a:xfrm>
-          <a:prstGeom prst="rect">
-            <a:avLst/>
-          </a:prstGeom>
-          <a:noFill/>
-        </p:spPr>
-        <p:txBody>
-          <a:bodyPr wrap="square" rtlCol="0">
-            <a:spAutoFit/>
-          </a:bodyPr>
-          <a:lstStyle/>
-          <a:p>
-            <a:r>
-              <a:rPr lang="ja-JP" altLang="en-US" sz="3200" b="1" dirty="0"/>
-              <a:t>もう一度クリックすると上記が表示されるので</a:t>
-            </a:r>
-            <a:r>
-              <a:rPr lang="en-US" altLang="ja-JP" sz="3200" b="1" dirty="0"/>
-              <a:t>task</a:t>
-            </a:r>
-            <a:r>
-              <a:rPr lang="ja-JP" altLang="en-US" sz="3200" b="1" dirty="0"/>
-              <a:t>１をドラッグして</a:t>
-            </a:r>
-            <a:r>
-              <a:rPr lang="en-US" altLang="ja-JP" sz="3200" b="1" dirty="0" err="1"/>
-              <a:t>ToDo</a:t>
-            </a:r>
-            <a:r>
-              <a:rPr lang="ja-JP" altLang="en-US" sz="3200" b="1" dirty="0"/>
-              <a:t>から</a:t>
-            </a:r>
-            <a:r>
-              <a:rPr lang="en-US" altLang="ja-JP" sz="3200" b="1" dirty="0"/>
-              <a:t>Doing</a:t>
-            </a:r>
-            <a:r>
-              <a:rPr lang="ja-JP" altLang="en-US" sz="3200" b="1" dirty="0"/>
-              <a:t>に移動させる。</a:t>
-            </a:r>
-            <a:endParaRPr kumimoji="1" lang="ja-JP" altLang="en-US" sz="3200" b="1" dirty="0"/>
-          </a:p>
-        </p:txBody>
-      </p:sp>
-      <p:sp>
-        <p:nvSpPr>
-          <p:cNvPr id="9" name="楕円 8">
-            <a:extLst>
-              <a:ext uri="{FF2B5EF4-FFF2-40B4-BE49-F238E27FC236}">
-                <a16:creationId xmlns:a16="http://schemas.microsoft.com/office/drawing/2014/main" id="{77F9A631-0882-4410-8E25-15C83D3F121E}"/>
-              </a:ext>
-            </a:extLst>
-          </p:cNvPr>
-          <p:cNvSpPr/>
-          <p:nvPr/>
-        </p:nvSpPr>
-        <p:spPr>
-          <a:xfrm>
-            <a:off x="141402" y="888274"/>
-            <a:ext cx="2270871" cy="1532709"/>
+            <a:off x="9265920" y="4737463"/>
+            <a:ext cx="2926060" cy="2120527"/>
           </a:xfrm>
           <a:prstGeom prst="ellipse">
             <a:avLst/>
@@ -6601,10 +7254,50 @@
           </a:p>
         </p:txBody>
       </p:sp>
+      <p:sp>
+        <p:nvSpPr>
+          <p:cNvPr id="7" name="テキスト ボックス 6">
+            <a:extLst>
+              <a:ext uri="{FF2B5EF4-FFF2-40B4-BE49-F238E27FC236}">
+                <a16:creationId xmlns:a16="http://schemas.microsoft.com/office/drawing/2014/main" id="{4820F420-0C8F-4805-86D9-48662742F477}"/>
+              </a:ext>
+            </a:extLst>
+          </p:cNvPr>
+          <p:cNvSpPr txBox="1"/>
+          <p:nvPr/>
+        </p:nvSpPr>
+        <p:spPr>
+          <a:xfrm>
+            <a:off x="5730231" y="3660235"/>
+            <a:ext cx="5608319" cy="1077218"/>
+          </a:xfrm>
+          <a:prstGeom prst="rect">
+            <a:avLst/>
+          </a:prstGeom>
+          <a:noFill/>
+        </p:spPr>
+        <p:txBody>
+          <a:bodyPr wrap="square" rtlCol="0">
+            <a:spAutoFit/>
+          </a:bodyPr>
+          <a:lstStyle/>
+          <a:p>
+            <a:r>
+              <a:rPr lang="en-US" altLang="ja-JP" sz="3200" b="1" dirty="0"/>
+              <a:t>Event</a:t>
+            </a:r>
+            <a:r>
+              <a:rPr lang="ja-JP" altLang="en-US" sz="3200" b="1" dirty="0"/>
+              <a:t>カードを引く場合は右下のカードをクリック</a:t>
+            </a:r>
+            <a:endParaRPr kumimoji="1" lang="ja-JP" altLang="en-US" sz="3200" b="1" dirty="0"/>
+          </a:p>
+        </p:txBody>
+      </p:sp>
     </p:spTree>
     <p:extLst>
       <p:ext uri="{BB962C8B-B14F-4D97-AF65-F5344CB8AC3E}">
-        <p14:creationId xmlns:p14="http://schemas.microsoft.com/office/powerpoint/2010/main" val="2900658168"/>
+        <p14:creationId xmlns:p14="http://schemas.microsoft.com/office/powerpoint/2010/main" val="2627753242"/>
       </p:ext>
     </p:extLst>
   </p:cSld>

--- a/カンバンゲームのルール.pptx
+++ b/カンバンゲームのルール.pptx
@@ -12,18 +12,6 @@
     <p:sldId id="258" r:id="rId6"/>
     <p:sldId id="269" r:id="rId7"/>
     <p:sldId id="261" r:id="rId8"/>
-    <p:sldId id="272" r:id="rId9"/>
-    <p:sldId id="273" r:id="rId10"/>
-    <p:sldId id="268" r:id="rId11"/>
-    <p:sldId id="274" r:id="rId12"/>
-    <p:sldId id="265" r:id="rId13"/>
-    <p:sldId id="262" r:id="rId14"/>
-    <p:sldId id="263" r:id="rId15"/>
-    <p:sldId id="264" r:id="rId16"/>
-    <p:sldId id="266" r:id="rId17"/>
-    <p:sldId id="267" r:id="rId18"/>
-    <p:sldId id="271" r:id="rId19"/>
-    <p:sldId id="270" r:id="rId20"/>
   </p:sldIdLst>
   <p:sldSz cx="12192000" cy="6858000"/>
   <p:notesSz cx="6858000" cy="9144000"/>
@@ -123,6 +111,25 @@
     </a:lvl9pPr>
   </p:defaultTextStyle>
   <p:extLst>
+    <p:ext uri="{521415D9-36F7-43E2-AB2F-B90AF26B5E84}">
+      <p14:sectionLst xmlns:p14="http://schemas.microsoft.com/office/powerpoint/2010/main">
+        <p14:section name="既定のセクション" id="{238658E4-99FD-48A0-BD3B-6F8C1C925DE4}">
+          <p14:sldIdLst>
+            <p14:sldId id="260"/>
+            <p14:sldId id="256"/>
+            <p14:sldId id="259"/>
+            <p14:sldId id="257"/>
+            <p14:sldId id="258"/>
+            <p14:sldId id="269"/>
+          </p14:sldIdLst>
+        </p14:section>
+        <p14:section name="タイトルなしのセクション" id="{429E5BAE-8F99-481A-A3FD-FDFD33E960C2}">
+          <p14:sldIdLst>
+            <p14:sldId id="261"/>
+          </p14:sldIdLst>
+        </p14:section>
+      </p14:sectionLst>
+    </p:ext>
     <p:ext uri="{EFAFB233-063F-42B5-8137-9DF3F51BA10A}">
       <p15:sldGuideLst xmlns:p15="http://schemas.microsoft.com/office/powerpoint/2012/main"/>
     </p:ext>
@@ -277,7 +284,7 @@
           <a:p>
             <a:fld id="{E12D4CE4-0CC9-4B6D-BF8B-8C2C5D1B1436}" type="datetimeFigureOut">
               <a:rPr kumimoji="1" lang="ja-JP" altLang="en-US" smtClean="0"/>
-              <a:t>2019/10/19</a:t>
+              <a:t>2020/1/14</a:t>
             </a:fld>
             <a:endParaRPr kumimoji="1" lang="ja-JP" altLang="en-US"/>
           </a:p>
@@ -507,7 +514,7 @@
           <a:p>
             <a:fld id="{E12D4CE4-0CC9-4B6D-BF8B-8C2C5D1B1436}" type="datetimeFigureOut">
               <a:rPr kumimoji="1" lang="ja-JP" altLang="en-US" smtClean="0"/>
-              <a:t>2019/10/19</a:t>
+              <a:t>2020/1/14</a:t>
             </a:fld>
             <a:endParaRPr kumimoji="1" lang="ja-JP" altLang="en-US"/>
           </a:p>
@@ -747,7 +754,7 @@
           <a:p>
             <a:fld id="{E12D4CE4-0CC9-4B6D-BF8B-8C2C5D1B1436}" type="datetimeFigureOut">
               <a:rPr kumimoji="1" lang="ja-JP" altLang="en-US" smtClean="0"/>
-              <a:t>2019/10/19</a:t>
+              <a:t>2020/1/14</a:t>
             </a:fld>
             <a:endParaRPr kumimoji="1" lang="ja-JP" altLang="en-US"/>
           </a:p>
@@ -977,7 +984,7 @@
           <a:p>
             <a:fld id="{E12D4CE4-0CC9-4B6D-BF8B-8C2C5D1B1436}" type="datetimeFigureOut">
               <a:rPr kumimoji="1" lang="ja-JP" altLang="en-US" smtClean="0"/>
-              <a:t>2019/10/19</a:t>
+              <a:t>2020/1/14</a:t>
             </a:fld>
             <a:endParaRPr kumimoji="1" lang="ja-JP" altLang="en-US"/>
           </a:p>
@@ -1252,7 +1259,7 @@
           <a:p>
             <a:fld id="{E12D4CE4-0CC9-4B6D-BF8B-8C2C5D1B1436}" type="datetimeFigureOut">
               <a:rPr kumimoji="1" lang="ja-JP" altLang="en-US" smtClean="0"/>
-              <a:t>2019/10/19</a:t>
+              <a:t>2020/1/14</a:t>
             </a:fld>
             <a:endParaRPr kumimoji="1" lang="ja-JP" altLang="en-US"/>
           </a:p>
@@ -1581,7 +1588,7 @@
           <a:p>
             <a:fld id="{E12D4CE4-0CC9-4B6D-BF8B-8C2C5D1B1436}" type="datetimeFigureOut">
               <a:rPr kumimoji="1" lang="ja-JP" altLang="en-US" smtClean="0"/>
-              <a:t>2019/10/19</a:t>
+              <a:t>2020/1/14</a:t>
             </a:fld>
             <a:endParaRPr kumimoji="1" lang="ja-JP" altLang="en-US"/>
           </a:p>
@@ -2057,7 +2064,7 @@
           <a:p>
             <a:fld id="{E12D4CE4-0CC9-4B6D-BF8B-8C2C5D1B1436}" type="datetimeFigureOut">
               <a:rPr kumimoji="1" lang="ja-JP" altLang="en-US" smtClean="0"/>
-              <a:t>2019/10/19</a:t>
+              <a:t>2020/1/14</a:t>
             </a:fld>
             <a:endParaRPr kumimoji="1" lang="ja-JP" altLang="en-US"/>
           </a:p>
@@ -2198,7 +2205,7 @@
           <a:p>
             <a:fld id="{E12D4CE4-0CC9-4B6D-BF8B-8C2C5D1B1436}" type="datetimeFigureOut">
               <a:rPr kumimoji="1" lang="ja-JP" altLang="en-US" smtClean="0"/>
-              <a:t>2019/10/19</a:t>
+              <a:t>2020/1/14</a:t>
             </a:fld>
             <a:endParaRPr kumimoji="1" lang="ja-JP" altLang="en-US"/>
           </a:p>
@@ -2311,7 +2318,7 @@
           <a:p>
             <a:fld id="{E12D4CE4-0CC9-4B6D-BF8B-8C2C5D1B1436}" type="datetimeFigureOut">
               <a:rPr kumimoji="1" lang="ja-JP" altLang="en-US" smtClean="0"/>
-              <a:t>2019/10/19</a:t>
+              <a:t>2020/1/14</a:t>
             </a:fld>
             <a:endParaRPr kumimoji="1" lang="ja-JP" altLang="en-US"/>
           </a:p>
@@ -2654,7 +2661,7 @@
           <a:p>
             <a:fld id="{E12D4CE4-0CC9-4B6D-BF8B-8C2C5D1B1436}" type="datetimeFigureOut">
               <a:rPr kumimoji="1" lang="ja-JP" altLang="en-US" smtClean="0"/>
-              <a:t>2019/10/19</a:t>
+              <a:t>2020/1/14</a:t>
             </a:fld>
             <a:endParaRPr kumimoji="1" lang="ja-JP" altLang="en-US"/>
           </a:p>
@@ -2942,7 +2949,7 @@
           <a:p>
             <a:fld id="{E12D4CE4-0CC9-4B6D-BF8B-8C2C5D1B1436}" type="datetimeFigureOut">
               <a:rPr kumimoji="1" lang="ja-JP" altLang="en-US" smtClean="0"/>
-              <a:t>2019/10/19</a:t>
+              <a:t>2020/1/14</a:t>
             </a:fld>
             <a:endParaRPr kumimoji="1" lang="ja-JP" altLang="en-US"/>
           </a:p>
@@ -3215,7 +3222,7 @@
           <a:p>
             <a:fld id="{E12D4CE4-0CC9-4B6D-BF8B-8C2C5D1B1436}" type="datetimeFigureOut">
               <a:rPr kumimoji="1" lang="ja-JP" altLang="en-US" smtClean="0"/>
-              <a:t>2019/10/19</a:t>
+              <a:t>2020/1/14</a:t>
             </a:fld>
             <a:endParaRPr kumimoji="1" lang="ja-JP" altLang="en-US"/>
           </a:p>
@@ -3765,2250 +3772,6 @@
 </p:sld>
 </file>
 
-<file path=ppt/slides/slide10.xml><?xml version="1.0" encoding="utf-8"?>
-<p:sld xmlns:a="http://schemas.openxmlformats.org/drawingml/2006/main" xmlns:r="http://schemas.openxmlformats.org/officeDocument/2006/relationships" xmlns:p="http://schemas.openxmlformats.org/presentationml/2006/main">
-  <p:cSld>
-    <p:bg>
-      <p:bgPr>
-        <a:solidFill>
-          <a:schemeClr val="bg1"/>
-        </a:solidFill>
-        <a:effectLst/>
-      </p:bgPr>
-    </p:bg>
-    <p:spTree>
-      <p:nvGrpSpPr>
-        <p:cNvPr id="1" name=""/>
-        <p:cNvGrpSpPr/>
-        <p:nvPr/>
-      </p:nvGrpSpPr>
-      <p:grpSpPr>
-        <a:xfrm>
-          <a:off x="0" y="0"/>
-          <a:ext cx="0" cy="0"/>
-          <a:chOff x="0" y="0"/>
-          <a:chExt cx="0" cy="0"/>
-        </a:xfrm>
-      </p:grpSpPr>
-      <p:pic>
-        <p:nvPicPr>
-          <p:cNvPr id="4" name="コンテンツ プレースホルダー 3" descr="スクリーンショットの画面&#10;&#10;自動的に生成された説明">
-            <a:extLst>
-              <a:ext uri="{FF2B5EF4-FFF2-40B4-BE49-F238E27FC236}">
-                <a16:creationId xmlns:a16="http://schemas.microsoft.com/office/drawing/2014/main" id="{D5059CB9-FF9F-4121-B7EC-100FD16305D6}"/>
-              </a:ext>
-            </a:extLst>
-          </p:cNvPr>
-          <p:cNvPicPr>
-            <a:picLocks noGrp="1" noChangeAspect="1"/>
-          </p:cNvPicPr>
-          <p:nvPr>
-            <p:ph idx="1"/>
-          </p:nvPr>
-        </p:nvPicPr>
-        <p:blipFill rotWithShape="1">
-          <a:blip r:embed="rId2"/>
-          <a:srcRect t="6841" b="8890"/>
-          <a:stretch/>
-        </p:blipFill>
-        <p:spPr>
-          <a:xfrm>
-            <a:off x="20" y="10"/>
-            <a:ext cx="12191980" cy="6857990"/>
-          </a:xfrm>
-          <a:prstGeom prst="rect">
-            <a:avLst/>
-          </a:prstGeom>
-        </p:spPr>
-      </p:pic>
-      <p:sp>
-        <p:nvSpPr>
-          <p:cNvPr id="6" name="テキスト ボックス 5">
-            <a:extLst>
-              <a:ext uri="{FF2B5EF4-FFF2-40B4-BE49-F238E27FC236}">
-                <a16:creationId xmlns:a16="http://schemas.microsoft.com/office/drawing/2014/main" id="{71B91644-5031-4D34-92A8-D53E1D004CA9}"/>
-              </a:ext>
-            </a:extLst>
-          </p:cNvPr>
-          <p:cNvSpPr txBox="1"/>
-          <p:nvPr/>
-        </p:nvSpPr>
-        <p:spPr>
-          <a:xfrm>
-            <a:off x="6261444" y="1878875"/>
-            <a:ext cx="5608319" cy="1077218"/>
-          </a:xfrm>
-          <a:prstGeom prst="rect">
-            <a:avLst/>
-          </a:prstGeom>
-          <a:noFill/>
-          <a:ln>
-            <a:noFill/>
-          </a:ln>
-        </p:spPr>
-        <p:txBody>
-          <a:bodyPr wrap="square" rtlCol="0">
-            <a:spAutoFit/>
-          </a:bodyPr>
-          <a:lstStyle/>
-          <a:p>
-            <a:r>
-              <a:rPr lang="ja-JP" altLang="en-US" sz="3200" b="1" dirty="0"/>
-              <a:t>イベントカードが使用された結果</a:t>
-            </a:r>
-            <a:endParaRPr lang="en-US" altLang="ja-JP" sz="3200" b="1" dirty="0"/>
-          </a:p>
-        </p:txBody>
-      </p:sp>
-      <p:sp>
-        <p:nvSpPr>
-          <p:cNvPr id="7" name="楕円 6">
-            <a:extLst>
-              <a:ext uri="{FF2B5EF4-FFF2-40B4-BE49-F238E27FC236}">
-                <a16:creationId xmlns:a16="http://schemas.microsoft.com/office/drawing/2014/main" id="{5C684CC7-19C7-4EAD-B064-E18FAE3C445E}"/>
-              </a:ext>
-            </a:extLst>
-          </p:cNvPr>
-          <p:cNvSpPr/>
-          <p:nvPr/>
-        </p:nvSpPr>
-        <p:spPr>
-          <a:xfrm>
-            <a:off x="4972595" y="4979125"/>
-            <a:ext cx="2246810" cy="1532709"/>
-          </a:xfrm>
-          <a:prstGeom prst="ellipse">
-            <a:avLst/>
-          </a:prstGeom>
-          <a:noFill/>
-          <a:ln w="76200">
-            <a:solidFill>
-              <a:srgbClr val="FF0000"/>
-            </a:solidFill>
-          </a:ln>
-        </p:spPr>
-        <p:style>
-          <a:lnRef idx="2">
-            <a:schemeClr val="accent1">
-              <a:shade val="50000"/>
-            </a:schemeClr>
-          </a:lnRef>
-          <a:fillRef idx="1">
-            <a:schemeClr val="accent1"/>
-          </a:fillRef>
-          <a:effectRef idx="0">
-            <a:schemeClr val="accent1"/>
-          </a:effectRef>
-          <a:fontRef idx="minor">
-            <a:schemeClr val="lt1"/>
-          </a:fontRef>
-        </p:style>
-        <p:txBody>
-          <a:bodyPr rtlCol="0" anchor="ctr"/>
-          <a:lstStyle/>
-          <a:p>
-            <a:pPr algn="ctr"/>
-            <a:endParaRPr kumimoji="1" lang="ja-JP" altLang="en-US"/>
-          </a:p>
-        </p:txBody>
-      </p:sp>
-      <p:sp>
-        <p:nvSpPr>
-          <p:cNvPr id="8" name="テキスト ボックス 7">
-            <a:extLst>
-              <a:ext uri="{FF2B5EF4-FFF2-40B4-BE49-F238E27FC236}">
-                <a16:creationId xmlns:a16="http://schemas.microsoft.com/office/drawing/2014/main" id="{996D29BF-61ED-40F0-813C-4CF6C552B506}"/>
-              </a:ext>
-            </a:extLst>
-          </p:cNvPr>
-          <p:cNvSpPr txBox="1"/>
-          <p:nvPr/>
-        </p:nvSpPr>
-        <p:spPr>
-          <a:xfrm>
-            <a:off x="5521234" y="4184227"/>
-            <a:ext cx="3988525" cy="584775"/>
-          </a:xfrm>
-          <a:prstGeom prst="rect">
-            <a:avLst/>
-          </a:prstGeom>
-          <a:noFill/>
-        </p:spPr>
-        <p:txBody>
-          <a:bodyPr wrap="square" rtlCol="0">
-            <a:spAutoFit/>
-          </a:bodyPr>
-          <a:lstStyle/>
-          <a:p>
-            <a:r>
-              <a:rPr kumimoji="1" lang="ja-JP" altLang="en-US" sz="2400" b="1" dirty="0"/>
-              <a:t>６＋２＝</a:t>
-            </a:r>
-            <a:r>
-              <a:rPr kumimoji="1" lang="ja-JP" altLang="en-US" sz="2800" b="1" dirty="0"/>
-              <a:t>８</a:t>
-            </a:r>
-            <a:r>
-              <a:rPr kumimoji="1" lang="ja-JP" altLang="en-US" sz="2800" b="1" u="sng" dirty="0">
-                <a:solidFill>
-                  <a:srgbClr val="FF0000"/>
-                </a:solidFill>
-              </a:rPr>
-              <a:t>＋４</a:t>
-            </a:r>
-            <a:r>
-              <a:rPr kumimoji="1" lang="ja-JP" altLang="en-US" sz="2800" b="1" dirty="0">
-                <a:solidFill>
-                  <a:srgbClr val="FF0000"/>
-                </a:solidFill>
-              </a:rPr>
-              <a:t>＝</a:t>
-            </a:r>
-            <a:r>
-              <a:rPr kumimoji="1" lang="ja-JP" altLang="en-US" sz="3200" b="1" dirty="0">
-                <a:solidFill>
-                  <a:srgbClr val="FF0000"/>
-                </a:solidFill>
-              </a:rPr>
-              <a:t>１２</a:t>
-            </a:r>
-            <a:endParaRPr kumimoji="1" lang="ja-JP" altLang="en-US" sz="2400" b="1" dirty="0">
-              <a:solidFill>
-                <a:srgbClr val="FF0000"/>
-              </a:solidFill>
-            </a:endParaRPr>
-          </a:p>
-        </p:txBody>
-      </p:sp>
-      <p:sp>
-        <p:nvSpPr>
-          <p:cNvPr id="12" name="矢印: 上向き折線 11">
-            <a:extLst>
-              <a:ext uri="{FF2B5EF4-FFF2-40B4-BE49-F238E27FC236}">
-                <a16:creationId xmlns:a16="http://schemas.microsoft.com/office/drawing/2014/main" id="{0990F18D-7299-4E68-97C2-88BE69D3F609}"/>
-              </a:ext>
-            </a:extLst>
-          </p:cNvPr>
-          <p:cNvSpPr/>
-          <p:nvPr/>
-        </p:nvSpPr>
-        <p:spPr>
-          <a:xfrm flipH="1">
-            <a:off x="7437119" y="4769002"/>
-            <a:ext cx="2177144" cy="1231204"/>
-          </a:xfrm>
-          <a:prstGeom prst="bentUpArrow">
-            <a:avLst/>
-          </a:prstGeom>
-          <a:solidFill>
-            <a:srgbClr val="FF0000"/>
-          </a:solidFill>
-          <a:ln>
-            <a:solidFill>
-              <a:srgbClr val="FF0000"/>
-            </a:solidFill>
-          </a:ln>
-        </p:spPr>
-        <p:style>
-          <a:lnRef idx="2">
-            <a:schemeClr val="accent1">
-              <a:shade val="50000"/>
-            </a:schemeClr>
-          </a:lnRef>
-          <a:fillRef idx="1">
-            <a:schemeClr val="accent1"/>
-          </a:fillRef>
-          <a:effectRef idx="0">
-            <a:schemeClr val="accent1"/>
-          </a:effectRef>
-          <a:fontRef idx="minor">
-            <a:schemeClr val="lt1"/>
-          </a:fontRef>
-        </p:style>
-        <p:txBody>
-          <a:bodyPr rtlCol="0" anchor="ctr"/>
-          <a:lstStyle/>
-          <a:p>
-            <a:pPr algn="ctr"/>
-            <a:endParaRPr kumimoji="1" lang="ja-JP" altLang="en-US"/>
-          </a:p>
-        </p:txBody>
-      </p:sp>
-      <p:sp>
-        <p:nvSpPr>
-          <p:cNvPr id="13" name="テキスト ボックス 12">
-            <a:extLst>
-              <a:ext uri="{FF2B5EF4-FFF2-40B4-BE49-F238E27FC236}">
-                <a16:creationId xmlns:a16="http://schemas.microsoft.com/office/drawing/2014/main" id="{B0624A94-897E-431C-8D23-50CD199528C3}"/>
-              </a:ext>
-            </a:extLst>
-          </p:cNvPr>
-          <p:cNvSpPr txBox="1"/>
-          <p:nvPr/>
-        </p:nvSpPr>
-        <p:spPr>
-          <a:xfrm>
-            <a:off x="2107475" y="1878875"/>
-            <a:ext cx="3988525" cy="461665"/>
-          </a:xfrm>
-          <a:prstGeom prst="rect">
-            <a:avLst/>
-          </a:prstGeom>
-          <a:noFill/>
-        </p:spPr>
-        <p:txBody>
-          <a:bodyPr wrap="square" rtlCol="0">
-            <a:spAutoFit/>
-          </a:bodyPr>
-          <a:lstStyle/>
-          <a:p>
-            <a:r>
-              <a:rPr kumimoji="1" lang="ja-JP" altLang="en-US" sz="2400" b="1" dirty="0"/>
-              <a:t>２４－</a:t>
-            </a:r>
-            <a:r>
-              <a:rPr kumimoji="1" lang="ja-JP" altLang="en-US" sz="2400" b="1" u="sng" dirty="0"/>
-              <a:t>１２</a:t>
-            </a:r>
-            <a:r>
-              <a:rPr kumimoji="1" lang="ja-JP" altLang="en-US" sz="2400" b="1" dirty="0"/>
-              <a:t>＝１２</a:t>
-            </a:r>
-          </a:p>
-        </p:txBody>
-      </p:sp>
-      <p:sp>
-        <p:nvSpPr>
-          <p:cNvPr id="15" name="楕円 14">
-            <a:extLst>
-              <a:ext uri="{FF2B5EF4-FFF2-40B4-BE49-F238E27FC236}">
-                <a16:creationId xmlns:a16="http://schemas.microsoft.com/office/drawing/2014/main" id="{0447A9CE-D580-479F-B360-AF3CDC5DD143}"/>
-              </a:ext>
-            </a:extLst>
-          </p:cNvPr>
-          <p:cNvSpPr/>
-          <p:nvPr/>
-        </p:nvSpPr>
-        <p:spPr>
-          <a:xfrm>
-            <a:off x="8255726" y="4012232"/>
-            <a:ext cx="827314" cy="783771"/>
-          </a:xfrm>
-          <a:prstGeom prst="ellipse">
-            <a:avLst/>
-          </a:prstGeom>
-          <a:noFill/>
-          <a:ln>
-            <a:solidFill>
-              <a:schemeClr val="tx1"/>
-            </a:solidFill>
-          </a:ln>
-        </p:spPr>
-        <p:style>
-          <a:lnRef idx="2">
-            <a:schemeClr val="accent1">
-              <a:shade val="50000"/>
-            </a:schemeClr>
-          </a:lnRef>
-          <a:fillRef idx="1">
-            <a:schemeClr val="accent1"/>
-          </a:fillRef>
-          <a:effectRef idx="0">
-            <a:schemeClr val="accent1"/>
-          </a:effectRef>
-          <a:fontRef idx="minor">
-            <a:schemeClr val="lt1"/>
-          </a:fontRef>
-        </p:style>
-        <p:txBody>
-          <a:bodyPr rtlCol="0" anchor="ctr"/>
-          <a:lstStyle/>
-          <a:p>
-            <a:pPr algn="ctr"/>
-            <a:endParaRPr kumimoji="1" lang="ja-JP" altLang="en-US"/>
-          </a:p>
-        </p:txBody>
-      </p:sp>
-      <p:cxnSp>
-        <p:nvCxnSpPr>
-          <p:cNvPr id="27" name="直線矢印コネクタ 26">
-            <a:extLst>
-              <a:ext uri="{FF2B5EF4-FFF2-40B4-BE49-F238E27FC236}">
-                <a16:creationId xmlns:a16="http://schemas.microsoft.com/office/drawing/2014/main" id="{D6D53F85-AEE1-47CE-808C-7210370ED062}"/>
-              </a:ext>
-            </a:extLst>
-          </p:cNvPr>
-          <p:cNvCxnSpPr/>
-          <p:nvPr/>
-        </p:nvCxnSpPr>
-        <p:spPr>
-          <a:xfrm flipH="1" flipV="1">
-            <a:off x="3614057" y="2340540"/>
-            <a:ext cx="4641669" cy="1743780"/>
-          </a:xfrm>
-          <a:prstGeom prst="straightConnector1">
-            <a:avLst/>
-          </a:prstGeom>
-          <a:ln>
-            <a:solidFill>
-              <a:schemeClr val="tx1"/>
-            </a:solidFill>
-            <a:tailEnd type="triangle"/>
-          </a:ln>
-        </p:spPr>
-        <p:style>
-          <a:lnRef idx="1">
-            <a:schemeClr val="accent1"/>
-          </a:lnRef>
-          <a:fillRef idx="0">
-            <a:schemeClr val="accent1"/>
-          </a:fillRef>
-          <a:effectRef idx="0">
-            <a:schemeClr val="accent1"/>
-          </a:effectRef>
-          <a:fontRef idx="minor">
-            <a:schemeClr val="tx1"/>
-          </a:fontRef>
-        </p:style>
-      </p:cxnSp>
-      <p:sp>
-        <p:nvSpPr>
-          <p:cNvPr id="28" name="楕円 27">
-            <a:extLst>
-              <a:ext uri="{FF2B5EF4-FFF2-40B4-BE49-F238E27FC236}">
-                <a16:creationId xmlns:a16="http://schemas.microsoft.com/office/drawing/2014/main" id="{5E022C58-6149-45D4-A6D9-6FCD58DA4425}"/>
-              </a:ext>
-            </a:extLst>
-          </p:cNvPr>
-          <p:cNvSpPr/>
-          <p:nvPr/>
-        </p:nvSpPr>
-        <p:spPr>
-          <a:xfrm>
-            <a:off x="3949329" y="1713226"/>
-            <a:ext cx="827314" cy="783771"/>
-          </a:xfrm>
-          <a:prstGeom prst="ellipse">
-            <a:avLst/>
-          </a:prstGeom>
-          <a:noFill/>
-          <a:ln>
-            <a:solidFill>
-              <a:schemeClr val="tx1"/>
-            </a:solidFill>
-          </a:ln>
-        </p:spPr>
-        <p:style>
-          <a:lnRef idx="2">
-            <a:schemeClr val="accent1">
-              <a:shade val="50000"/>
-            </a:schemeClr>
-          </a:lnRef>
-          <a:fillRef idx="1">
-            <a:schemeClr val="accent1"/>
-          </a:fillRef>
-          <a:effectRef idx="0">
-            <a:schemeClr val="accent1"/>
-          </a:effectRef>
-          <a:fontRef idx="minor">
-            <a:schemeClr val="lt1"/>
-          </a:fontRef>
-        </p:style>
-        <p:txBody>
-          <a:bodyPr rtlCol="0" anchor="ctr"/>
-          <a:lstStyle/>
-          <a:p>
-            <a:pPr algn="ctr"/>
-            <a:endParaRPr kumimoji="1" lang="ja-JP" altLang="en-US"/>
-          </a:p>
-        </p:txBody>
-      </p:sp>
-      <p:cxnSp>
-        <p:nvCxnSpPr>
-          <p:cNvPr id="29" name="直線矢印コネクタ 28">
-            <a:extLst>
-              <a:ext uri="{FF2B5EF4-FFF2-40B4-BE49-F238E27FC236}">
-                <a16:creationId xmlns:a16="http://schemas.microsoft.com/office/drawing/2014/main" id="{AD77693C-7A8F-44D0-BCEC-8AD498666D93}"/>
-              </a:ext>
-            </a:extLst>
-          </p:cNvPr>
-          <p:cNvCxnSpPr>
-            <a:cxnSpLocks/>
-          </p:cNvCxnSpPr>
-          <p:nvPr/>
-        </p:nvCxnSpPr>
-        <p:spPr>
-          <a:xfrm flipV="1">
-            <a:off x="4362986" y="857794"/>
-            <a:ext cx="0" cy="855432"/>
-          </a:xfrm>
-          <a:prstGeom prst="straightConnector1">
-            <a:avLst/>
-          </a:prstGeom>
-          <a:ln>
-            <a:solidFill>
-              <a:schemeClr val="tx1"/>
-            </a:solidFill>
-            <a:tailEnd type="triangle"/>
-          </a:ln>
-        </p:spPr>
-        <p:style>
-          <a:lnRef idx="1">
-            <a:schemeClr val="accent1"/>
-          </a:lnRef>
-          <a:fillRef idx="0">
-            <a:schemeClr val="accent1"/>
-          </a:fillRef>
-          <a:effectRef idx="0">
-            <a:schemeClr val="accent1"/>
-          </a:effectRef>
-          <a:fontRef idx="minor">
-            <a:schemeClr val="tx1"/>
-          </a:fontRef>
-        </p:style>
-      </p:cxnSp>
-    </p:spTree>
-    <p:extLst>
-      <p:ext uri="{BB962C8B-B14F-4D97-AF65-F5344CB8AC3E}">
-        <p14:creationId xmlns:p14="http://schemas.microsoft.com/office/powerpoint/2010/main" val="2500690706"/>
-      </p:ext>
-    </p:extLst>
-  </p:cSld>
-  <p:clrMapOvr>
-    <a:masterClrMapping/>
-  </p:clrMapOvr>
-</p:sld>
-</file>
-
-<file path=ppt/slides/slide11.xml><?xml version="1.0" encoding="utf-8"?>
-<p:sld xmlns:a="http://schemas.openxmlformats.org/drawingml/2006/main" xmlns:r="http://schemas.openxmlformats.org/officeDocument/2006/relationships" xmlns:p="http://schemas.openxmlformats.org/presentationml/2006/main">
-  <p:cSld>
-    <p:bg>
-      <p:bgPr>
-        <a:solidFill>
-          <a:schemeClr val="bg1"/>
-        </a:solidFill>
-        <a:effectLst/>
-      </p:bgPr>
-    </p:bg>
-    <p:spTree>
-      <p:nvGrpSpPr>
-        <p:cNvPr id="1" name=""/>
-        <p:cNvGrpSpPr/>
-        <p:nvPr/>
-      </p:nvGrpSpPr>
-      <p:grpSpPr>
-        <a:xfrm>
-          <a:off x="0" y="0"/>
-          <a:ext cx="0" cy="0"/>
-          <a:chOff x="0" y="0"/>
-          <a:chExt cx="0" cy="0"/>
-        </a:xfrm>
-      </p:grpSpPr>
-      <p:pic>
-        <p:nvPicPr>
-          <p:cNvPr id="4" name="コンテンツ プレースホルダー 3" descr="スクリーンショットの画面&#10;&#10;自動的に生成された説明">
-            <a:extLst>
-              <a:ext uri="{FF2B5EF4-FFF2-40B4-BE49-F238E27FC236}">
-                <a16:creationId xmlns:a16="http://schemas.microsoft.com/office/drawing/2014/main" id="{B6F277E7-2416-458A-B279-0860A1A96B95}"/>
-              </a:ext>
-            </a:extLst>
-          </p:cNvPr>
-          <p:cNvPicPr>
-            <a:picLocks noGrp="1" noChangeAspect="1"/>
-          </p:cNvPicPr>
-          <p:nvPr>
-            <p:ph idx="1"/>
-          </p:nvPr>
-        </p:nvPicPr>
-        <p:blipFill rotWithShape="1">
-          <a:blip r:embed="rId2"/>
-          <a:srcRect t="11471" b="4260"/>
-          <a:stretch/>
-        </p:blipFill>
-        <p:spPr>
-          <a:xfrm>
-            <a:off x="20" y="10"/>
-            <a:ext cx="12191980" cy="5721521"/>
-          </a:xfrm>
-          <a:prstGeom prst="rect">
-            <a:avLst/>
-          </a:prstGeom>
-        </p:spPr>
-      </p:pic>
-      <p:sp>
-        <p:nvSpPr>
-          <p:cNvPr id="5" name="テキスト ボックス 4">
-            <a:extLst>
-              <a:ext uri="{FF2B5EF4-FFF2-40B4-BE49-F238E27FC236}">
-                <a16:creationId xmlns:a16="http://schemas.microsoft.com/office/drawing/2014/main" id="{63D96ACB-2942-454D-AE60-AAD33C605922}"/>
-              </a:ext>
-            </a:extLst>
-          </p:cNvPr>
-          <p:cNvSpPr txBox="1"/>
-          <p:nvPr/>
-        </p:nvSpPr>
-        <p:spPr>
-          <a:xfrm>
-            <a:off x="8090263" y="5967268"/>
-            <a:ext cx="3561806" cy="646331"/>
-          </a:xfrm>
-          <a:prstGeom prst="rect">
-            <a:avLst/>
-          </a:prstGeom>
-          <a:noFill/>
-          <a:ln>
-            <a:solidFill>
-              <a:schemeClr val="tx1"/>
-            </a:solidFill>
-          </a:ln>
-        </p:spPr>
-        <p:txBody>
-          <a:bodyPr wrap="square" rtlCol="0">
-            <a:spAutoFit/>
-          </a:bodyPr>
-          <a:lstStyle/>
-          <a:p>
-            <a:r>
-              <a:rPr kumimoji="1" lang="ja-JP" altLang="en-US" dirty="0"/>
-              <a:t>ターン終了ボタンのようなものを作る</a:t>
-            </a:r>
-          </a:p>
-        </p:txBody>
-      </p:sp>
-      <p:sp>
-        <p:nvSpPr>
-          <p:cNvPr id="6" name="テキスト ボックス 5">
-            <a:extLst>
-              <a:ext uri="{FF2B5EF4-FFF2-40B4-BE49-F238E27FC236}">
-                <a16:creationId xmlns:a16="http://schemas.microsoft.com/office/drawing/2014/main" id="{4681C17A-44F9-4958-A266-877ED7503769}"/>
-              </a:ext>
-            </a:extLst>
-          </p:cNvPr>
-          <p:cNvSpPr txBox="1"/>
-          <p:nvPr/>
-        </p:nvSpPr>
-        <p:spPr>
-          <a:xfrm>
-            <a:off x="4193177" y="5967267"/>
-            <a:ext cx="3561806" cy="646331"/>
-          </a:xfrm>
-          <a:prstGeom prst="rect">
-            <a:avLst/>
-          </a:prstGeom>
-          <a:noFill/>
-          <a:ln>
-            <a:noFill/>
-          </a:ln>
-        </p:spPr>
-        <p:txBody>
-          <a:bodyPr wrap="square" rtlCol="0">
-            <a:spAutoFit/>
-          </a:bodyPr>
-          <a:lstStyle/>
-          <a:p>
-            <a:r>
-              <a:rPr kumimoji="1" lang="en-US" altLang="ja-JP" dirty="0"/>
-              <a:t>※event</a:t>
-            </a:r>
-            <a:r>
-              <a:rPr kumimoji="1" lang="ja-JP" altLang="en-US" dirty="0"/>
-              <a:t>カードを引かない場合必要になる。</a:t>
-            </a:r>
-            <a:endParaRPr kumimoji="1" lang="en-US" altLang="ja-JP" dirty="0"/>
-          </a:p>
-        </p:txBody>
-      </p:sp>
-    </p:spTree>
-    <p:extLst>
-      <p:ext uri="{BB962C8B-B14F-4D97-AF65-F5344CB8AC3E}">
-        <p14:creationId xmlns:p14="http://schemas.microsoft.com/office/powerpoint/2010/main" val="3417578181"/>
-      </p:ext>
-    </p:extLst>
-  </p:cSld>
-  <p:clrMapOvr>
-    <a:masterClrMapping/>
-  </p:clrMapOvr>
-</p:sld>
-</file>
-
-<file path=ppt/slides/slide12.xml><?xml version="1.0" encoding="utf-8"?>
-<p:sld xmlns:a="http://schemas.openxmlformats.org/drawingml/2006/main" xmlns:r="http://schemas.openxmlformats.org/officeDocument/2006/relationships" xmlns:p="http://schemas.openxmlformats.org/presentationml/2006/main">
-  <p:cSld>
-    <p:bg>
-      <p:bgPr>
-        <a:solidFill>
-          <a:schemeClr val="bg1"/>
-        </a:solidFill>
-        <a:effectLst/>
-      </p:bgPr>
-    </p:bg>
-    <p:spTree>
-      <p:nvGrpSpPr>
-        <p:cNvPr id="1" name=""/>
-        <p:cNvGrpSpPr/>
-        <p:nvPr/>
-      </p:nvGrpSpPr>
-      <p:grpSpPr>
-        <a:xfrm>
-          <a:off x="0" y="0"/>
-          <a:ext cx="0" cy="0"/>
-          <a:chOff x="0" y="0"/>
-          <a:chExt cx="0" cy="0"/>
-        </a:xfrm>
-      </p:grpSpPr>
-      <p:pic>
-        <p:nvPicPr>
-          <p:cNvPr id="4" name="コンテンツ プレースホルダー 3" descr="スクリーンショットの画面&#10;&#10;自動的に生成された説明">
-            <a:extLst>
-              <a:ext uri="{FF2B5EF4-FFF2-40B4-BE49-F238E27FC236}">
-                <a16:creationId xmlns:a16="http://schemas.microsoft.com/office/drawing/2014/main" id="{0670FD3B-519D-43DE-A82F-721F97EFF179}"/>
-              </a:ext>
-            </a:extLst>
-          </p:cNvPr>
-          <p:cNvPicPr>
-            <a:picLocks noGrp="1" noChangeAspect="1"/>
-          </p:cNvPicPr>
-          <p:nvPr>
-            <p:ph idx="1"/>
-          </p:nvPr>
-        </p:nvPicPr>
-        <p:blipFill rotWithShape="1">
-          <a:blip r:embed="rId2"/>
-          <a:srcRect t="6410" b="9321"/>
-          <a:stretch/>
-        </p:blipFill>
-        <p:spPr>
-          <a:xfrm>
-            <a:off x="20" y="10"/>
-            <a:ext cx="12191980" cy="6857990"/>
-          </a:xfrm>
-          <a:prstGeom prst="rect">
-            <a:avLst/>
-          </a:prstGeom>
-        </p:spPr>
-      </p:pic>
-      <p:sp>
-        <p:nvSpPr>
-          <p:cNvPr id="5" name="テキスト ボックス 4">
-            <a:extLst>
-              <a:ext uri="{FF2B5EF4-FFF2-40B4-BE49-F238E27FC236}">
-                <a16:creationId xmlns:a16="http://schemas.microsoft.com/office/drawing/2014/main" id="{52A2C896-EA8D-4552-9943-EB1021D47ADF}"/>
-              </a:ext>
-            </a:extLst>
-          </p:cNvPr>
-          <p:cNvSpPr txBox="1"/>
-          <p:nvPr/>
-        </p:nvSpPr>
-        <p:spPr>
-          <a:xfrm>
-            <a:off x="4362994" y="2180197"/>
-            <a:ext cx="5608319" cy="2062103"/>
-          </a:xfrm>
-          <a:prstGeom prst="rect">
-            <a:avLst/>
-          </a:prstGeom>
-          <a:noFill/>
-        </p:spPr>
-        <p:txBody>
-          <a:bodyPr wrap="square" rtlCol="0">
-            <a:spAutoFit/>
-          </a:bodyPr>
-          <a:lstStyle/>
-          <a:p>
-            <a:r>
-              <a:rPr lang="en-US" altLang="ja-JP" sz="3200" b="1" dirty="0"/>
-              <a:t>task1</a:t>
-            </a:r>
-            <a:r>
-              <a:rPr lang="ja-JP" altLang="en-US" sz="3200" b="1" dirty="0"/>
-              <a:t>の工数が０以下になると上記のように表示されるのでドラッグして</a:t>
-            </a:r>
-            <a:r>
-              <a:rPr lang="en-US" altLang="ja-JP" sz="3200" b="1" dirty="0"/>
-              <a:t>Doing</a:t>
-            </a:r>
-            <a:r>
-              <a:rPr lang="ja-JP" altLang="en-US" sz="3200" b="1" dirty="0"/>
-              <a:t>から</a:t>
-            </a:r>
-            <a:r>
-              <a:rPr lang="en-US" altLang="ja-JP" sz="3200" b="1" dirty="0"/>
-              <a:t>Done</a:t>
-            </a:r>
-            <a:r>
-              <a:rPr lang="ja-JP" altLang="en-US" sz="3200" b="1" dirty="0"/>
-              <a:t>に移動する。</a:t>
-            </a:r>
-            <a:endParaRPr kumimoji="1" lang="ja-JP" altLang="en-US" sz="3200" b="1" dirty="0"/>
-          </a:p>
-        </p:txBody>
-      </p:sp>
-    </p:spTree>
-    <p:extLst>
-      <p:ext uri="{BB962C8B-B14F-4D97-AF65-F5344CB8AC3E}">
-        <p14:creationId xmlns:p14="http://schemas.microsoft.com/office/powerpoint/2010/main" val="1144680246"/>
-      </p:ext>
-    </p:extLst>
-  </p:cSld>
-  <p:clrMapOvr>
-    <a:masterClrMapping/>
-  </p:clrMapOvr>
-</p:sld>
-</file>
-
-<file path=ppt/slides/slide13.xml><?xml version="1.0" encoding="utf-8"?>
-<p:sld xmlns:a="http://schemas.openxmlformats.org/drawingml/2006/main" xmlns:r="http://schemas.openxmlformats.org/officeDocument/2006/relationships" xmlns:p="http://schemas.openxmlformats.org/presentationml/2006/main">
-  <p:cSld>
-    <p:bg>
-      <p:bgPr>
-        <a:solidFill>
-          <a:schemeClr val="bg1"/>
-        </a:solidFill>
-        <a:effectLst/>
-      </p:bgPr>
-    </p:bg>
-    <p:spTree>
-      <p:nvGrpSpPr>
-        <p:cNvPr id="1" name=""/>
-        <p:cNvGrpSpPr/>
-        <p:nvPr/>
-      </p:nvGrpSpPr>
-      <p:grpSpPr>
-        <a:xfrm>
-          <a:off x="0" y="0"/>
-          <a:ext cx="0" cy="0"/>
-          <a:chOff x="0" y="0"/>
-          <a:chExt cx="0" cy="0"/>
-        </a:xfrm>
-      </p:grpSpPr>
-      <p:pic>
-        <p:nvPicPr>
-          <p:cNvPr id="9" name="コンテンツ プレースホルダー 8" descr="スクリーンショットの画面&#10;&#10;自動的に生成された説明">
-            <a:extLst>
-              <a:ext uri="{FF2B5EF4-FFF2-40B4-BE49-F238E27FC236}">
-                <a16:creationId xmlns:a16="http://schemas.microsoft.com/office/drawing/2014/main" id="{614DD335-2310-4C32-BD04-5172B4DF470F}"/>
-              </a:ext>
-            </a:extLst>
-          </p:cNvPr>
-          <p:cNvPicPr>
-            <a:picLocks noGrp="1" noChangeAspect="1"/>
-          </p:cNvPicPr>
-          <p:nvPr>
-            <p:ph idx="1"/>
-          </p:nvPr>
-        </p:nvPicPr>
-        <p:blipFill rotWithShape="1">
-          <a:blip r:embed="rId2">
-            <a:extLst>
-              <a:ext uri="{28A0092B-C50C-407E-A947-70E740481C1C}">
-                <a14:useLocalDpi xmlns:a14="http://schemas.microsoft.com/office/drawing/2010/main" val="0"/>
-              </a:ext>
-            </a:extLst>
-          </a:blip>
-          <a:srcRect t="7096" b="8634"/>
-          <a:stretch/>
-        </p:blipFill>
-        <p:spPr>
-          <a:xfrm>
-            <a:off x="20" y="-185924"/>
-            <a:ext cx="12191980" cy="6874107"/>
-          </a:xfrm>
-          <a:prstGeom prst="rect">
-            <a:avLst/>
-          </a:prstGeom>
-        </p:spPr>
-      </p:pic>
-      <p:sp>
-        <p:nvSpPr>
-          <p:cNvPr id="10" name="楕円 9">
-            <a:extLst>
-              <a:ext uri="{FF2B5EF4-FFF2-40B4-BE49-F238E27FC236}">
-                <a16:creationId xmlns:a16="http://schemas.microsoft.com/office/drawing/2014/main" id="{6288078F-D7EE-409A-BA38-FF6453A633DE}"/>
-              </a:ext>
-            </a:extLst>
-          </p:cNvPr>
-          <p:cNvSpPr/>
-          <p:nvPr/>
-        </p:nvSpPr>
-        <p:spPr>
-          <a:xfrm>
-            <a:off x="4362994" y="4972594"/>
-            <a:ext cx="3361509" cy="1654629"/>
-          </a:xfrm>
-          <a:prstGeom prst="ellipse">
-            <a:avLst/>
-          </a:prstGeom>
-          <a:noFill/>
-          <a:ln w="76200">
-            <a:solidFill>
-              <a:srgbClr val="FF0000"/>
-            </a:solidFill>
-          </a:ln>
-        </p:spPr>
-        <p:style>
-          <a:lnRef idx="2">
-            <a:schemeClr val="accent1">
-              <a:shade val="50000"/>
-            </a:schemeClr>
-          </a:lnRef>
-          <a:fillRef idx="1">
-            <a:schemeClr val="accent1"/>
-          </a:fillRef>
-          <a:effectRef idx="0">
-            <a:schemeClr val="accent1"/>
-          </a:effectRef>
-          <a:fontRef idx="minor">
-            <a:schemeClr val="lt1"/>
-          </a:fontRef>
-        </p:style>
-        <p:txBody>
-          <a:bodyPr rtlCol="0" anchor="ctr"/>
-          <a:lstStyle/>
-          <a:p>
-            <a:pPr algn="ctr"/>
-            <a:endParaRPr kumimoji="1" lang="ja-JP" altLang="en-US"/>
-          </a:p>
-        </p:txBody>
-      </p:sp>
-      <p:sp>
-        <p:nvSpPr>
-          <p:cNvPr id="11" name="テキスト ボックス 10">
-            <a:extLst>
-              <a:ext uri="{FF2B5EF4-FFF2-40B4-BE49-F238E27FC236}">
-                <a16:creationId xmlns:a16="http://schemas.microsoft.com/office/drawing/2014/main" id="{8FD5A78A-08DE-44F6-8BFD-B952616D8D33}"/>
-              </a:ext>
-            </a:extLst>
-          </p:cNvPr>
-          <p:cNvSpPr txBox="1"/>
-          <p:nvPr/>
-        </p:nvSpPr>
-        <p:spPr>
-          <a:xfrm>
-            <a:off x="5408023" y="4201885"/>
-            <a:ext cx="5608319" cy="584775"/>
-          </a:xfrm>
-          <a:prstGeom prst="rect">
-            <a:avLst/>
-          </a:prstGeom>
-          <a:noFill/>
-        </p:spPr>
-        <p:txBody>
-          <a:bodyPr wrap="square" rtlCol="0">
-            <a:spAutoFit/>
-          </a:bodyPr>
-          <a:lstStyle/>
-          <a:p>
-            <a:r>
-              <a:rPr lang="ja-JP" altLang="en-US" sz="3200" b="1" dirty="0"/>
-              <a:t>サイコロはすぐに止まる</a:t>
-            </a:r>
-            <a:endParaRPr kumimoji="1" lang="ja-JP" altLang="en-US" sz="3200" b="1" dirty="0"/>
-          </a:p>
-        </p:txBody>
-      </p:sp>
-      <p:cxnSp>
-        <p:nvCxnSpPr>
-          <p:cNvPr id="14" name="直線コネクタ 13">
-            <a:extLst>
-              <a:ext uri="{FF2B5EF4-FFF2-40B4-BE49-F238E27FC236}">
-                <a16:creationId xmlns:a16="http://schemas.microsoft.com/office/drawing/2014/main" id="{10989137-C75A-4F97-B3BC-8BD8D7241C53}"/>
-              </a:ext>
-            </a:extLst>
-          </p:cNvPr>
-          <p:cNvCxnSpPr>
-            <a:cxnSpLocks/>
-          </p:cNvCxnSpPr>
-          <p:nvPr/>
-        </p:nvCxnSpPr>
-        <p:spPr>
-          <a:xfrm>
-            <a:off x="1771971" y="1823263"/>
-            <a:ext cx="736097" cy="737057"/>
-          </a:xfrm>
-          <a:prstGeom prst="line">
-            <a:avLst/>
-          </a:prstGeom>
-          <a:ln>
-            <a:solidFill>
-              <a:schemeClr val="tx1"/>
-            </a:solidFill>
-          </a:ln>
-        </p:spPr>
-        <p:style>
-          <a:lnRef idx="1">
-            <a:schemeClr val="accent1"/>
-          </a:lnRef>
-          <a:fillRef idx="0">
-            <a:schemeClr val="accent1"/>
-          </a:fillRef>
-          <a:effectRef idx="0">
-            <a:schemeClr val="accent1"/>
-          </a:effectRef>
-          <a:fontRef idx="minor">
-            <a:schemeClr val="tx1"/>
-          </a:fontRef>
-        </p:style>
-      </p:cxnSp>
-      <p:sp>
-        <p:nvSpPr>
-          <p:cNvPr id="15" name="テキスト ボックス 14">
-            <a:extLst>
-              <a:ext uri="{FF2B5EF4-FFF2-40B4-BE49-F238E27FC236}">
-                <a16:creationId xmlns:a16="http://schemas.microsoft.com/office/drawing/2014/main" id="{28A48DE1-A4FB-4CD1-BAE2-B8B7B6830254}"/>
-              </a:ext>
-            </a:extLst>
-          </p:cNvPr>
-          <p:cNvSpPr txBox="1"/>
-          <p:nvPr/>
-        </p:nvSpPr>
-        <p:spPr>
-          <a:xfrm>
-            <a:off x="2508068" y="2044005"/>
-            <a:ext cx="5608319" cy="1384995"/>
-          </a:xfrm>
-          <a:prstGeom prst="rect">
-            <a:avLst/>
-          </a:prstGeom>
-          <a:noFill/>
-        </p:spPr>
-        <p:txBody>
-          <a:bodyPr wrap="square" rtlCol="0">
-            <a:spAutoFit/>
-          </a:bodyPr>
-          <a:lstStyle/>
-          <a:p>
-            <a:r>
-              <a:rPr lang="en-US" altLang="ja-JP" sz="2800" b="1" dirty="0"/>
-              <a:t>task</a:t>
-            </a:r>
-            <a:r>
-              <a:rPr kumimoji="1" lang="ja-JP" altLang="en-US" sz="2800" b="1" dirty="0"/>
-              <a:t>をクリックするとサイコロの目の合計だけ工数が減っているとわかる。</a:t>
-            </a:r>
-            <a:endParaRPr kumimoji="1" lang="en-US" altLang="ja-JP" sz="2800" b="1" dirty="0"/>
-          </a:p>
-        </p:txBody>
-      </p:sp>
-      <p:cxnSp>
-        <p:nvCxnSpPr>
-          <p:cNvPr id="17" name="直線矢印コネクタ 16">
-            <a:extLst>
-              <a:ext uri="{FF2B5EF4-FFF2-40B4-BE49-F238E27FC236}">
-                <a16:creationId xmlns:a16="http://schemas.microsoft.com/office/drawing/2014/main" id="{25C08F5D-00FD-42EF-99BA-E4F8E96892EC}"/>
-              </a:ext>
-            </a:extLst>
-          </p:cNvPr>
-          <p:cNvCxnSpPr>
-            <a:cxnSpLocks/>
-          </p:cNvCxnSpPr>
-          <p:nvPr/>
-        </p:nvCxnSpPr>
-        <p:spPr>
-          <a:xfrm flipV="1">
-            <a:off x="4650355" y="931817"/>
-            <a:ext cx="461576" cy="926254"/>
-          </a:xfrm>
-          <a:prstGeom prst="straightConnector1">
-            <a:avLst/>
-          </a:prstGeom>
-          <a:ln>
-            <a:solidFill>
-              <a:schemeClr val="tx1"/>
-            </a:solidFill>
-            <a:tailEnd type="triangle"/>
-          </a:ln>
-        </p:spPr>
-        <p:style>
-          <a:lnRef idx="1">
-            <a:schemeClr val="accent1"/>
-          </a:lnRef>
-          <a:fillRef idx="0">
-            <a:schemeClr val="accent1"/>
-          </a:fillRef>
-          <a:effectRef idx="0">
-            <a:schemeClr val="accent1"/>
-          </a:effectRef>
-          <a:fontRef idx="minor">
-            <a:schemeClr val="tx1"/>
-          </a:fontRef>
-        </p:style>
-      </p:cxnSp>
-      <p:sp>
-        <p:nvSpPr>
-          <p:cNvPr id="18" name="楕円 17">
-            <a:extLst>
-              <a:ext uri="{FF2B5EF4-FFF2-40B4-BE49-F238E27FC236}">
-                <a16:creationId xmlns:a16="http://schemas.microsoft.com/office/drawing/2014/main" id="{06E862C7-C2F0-460A-8726-22972AA479DC}"/>
-              </a:ext>
-            </a:extLst>
-          </p:cNvPr>
-          <p:cNvSpPr/>
-          <p:nvPr/>
-        </p:nvSpPr>
-        <p:spPr>
-          <a:xfrm>
-            <a:off x="-274320" y="870857"/>
-            <a:ext cx="2416627" cy="1410790"/>
-          </a:xfrm>
-          <a:prstGeom prst="ellipse">
-            <a:avLst/>
-          </a:prstGeom>
-          <a:noFill/>
-          <a:ln w="76200">
-            <a:solidFill>
-              <a:srgbClr val="FF0000"/>
-            </a:solidFill>
-          </a:ln>
-        </p:spPr>
-        <p:style>
-          <a:lnRef idx="2">
-            <a:schemeClr val="accent1">
-              <a:shade val="50000"/>
-            </a:schemeClr>
-          </a:lnRef>
-          <a:fillRef idx="1">
-            <a:schemeClr val="accent1"/>
-          </a:fillRef>
-          <a:effectRef idx="0">
-            <a:schemeClr val="accent1"/>
-          </a:effectRef>
-          <a:fontRef idx="minor">
-            <a:schemeClr val="lt1"/>
-          </a:fontRef>
-        </p:style>
-        <p:txBody>
-          <a:bodyPr rtlCol="0" anchor="ctr"/>
-          <a:lstStyle/>
-          <a:p>
-            <a:pPr algn="ctr"/>
-            <a:endParaRPr kumimoji="1" lang="ja-JP" altLang="en-US"/>
-          </a:p>
-        </p:txBody>
-      </p:sp>
-      <p:sp>
-        <p:nvSpPr>
-          <p:cNvPr id="19" name="テキスト ボックス 18">
-            <a:extLst>
-              <a:ext uri="{FF2B5EF4-FFF2-40B4-BE49-F238E27FC236}">
-                <a16:creationId xmlns:a16="http://schemas.microsoft.com/office/drawing/2014/main" id="{5A10AD3F-1087-4089-8D45-E1B6D8864BE7}"/>
-              </a:ext>
-            </a:extLst>
-          </p:cNvPr>
-          <p:cNvSpPr txBox="1"/>
-          <p:nvPr/>
-        </p:nvSpPr>
-        <p:spPr>
-          <a:xfrm>
-            <a:off x="8273144" y="1899403"/>
-            <a:ext cx="3387632" cy="892552"/>
-          </a:xfrm>
-          <a:prstGeom prst="rect">
-            <a:avLst/>
-          </a:prstGeom>
-          <a:noFill/>
-        </p:spPr>
-        <p:txBody>
-          <a:bodyPr wrap="square" rtlCol="0">
-            <a:spAutoFit/>
-          </a:bodyPr>
-          <a:lstStyle/>
-          <a:p>
-            <a:r>
-              <a:rPr kumimoji="1" lang="ja-JP" altLang="en-US" sz="3600" b="1" u="sng" dirty="0"/>
-              <a:t>２４</a:t>
-            </a:r>
-            <a:r>
-              <a:rPr kumimoji="1" lang="ja-JP" altLang="en-US" sz="3600" b="1" dirty="0"/>
-              <a:t>－</a:t>
-            </a:r>
-            <a:r>
-              <a:rPr kumimoji="1" lang="ja-JP" altLang="en-US" sz="3600" b="1" u="sng" dirty="0"/>
-              <a:t>９</a:t>
-            </a:r>
-            <a:r>
-              <a:rPr kumimoji="1" lang="ja-JP" altLang="en-US" sz="3600" b="1" dirty="0"/>
-              <a:t>＝１５</a:t>
-            </a:r>
-            <a:endParaRPr kumimoji="1" lang="en-US" altLang="ja-JP" sz="3600" b="1" dirty="0"/>
-          </a:p>
-          <a:p>
-            <a:r>
-              <a:rPr kumimoji="1" lang="ja-JP" altLang="en-US" sz="1400" b="1" dirty="0"/>
-              <a:t>（残りの工数）（サイコロの和）</a:t>
-            </a:r>
-          </a:p>
-        </p:txBody>
-      </p:sp>
-    </p:spTree>
-    <p:extLst>
-      <p:ext uri="{BB962C8B-B14F-4D97-AF65-F5344CB8AC3E}">
-        <p14:creationId xmlns:p14="http://schemas.microsoft.com/office/powerpoint/2010/main" val="43072322"/>
-      </p:ext>
-    </p:extLst>
-  </p:cSld>
-  <p:clrMapOvr>
-    <a:masterClrMapping/>
-  </p:clrMapOvr>
-</p:sld>
-</file>
-
-<file path=ppt/slides/slide14.xml><?xml version="1.0" encoding="utf-8"?>
-<p:sld xmlns:a="http://schemas.openxmlformats.org/drawingml/2006/main" xmlns:r="http://schemas.openxmlformats.org/officeDocument/2006/relationships" xmlns:p="http://schemas.openxmlformats.org/presentationml/2006/main">
-  <p:cSld>
-    <p:bg>
-      <p:bgPr>
-        <a:solidFill>
-          <a:schemeClr val="bg1"/>
-        </a:solidFill>
-        <a:effectLst/>
-      </p:bgPr>
-    </p:bg>
-    <p:spTree>
-      <p:nvGrpSpPr>
-        <p:cNvPr id="1" name=""/>
-        <p:cNvGrpSpPr/>
-        <p:nvPr/>
-      </p:nvGrpSpPr>
-      <p:grpSpPr>
-        <a:xfrm>
-          <a:off x="0" y="0"/>
-          <a:ext cx="0" cy="0"/>
-          <a:chOff x="0" y="0"/>
-          <a:chExt cx="0" cy="0"/>
-        </a:xfrm>
-      </p:grpSpPr>
-      <p:pic>
-        <p:nvPicPr>
-          <p:cNvPr id="5" name="コンテンツ プレースホルダー 4" descr="スクリーンショットの画面&#10;&#10;自動的に生成された説明">
-            <a:extLst>
-              <a:ext uri="{FF2B5EF4-FFF2-40B4-BE49-F238E27FC236}">
-                <a16:creationId xmlns:a16="http://schemas.microsoft.com/office/drawing/2014/main" id="{B7BC22E0-E528-40CB-80F6-DB5C9904B831}"/>
-              </a:ext>
-            </a:extLst>
-          </p:cNvPr>
-          <p:cNvPicPr>
-            <a:picLocks noGrp="1" noChangeAspect="1"/>
-          </p:cNvPicPr>
-          <p:nvPr>
-            <p:ph idx="1"/>
-          </p:nvPr>
-        </p:nvPicPr>
-        <p:blipFill rotWithShape="1">
-          <a:blip r:embed="rId2">
-            <a:extLst>
-              <a:ext uri="{28A0092B-C50C-407E-A947-70E740481C1C}">
-                <a14:useLocalDpi xmlns:a14="http://schemas.microsoft.com/office/drawing/2010/main" val="0"/>
-              </a:ext>
-            </a:extLst>
-          </a:blip>
-          <a:srcRect t="6280" b="9450"/>
-          <a:stretch/>
-        </p:blipFill>
-        <p:spPr>
-          <a:xfrm>
-            <a:off x="235151" y="78386"/>
-            <a:ext cx="12191980" cy="6857990"/>
-          </a:xfrm>
-          <a:prstGeom prst="rect">
-            <a:avLst/>
-          </a:prstGeom>
-        </p:spPr>
-      </p:pic>
-      <p:cxnSp>
-        <p:nvCxnSpPr>
-          <p:cNvPr id="7" name="直線コネクタ 6">
-            <a:extLst>
-              <a:ext uri="{FF2B5EF4-FFF2-40B4-BE49-F238E27FC236}">
-                <a16:creationId xmlns:a16="http://schemas.microsoft.com/office/drawing/2014/main" id="{2E6238BB-EB1E-4D8F-A66C-20A4223787CA}"/>
-              </a:ext>
-            </a:extLst>
-          </p:cNvPr>
-          <p:cNvCxnSpPr/>
-          <p:nvPr/>
-        </p:nvCxnSpPr>
-        <p:spPr>
-          <a:xfrm>
-            <a:off x="1771971" y="1823263"/>
-            <a:ext cx="2451687" cy="597720"/>
-          </a:xfrm>
-          <a:prstGeom prst="line">
-            <a:avLst/>
-          </a:prstGeom>
-          <a:ln>
-            <a:solidFill>
-              <a:schemeClr val="tx1"/>
-            </a:solidFill>
-          </a:ln>
-        </p:spPr>
-        <p:style>
-          <a:lnRef idx="1">
-            <a:schemeClr val="accent1"/>
-          </a:lnRef>
-          <a:fillRef idx="0">
-            <a:schemeClr val="accent1"/>
-          </a:fillRef>
-          <a:effectRef idx="0">
-            <a:schemeClr val="accent1"/>
-          </a:effectRef>
-          <a:fontRef idx="minor">
-            <a:schemeClr val="tx1"/>
-          </a:fontRef>
-        </p:style>
-      </p:cxnSp>
-      <p:sp>
-        <p:nvSpPr>
-          <p:cNvPr id="8" name="テキスト ボックス 7">
-            <a:extLst>
-              <a:ext uri="{FF2B5EF4-FFF2-40B4-BE49-F238E27FC236}">
-                <a16:creationId xmlns:a16="http://schemas.microsoft.com/office/drawing/2014/main" id="{0060D7A7-F35E-45AF-B594-53D321F3F86A}"/>
-              </a:ext>
-            </a:extLst>
-          </p:cNvPr>
-          <p:cNvSpPr txBox="1"/>
-          <p:nvPr/>
-        </p:nvSpPr>
-        <p:spPr>
-          <a:xfrm>
-            <a:off x="4362994" y="2180197"/>
-            <a:ext cx="5608319" cy="2062103"/>
-          </a:xfrm>
-          <a:prstGeom prst="rect">
-            <a:avLst/>
-          </a:prstGeom>
-          <a:noFill/>
-        </p:spPr>
-        <p:txBody>
-          <a:bodyPr wrap="square" rtlCol="0">
-            <a:spAutoFit/>
-          </a:bodyPr>
-          <a:lstStyle/>
-          <a:p>
-            <a:r>
-              <a:rPr lang="ja-JP" altLang="en-US" sz="3200" b="1" dirty="0"/>
-              <a:t>もう一度クリックすると上記が表示されるので</a:t>
-            </a:r>
-            <a:r>
-              <a:rPr lang="en-US" altLang="ja-JP" sz="3200" b="1" dirty="0"/>
-              <a:t>task</a:t>
-            </a:r>
-            <a:r>
-              <a:rPr lang="ja-JP" altLang="en-US" sz="3200" b="1" dirty="0"/>
-              <a:t>１をドラッグして</a:t>
-            </a:r>
-            <a:r>
-              <a:rPr lang="en-US" altLang="ja-JP" sz="3200" b="1" dirty="0" err="1"/>
-              <a:t>ToDo</a:t>
-            </a:r>
-            <a:r>
-              <a:rPr lang="ja-JP" altLang="en-US" sz="3200" b="1" dirty="0"/>
-              <a:t>から</a:t>
-            </a:r>
-            <a:r>
-              <a:rPr lang="en-US" altLang="ja-JP" sz="3200" b="1" dirty="0"/>
-              <a:t>Doing</a:t>
-            </a:r>
-            <a:r>
-              <a:rPr lang="ja-JP" altLang="en-US" sz="3200" b="1" dirty="0"/>
-              <a:t>に移動させる。</a:t>
-            </a:r>
-            <a:endParaRPr kumimoji="1" lang="ja-JP" altLang="en-US" sz="3200" b="1" dirty="0"/>
-          </a:p>
-        </p:txBody>
-      </p:sp>
-      <p:sp>
-        <p:nvSpPr>
-          <p:cNvPr id="9" name="楕円 8">
-            <a:extLst>
-              <a:ext uri="{FF2B5EF4-FFF2-40B4-BE49-F238E27FC236}">
-                <a16:creationId xmlns:a16="http://schemas.microsoft.com/office/drawing/2014/main" id="{77F9A631-0882-4410-8E25-15C83D3F121E}"/>
-              </a:ext>
-            </a:extLst>
-          </p:cNvPr>
-          <p:cNvSpPr/>
-          <p:nvPr/>
-        </p:nvSpPr>
-        <p:spPr>
-          <a:xfrm>
-            <a:off x="141402" y="888274"/>
-            <a:ext cx="2270871" cy="1532709"/>
-          </a:xfrm>
-          <a:prstGeom prst="ellipse">
-            <a:avLst/>
-          </a:prstGeom>
-          <a:noFill/>
-          <a:ln w="76200">
-            <a:solidFill>
-              <a:srgbClr val="FF0000"/>
-            </a:solidFill>
-          </a:ln>
-        </p:spPr>
-        <p:style>
-          <a:lnRef idx="2">
-            <a:schemeClr val="accent1">
-              <a:shade val="50000"/>
-            </a:schemeClr>
-          </a:lnRef>
-          <a:fillRef idx="1">
-            <a:schemeClr val="accent1"/>
-          </a:fillRef>
-          <a:effectRef idx="0">
-            <a:schemeClr val="accent1"/>
-          </a:effectRef>
-          <a:fontRef idx="minor">
-            <a:schemeClr val="lt1"/>
-          </a:fontRef>
-        </p:style>
-        <p:txBody>
-          <a:bodyPr rtlCol="0" anchor="ctr"/>
-          <a:lstStyle/>
-          <a:p>
-            <a:pPr algn="ctr"/>
-            <a:endParaRPr kumimoji="1" lang="ja-JP" altLang="en-US"/>
-          </a:p>
-        </p:txBody>
-      </p:sp>
-    </p:spTree>
-    <p:extLst>
-      <p:ext uri="{BB962C8B-B14F-4D97-AF65-F5344CB8AC3E}">
-        <p14:creationId xmlns:p14="http://schemas.microsoft.com/office/powerpoint/2010/main" val="2900658168"/>
-      </p:ext>
-    </p:extLst>
-  </p:cSld>
-  <p:clrMapOvr>
-    <a:masterClrMapping/>
-  </p:clrMapOvr>
-</p:sld>
-</file>
-
-<file path=ppt/slides/slide15.xml><?xml version="1.0" encoding="utf-8"?>
-<p:sld xmlns:a="http://schemas.openxmlformats.org/drawingml/2006/main" xmlns:r="http://schemas.openxmlformats.org/officeDocument/2006/relationships" xmlns:p="http://schemas.openxmlformats.org/presentationml/2006/main">
-  <p:cSld>
-    <p:bg>
-      <p:bgPr>
-        <a:solidFill>
-          <a:schemeClr val="bg1"/>
-        </a:solidFill>
-        <a:effectLst/>
-      </p:bgPr>
-    </p:bg>
-    <p:spTree>
-      <p:nvGrpSpPr>
-        <p:cNvPr id="1" name=""/>
-        <p:cNvGrpSpPr/>
-        <p:nvPr/>
-      </p:nvGrpSpPr>
-      <p:grpSpPr>
-        <a:xfrm>
-          <a:off x="0" y="0"/>
-          <a:ext cx="0" cy="0"/>
-          <a:chOff x="0" y="0"/>
-          <a:chExt cx="0" cy="0"/>
-        </a:xfrm>
-      </p:grpSpPr>
-      <p:pic>
-        <p:nvPicPr>
-          <p:cNvPr id="5" name="コンテンツ プレースホルダー 4" descr="スクリーンショットの画面&#10;&#10;自動的に生成された説明">
-            <a:extLst>
-              <a:ext uri="{FF2B5EF4-FFF2-40B4-BE49-F238E27FC236}">
-                <a16:creationId xmlns:a16="http://schemas.microsoft.com/office/drawing/2014/main" id="{6EFB1E37-F861-4E35-BD21-7B412B7C7FB0}"/>
-              </a:ext>
-            </a:extLst>
-          </p:cNvPr>
-          <p:cNvPicPr>
-            <a:picLocks noGrp="1" noChangeAspect="1"/>
-          </p:cNvPicPr>
-          <p:nvPr>
-            <p:ph idx="1"/>
-          </p:nvPr>
-        </p:nvPicPr>
-        <p:blipFill rotWithShape="1">
-          <a:blip r:embed="rId2">
-            <a:extLst>
-              <a:ext uri="{28A0092B-C50C-407E-A947-70E740481C1C}">
-                <a14:useLocalDpi xmlns:a14="http://schemas.microsoft.com/office/drawing/2010/main" val="0"/>
-              </a:ext>
-            </a:extLst>
-          </a:blip>
-          <a:srcRect t="6451" b="9280"/>
-          <a:stretch/>
-        </p:blipFill>
-        <p:spPr>
-          <a:xfrm>
-            <a:off x="20" y="10"/>
-            <a:ext cx="12191980" cy="6857990"/>
-          </a:xfrm>
-          <a:prstGeom prst="rect">
-            <a:avLst/>
-          </a:prstGeom>
-        </p:spPr>
-      </p:pic>
-      <p:sp>
-        <p:nvSpPr>
-          <p:cNvPr id="6" name="テキスト ボックス 5">
-            <a:extLst>
-              <a:ext uri="{FF2B5EF4-FFF2-40B4-BE49-F238E27FC236}">
-                <a16:creationId xmlns:a16="http://schemas.microsoft.com/office/drawing/2014/main" id="{318F1D2E-EE2D-4F9C-AF42-B1A01FF21B65}"/>
-              </a:ext>
-            </a:extLst>
-          </p:cNvPr>
-          <p:cNvSpPr txBox="1"/>
-          <p:nvPr/>
-        </p:nvSpPr>
-        <p:spPr>
-          <a:xfrm>
-            <a:off x="4362994" y="2180197"/>
-            <a:ext cx="5608319" cy="1569660"/>
-          </a:xfrm>
-          <a:prstGeom prst="rect">
-            <a:avLst/>
-          </a:prstGeom>
-          <a:noFill/>
-        </p:spPr>
-        <p:txBody>
-          <a:bodyPr wrap="square" rtlCol="0">
-            <a:spAutoFit/>
-          </a:bodyPr>
-          <a:lstStyle/>
-          <a:p>
-            <a:r>
-              <a:rPr lang="ja-JP" altLang="en-US" sz="3200" b="1" dirty="0"/>
-              <a:t>もう一度</a:t>
-            </a:r>
-            <a:r>
-              <a:rPr lang="en-US" altLang="ja-JP" sz="3200" b="1" dirty="0"/>
-              <a:t>task1</a:t>
-            </a:r>
-            <a:r>
-              <a:rPr lang="ja-JP" altLang="en-US" sz="3200" b="1" dirty="0"/>
-              <a:t>をクリックすると上記が表示されるので</a:t>
-            </a:r>
-            <a:r>
-              <a:rPr lang="en-US" altLang="ja-JP" sz="3200" b="1" dirty="0"/>
-              <a:t>0</a:t>
-            </a:r>
-            <a:r>
-              <a:rPr lang="ja-JP" altLang="en-US" sz="3200" b="1" dirty="0"/>
-              <a:t>になるまでサイコロを振る。</a:t>
-            </a:r>
-            <a:endParaRPr kumimoji="1" lang="ja-JP" altLang="en-US" sz="3200" b="1" dirty="0"/>
-          </a:p>
-        </p:txBody>
-      </p:sp>
-      <p:cxnSp>
-        <p:nvCxnSpPr>
-          <p:cNvPr id="7" name="直線コネクタ 6">
-            <a:extLst>
-              <a:ext uri="{FF2B5EF4-FFF2-40B4-BE49-F238E27FC236}">
-                <a16:creationId xmlns:a16="http://schemas.microsoft.com/office/drawing/2014/main" id="{3FC84F50-0226-40BB-B365-3813DD600837}"/>
-              </a:ext>
-            </a:extLst>
-          </p:cNvPr>
-          <p:cNvCxnSpPr>
-            <a:cxnSpLocks/>
-          </p:cNvCxnSpPr>
-          <p:nvPr/>
-        </p:nvCxnSpPr>
-        <p:spPr>
-          <a:xfrm>
-            <a:off x="5808617" y="1193074"/>
-            <a:ext cx="1097281" cy="987123"/>
-          </a:xfrm>
-          <a:prstGeom prst="line">
-            <a:avLst/>
-          </a:prstGeom>
-          <a:ln>
-            <a:solidFill>
-              <a:schemeClr val="tx1"/>
-            </a:solidFill>
-          </a:ln>
-        </p:spPr>
-        <p:style>
-          <a:lnRef idx="1">
-            <a:schemeClr val="accent1"/>
-          </a:lnRef>
-          <a:fillRef idx="0">
-            <a:schemeClr val="accent1"/>
-          </a:fillRef>
-          <a:effectRef idx="0">
-            <a:schemeClr val="accent1"/>
-          </a:effectRef>
-          <a:fontRef idx="minor">
-            <a:schemeClr val="tx1"/>
-          </a:fontRef>
-        </p:style>
-      </p:cxnSp>
-    </p:spTree>
-    <p:extLst>
-      <p:ext uri="{BB962C8B-B14F-4D97-AF65-F5344CB8AC3E}">
-        <p14:creationId xmlns:p14="http://schemas.microsoft.com/office/powerpoint/2010/main" val="3670647035"/>
-      </p:ext>
-    </p:extLst>
-  </p:cSld>
-  <p:clrMapOvr>
-    <a:masterClrMapping/>
-  </p:clrMapOvr>
-</p:sld>
-</file>
-
-<file path=ppt/slides/slide16.xml><?xml version="1.0" encoding="utf-8"?>
-<p:sld xmlns:a="http://schemas.openxmlformats.org/drawingml/2006/main" xmlns:r="http://schemas.openxmlformats.org/officeDocument/2006/relationships" xmlns:p="http://schemas.openxmlformats.org/presentationml/2006/main">
-  <p:cSld>
-    <p:bg>
-      <p:bgPr>
-        <a:solidFill>
-          <a:schemeClr val="bg1"/>
-        </a:solidFill>
-        <a:effectLst/>
-      </p:bgPr>
-    </p:bg>
-    <p:spTree>
-      <p:nvGrpSpPr>
-        <p:cNvPr id="1" name=""/>
-        <p:cNvGrpSpPr/>
-        <p:nvPr/>
-      </p:nvGrpSpPr>
-      <p:grpSpPr>
-        <a:xfrm>
-          <a:off x="0" y="0"/>
-          <a:ext cx="0" cy="0"/>
-          <a:chOff x="0" y="0"/>
-          <a:chExt cx="0" cy="0"/>
-        </a:xfrm>
-      </p:grpSpPr>
-      <p:pic>
-        <p:nvPicPr>
-          <p:cNvPr id="4" name="コンテンツ プレースホルダー 3" descr="スクリーンショットの画面&#10;&#10;自動的に生成された説明">
-            <a:extLst>
-              <a:ext uri="{FF2B5EF4-FFF2-40B4-BE49-F238E27FC236}">
-                <a16:creationId xmlns:a16="http://schemas.microsoft.com/office/drawing/2014/main" id="{4E03644E-EB4C-4324-B98B-443460F5041E}"/>
-              </a:ext>
-            </a:extLst>
-          </p:cNvPr>
-          <p:cNvPicPr>
-            <a:picLocks noGrp="1" noChangeAspect="1"/>
-          </p:cNvPicPr>
-          <p:nvPr>
-            <p:ph idx="1"/>
-          </p:nvPr>
-        </p:nvPicPr>
-        <p:blipFill rotWithShape="1">
-          <a:blip r:embed="rId2"/>
-          <a:srcRect t="6679" b="9052"/>
-          <a:stretch/>
-        </p:blipFill>
-        <p:spPr>
-          <a:xfrm>
-            <a:off x="20" y="10"/>
-            <a:ext cx="12191980" cy="6857990"/>
-          </a:xfrm>
-          <a:prstGeom prst="rect">
-            <a:avLst/>
-          </a:prstGeom>
-        </p:spPr>
-      </p:pic>
-      <p:sp>
-        <p:nvSpPr>
-          <p:cNvPr id="5" name="テキスト ボックス 4">
-            <a:extLst>
-              <a:ext uri="{FF2B5EF4-FFF2-40B4-BE49-F238E27FC236}">
-                <a16:creationId xmlns:a16="http://schemas.microsoft.com/office/drawing/2014/main" id="{C5D2137B-D342-43EA-8C92-22789D6932A3}"/>
-              </a:ext>
-            </a:extLst>
-          </p:cNvPr>
-          <p:cNvSpPr txBox="1"/>
-          <p:nvPr/>
-        </p:nvSpPr>
-        <p:spPr>
-          <a:xfrm>
-            <a:off x="4362994" y="2180197"/>
-            <a:ext cx="5608319" cy="2062103"/>
-          </a:xfrm>
-          <a:prstGeom prst="rect">
-            <a:avLst/>
-          </a:prstGeom>
-          <a:noFill/>
-        </p:spPr>
-        <p:txBody>
-          <a:bodyPr wrap="square" rtlCol="0">
-            <a:spAutoFit/>
-          </a:bodyPr>
-          <a:lstStyle/>
-          <a:p>
-            <a:r>
-              <a:rPr lang="en-US" altLang="ja-JP" sz="3200" b="1" dirty="0"/>
-              <a:t>t</a:t>
-            </a:r>
-            <a:r>
-              <a:rPr kumimoji="1" lang="en-US" altLang="ja-JP" sz="3200" b="1" dirty="0"/>
-              <a:t>ask1</a:t>
-            </a:r>
-            <a:r>
-              <a:rPr kumimoji="1" lang="ja-JP" altLang="en-US" sz="3200" b="1" dirty="0"/>
-              <a:t>をクリックし、上記のように表示されれば</a:t>
-            </a:r>
-            <a:r>
-              <a:rPr kumimoji="1" lang="en-US" altLang="ja-JP" sz="3200" b="1" dirty="0"/>
-              <a:t>OK</a:t>
-            </a:r>
-            <a:r>
-              <a:rPr kumimoji="1" lang="ja-JP" altLang="en-US" sz="3200" b="1" dirty="0"/>
-              <a:t>！</a:t>
-            </a:r>
-            <a:endParaRPr kumimoji="1" lang="en-US" altLang="ja-JP" sz="3200" b="1" dirty="0"/>
-          </a:p>
-          <a:p>
-            <a:r>
-              <a:rPr kumimoji="1" lang="ja-JP" altLang="en-US" sz="3200" b="1" dirty="0"/>
-              <a:t>このように</a:t>
-            </a:r>
-            <a:r>
-              <a:rPr kumimoji="1" lang="en-US" altLang="ja-JP" sz="3200" b="1" dirty="0"/>
-              <a:t>task2,task3……</a:t>
-            </a:r>
-            <a:r>
-              <a:rPr kumimoji="1" lang="ja-JP" altLang="en-US" sz="3200" b="1" dirty="0"/>
-              <a:t>と進めていく。</a:t>
-            </a:r>
-            <a:endParaRPr kumimoji="1" lang="en-US" altLang="ja-JP" sz="3200" b="1" dirty="0"/>
-          </a:p>
-        </p:txBody>
-      </p:sp>
-      <p:sp>
-        <p:nvSpPr>
-          <p:cNvPr id="6" name="楕円 5">
-            <a:extLst>
-              <a:ext uri="{FF2B5EF4-FFF2-40B4-BE49-F238E27FC236}">
-                <a16:creationId xmlns:a16="http://schemas.microsoft.com/office/drawing/2014/main" id="{194B86C7-6CCB-4FF9-B1BA-D33C6D271B46}"/>
-              </a:ext>
-            </a:extLst>
-          </p:cNvPr>
-          <p:cNvSpPr/>
-          <p:nvPr/>
-        </p:nvSpPr>
-        <p:spPr>
-          <a:xfrm>
-            <a:off x="7820297" y="722811"/>
-            <a:ext cx="2246810" cy="1532709"/>
-          </a:xfrm>
-          <a:prstGeom prst="ellipse">
-            <a:avLst/>
-          </a:prstGeom>
-          <a:noFill/>
-          <a:ln w="76200">
-            <a:solidFill>
-              <a:srgbClr val="FF0000"/>
-            </a:solidFill>
-          </a:ln>
-        </p:spPr>
-        <p:style>
-          <a:lnRef idx="2">
-            <a:schemeClr val="accent1">
-              <a:shade val="50000"/>
-            </a:schemeClr>
-          </a:lnRef>
-          <a:fillRef idx="1">
-            <a:schemeClr val="accent1"/>
-          </a:fillRef>
-          <a:effectRef idx="0">
-            <a:schemeClr val="accent1"/>
-          </a:effectRef>
-          <a:fontRef idx="minor">
-            <a:schemeClr val="lt1"/>
-          </a:fontRef>
-        </p:style>
-        <p:txBody>
-          <a:bodyPr rtlCol="0" anchor="ctr"/>
-          <a:lstStyle/>
-          <a:p>
-            <a:pPr algn="ctr"/>
-            <a:endParaRPr kumimoji="1" lang="ja-JP" altLang="en-US"/>
-          </a:p>
-        </p:txBody>
-      </p:sp>
-    </p:spTree>
-    <p:extLst>
-      <p:ext uri="{BB962C8B-B14F-4D97-AF65-F5344CB8AC3E}">
-        <p14:creationId xmlns:p14="http://schemas.microsoft.com/office/powerpoint/2010/main" val="3453934001"/>
-      </p:ext>
-    </p:extLst>
-  </p:cSld>
-  <p:clrMapOvr>
-    <a:masterClrMapping/>
-  </p:clrMapOvr>
-</p:sld>
-</file>
-
-<file path=ppt/slides/slide17.xml><?xml version="1.0" encoding="utf-8"?>
-<p:sld xmlns:a="http://schemas.openxmlformats.org/drawingml/2006/main" xmlns:r="http://schemas.openxmlformats.org/officeDocument/2006/relationships" xmlns:p="http://schemas.openxmlformats.org/presentationml/2006/main">
-  <p:cSld>
-    <p:bg>
-      <p:bgPr>
-        <a:solidFill>
-          <a:schemeClr val="bg1"/>
-        </a:solidFill>
-        <a:effectLst/>
-      </p:bgPr>
-    </p:bg>
-    <p:spTree>
-      <p:nvGrpSpPr>
-        <p:cNvPr id="1" name=""/>
-        <p:cNvGrpSpPr/>
-        <p:nvPr/>
-      </p:nvGrpSpPr>
-      <p:grpSpPr>
-        <a:xfrm>
-          <a:off x="0" y="0"/>
-          <a:ext cx="0" cy="0"/>
-          <a:chOff x="0" y="0"/>
-          <a:chExt cx="0" cy="0"/>
-        </a:xfrm>
-      </p:grpSpPr>
-      <p:pic>
-        <p:nvPicPr>
-          <p:cNvPr id="4" name="コンテンツ プレースホルダー 3" descr="スクリーンショットの画面&#10;&#10;自動的に生成された説明">
-            <a:extLst>
-              <a:ext uri="{FF2B5EF4-FFF2-40B4-BE49-F238E27FC236}">
-                <a16:creationId xmlns:a16="http://schemas.microsoft.com/office/drawing/2014/main" id="{E5695E43-96C1-4A5E-9252-6F6FF42F612D}"/>
-              </a:ext>
-            </a:extLst>
-          </p:cNvPr>
-          <p:cNvPicPr>
-            <a:picLocks noGrp="1" noChangeAspect="1"/>
-          </p:cNvPicPr>
-          <p:nvPr>
-            <p:ph idx="1"/>
-          </p:nvPr>
-        </p:nvPicPr>
-        <p:blipFill rotWithShape="1">
-          <a:blip r:embed="rId2"/>
-          <a:srcRect t="6293" b="9437"/>
-          <a:stretch/>
-        </p:blipFill>
-        <p:spPr>
-          <a:xfrm>
-            <a:off x="20" y="10"/>
-            <a:ext cx="12191980" cy="6857990"/>
-          </a:xfrm>
-          <a:prstGeom prst="rect">
-            <a:avLst/>
-          </a:prstGeom>
-        </p:spPr>
-      </p:pic>
-      <p:sp>
-        <p:nvSpPr>
-          <p:cNvPr id="5" name="テキスト ボックス 4">
-            <a:extLst>
-              <a:ext uri="{FF2B5EF4-FFF2-40B4-BE49-F238E27FC236}">
-                <a16:creationId xmlns:a16="http://schemas.microsoft.com/office/drawing/2014/main" id="{A9778D75-FA70-4587-BB17-52CD35CE842F}"/>
-              </a:ext>
-            </a:extLst>
-          </p:cNvPr>
-          <p:cNvSpPr txBox="1"/>
-          <p:nvPr/>
-        </p:nvSpPr>
-        <p:spPr>
-          <a:xfrm>
-            <a:off x="923109" y="2197615"/>
-            <a:ext cx="5608319" cy="2062103"/>
-          </a:xfrm>
-          <a:prstGeom prst="rect">
-            <a:avLst/>
-          </a:prstGeom>
-          <a:noFill/>
-        </p:spPr>
-        <p:txBody>
-          <a:bodyPr wrap="square" rtlCol="0">
-            <a:spAutoFit/>
-          </a:bodyPr>
-          <a:lstStyle/>
-          <a:p>
-            <a:r>
-              <a:rPr lang="ja-JP" altLang="en-US" sz="3200" b="1" dirty="0"/>
-              <a:t>最後まで進めて</a:t>
-            </a:r>
-            <a:r>
-              <a:rPr lang="en-US" altLang="ja-JP" sz="3200" b="1" dirty="0"/>
-              <a:t>Done</a:t>
-            </a:r>
-            <a:r>
-              <a:rPr lang="ja-JP" altLang="en-US" sz="3200" b="1" dirty="0"/>
-              <a:t>にある最後に完了した</a:t>
-            </a:r>
-            <a:r>
-              <a:rPr lang="en-US" altLang="ja-JP" sz="3200" b="1" dirty="0"/>
-              <a:t>task</a:t>
-            </a:r>
-            <a:r>
-              <a:rPr lang="ja-JP" altLang="en-US" sz="3200" b="1" dirty="0"/>
-              <a:t>をクリックするとゲームクリア！</a:t>
-            </a:r>
-            <a:endParaRPr lang="en-US" altLang="ja-JP" sz="3200" b="1" dirty="0"/>
-          </a:p>
-          <a:p>
-            <a:r>
-              <a:rPr kumimoji="1" lang="ja-JP" altLang="en-US" sz="3200" b="1" dirty="0"/>
-              <a:t>スコアが表示される。</a:t>
-            </a:r>
-            <a:endParaRPr kumimoji="1" lang="en-US" altLang="ja-JP" sz="3200" b="1" dirty="0"/>
-          </a:p>
-        </p:txBody>
-      </p:sp>
-      <p:sp>
-        <p:nvSpPr>
-          <p:cNvPr id="6" name="楕円 5">
-            <a:extLst>
-              <a:ext uri="{FF2B5EF4-FFF2-40B4-BE49-F238E27FC236}">
-                <a16:creationId xmlns:a16="http://schemas.microsoft.com/office/drawing/2014/main" id="{A7EE84CB-F8BA-4ABD-AB4E-4AC3E0FB94CA}"/>
-              </a:ext>
-            </a:extLst>
-          </p:cNvPr>
-          <p:cNvSpPr/>
-          <p:nvPr/>
-        </p:nvSpPr>
-        <p:spPr>
-          <a:xfrm>
-            <a:off x="7750628" y="1896291"/>
-            <a:ext cx="2246810" cy="1532709"/>
-          </a:xfrm>
-          <a:prstGeom prst="ellipse">
-            <a:avLst/>
-          </a:prstGeom>
-          <a:noFill/>
-          <a:ln w="76200">
-            <a:solidFill>
-              <a:srgbClr val="FF0000"/>
-            </a:solidFill>
-          </a:ln>
-        </p:spPr>
-        <p:style>
-          <a:lnRef idx="2">
-            <a:schemeClr val="accent1">
-              <a:shade val="50000"/>
-            </a:schemeClr>
-          </a:lnRef>
-          <a:fillRef idx="1">
-            <a:schemeClr val="accent1"/>
-          </a:fillRef>
-          <a:effectRef idx="0">
-            <a:schemeClr val="accent1"/>
-          </a:effectRef>
-          <a:fontRef idx="minor">
-            <a:schemeClr val="lt1"/>
-          </a:fontRef>
-        </p:style>
-        <p:txBody>
-          <a:bodyPr rtlCol="0" anchor="ctr"/>
-          <a:lstStyle/>
-          <a:p>
-            <a:pPr algn="ctr"/>
-            <a:endParaRPr kumimoji="1" lang="ja-JP" altLang="en-US"/>
-          </a:p>
-        </p:txBody>
-      </p:sp>
-      <p:cxnSp>
-        <p:nvCxnSpPr>
-          <p:cNvPr id="8" name="直線矢印コネクタ 7">
-            <a:extLst>
-              <a:ext uri="{FF2B5EF4-FFF2-40B4-BE49-F238E27FC236}">
-                <a16:creationId xmlns:a16="http://schemas.microsoft.com/office/drawing/2014/main" id="{072042C4-4EAF-4D5D-9CFE-BDF2F4AF92A7}"/>
-              </a:ext>
-            </a:extLst>
-          </p:cNvPr>
-          <p:cNvCxnSpPr>
-            <a:cxnSpLocks/>
-          </p:cNvCxnSpPr>
-          <p:nvPr/>
-        </p:nvCxnSpPr>
-        <p:spPr>
-          <a:xfrm flipV="1">
-            <a:off x="4728751" y="1020436"/>
-            <a:ext cx="1367249" cy="875855"/>
-          </a:xfrm>
-          <a:prstGeom prst="straightConnector1">
-            <a:avLst/>
-          </a:prstGeom>
-          <a:ln>
-            <a:solidFill>
-              <a:schemeClr val="tx1"/>
-            </a:solidFill>
-            <a:tailEnd type="triangle"/>
-          </a:ln>
-        </p:spPr>
-        <p:style>
-          <a:lnRef idx="1">
-            <a:schemeClr val="accent1"/>
-          </a:lnRef>
-          <a:fillRef idx="0">
-            <a:schemeClr val="accent1"/>
-          </a:fillRef>
-          <a:effectRef idx="0">
-            <a:schemeClr val="accent1"/>
-          </a:effectRef>
-          <a:fontRef idx="minor">
-            <a:schemeClr val="tx1"/>
-          </a:fontRef>
-        </p:style>
-      </p:cxnSp>
-      <p:cxnSp>
-        <p:nvCxnSpPr>
-          <p:cNvPr id="10" name="直線コネクタ 9">
-            <a:extLst>
-              <a:ext uri="{FF2B5EF4-FFF2-40B4-BE49-F238E27FC236}">
-                <a16:creationId xmlns:a16="http://schemas.microsoft.com/office/drawing/2014/main" id="{B75E99FE-B3F3-42A6-A797-8F74917E864C}"/>
-              </a:ext>
-            </a:extLst>
-          </p:cNvPr>
-          <p:cNvCxnSpPr>
-            <a:cxnSpLocks/>
-          </p:cNvCxnSpPr>
-          <p:nvPr/>
-        </p:nvCxnSpPr>
-        <p:spPr>
-          <a:xfrm flipH="1">
-            <a:off x="6444343" y="2647407"/>
-            <a:ext cx="1959429" cy="139336"/>
-          </a:xfrm>
-          <a:prstGeom prst="line">
-            <a:avLst/>
-          </a:prstGeom>
-          <a:ln>
-            <a:solidFill>
-              <a:schemeClr val="tx1"/>
-            </a:solidFill>
-          </a:ln>
-        </p:spPr>
-        <p:style>
-          <a:lnRef idx="1">
-            <a:schemeClr val="accent1"/>
-          </a:lnRef>
-          <a:fillRef idx="0">
-            <a:schemeClr val="accent1"/>
-          </a:fillRef>
-          <a:effectRef idx="0">
-            <a:schemeClr val="accent1"/>
-          </a:effectRef>
-          <a:fontRef idx="minor">
-            <a:schemeClr val="tx1"/>
-          </a:fontRef>
-        </p:style>
-      </p:cxnSp>
-    </p:spTree>
-    <p:extLst>
-      <p:ext uri="{BB962C8B-B14F-4D97-AF65-F5344CB8AC3E}">
-        <p14:creationId xmlns:p14="http://schemas.microsoft.com/office/powerpoint/2010/main" val="222604336"/>
-      </p:ext>
-    </p:extLst>
-  </p:cSld>
-  <p:clrMapOvr>
-    <a:masterClrMapping/>
-  </p:clrMapOvr>
-</p:sld>
-</file>
-
-<file path=ppt/slides/slide18.xml><?xml version="1.0" encoding="utf-8"?>
-<p:sld xmlns:a="http://schemas.openxmlformats.org/drawingml/2006/main" xmlns:r="http://schemas.openxmlformats.org/officeDocument/2006/relationships" xmlns:p="http://schemas.openxmlformats.org/presentationml/2006/main">
-  <p:cSld>
-    <p:bg>
-      <p:bgPr>
-        <a:solidFill>
-          <a:schemeClr val="bg1"/>
-        </a:solidFill>
-        <a:effectLst/>
-      </p:bgPr>
-    </p:bg>
-    <p:spTree>
-      <p:nvGrpSpPr>
-        <p:cNvPr id="1" name=""/>
-        <p:cNvGrpSpPr/>
-        <p:nvPr/>
-      </p:nvGrpSpPr>
-      <p:grpSpPr>
-        <a:xfrm>
-          <a:off x="0" y="0"/>
-          <a:ext cx="0" cy="0"/>
-          <a:chOff x="0" y="0"/>
-          <a:chExt cx="0" cy="0"/>
-        </a:xfrm>
-      </p:grpSpPr>
-      <p:pic>
-        <p:nvPicPr>
-          <p:cNvPr id="4" name="コンテンツ プレースホルダー 3" descr="スクリーンショットの画面&#10;&#10;自動的に生成された説明">
-            <a:extLst>
-              <a:ext uri="{FF2B5EF4-FFF2-40B4-BE49-F238E27FC236}">
-                <a16:creationId xmlns:a16="http://schemas.microsoft.com/office/drawing/2014/main" id="{A06F60DC-84F9-461C-9D6E-0292797AF058}"/>
-              </a:ext>
-            </a:extLst>
-          </p:cNvPr>
-          <p:cNvPicPr>
-            <a:picLocks noGrp="1" noChangeAspect="1"/>
-          </p:cNvPicPr>
-          <p:nvPr>
-            <p:ph idx="1"/>
-          </p:nvPr>
-        </p:nvPicPr>
-        <p:blipFill rotWithShape="1">
-          <a:blip r:embed="rId2"/>
-          <a:srcRect b="15730"/>
-          <a:stretch/>
-        </p:blipFill>
-        <p:spPr>
-          <a:xfrm>
-            <a:off x="20" y="10"/>
-            <a:ext cx="12191980" cy="6857990"/>
-          </a:xfrm>
-          <a:prstGeom prst="rect">
-            <a:avLst/>
-          </a:prstGeom>
-        </p:spPr>
-      </p:pic>
-    </p:spTree>
-    <p:extLst>
-      <p:ext uri="{BB962C8B-B14F-4D97-AF65-F5344CB8AC3E}">
-        <p14:creationId xmlns:p14="http://schemas.microsoft.com/office/powerpoint/2010/main" val="265315533"/>
-      </p:ext>
-    </p:extLst>
-  </p:cSld>
-  <p:clrMapOvr>
-    <a:masterClrMapping/>
-  </p:clrMapOvr>
-</p:sld>
-</file>
-
-<file path=ppt/slides/slide19.xml><?xml version="1.0" encoding="utf-8"?>
-<p:sld xmlns:a="http://schemas.openxmlformats.org/drawingml/2006/main" xmlns:r="http://schemas.openxmlformats.org/officeDocument/2006/relationships" xmlns:p="http://schemas.openxmlformats.org/presentationml/2006/main">
-  <p:cSld>
-    <p:spTree>
-      <p:nvGrpSpPr>
-        <p:cNvPr id="1" name=""/>
-        <p:cNvGrpSpPr/>
-        <p:nvPr/>
-      </p:nvGrpSpPr>
-      <p:grpSpPr>
-        <a:xfrm>
-          <a:off x="0" y="0"/>
-          <a:ext cx="0" cy="0"/>
-          <a:chOff x="0" y="0"/>
-          <a:chExt cx="0" cy="0"/>
-        </a:xfrm>
-      </p:grpSpPr>
-      <p:sp>
-        <p:nvSpPr>
-          <p:cNvPr id="2" name="タイトル 1">
-            <a:extLst>
-              <a:ext uri="{FF2B5EF4-FFF2-40B4-BE49-F238E27FC236}">
-                <a16:creationId xmlns:a16="http://schemas.microsoft.com/office/drawing/2014/main" id="{C6F75130-91C1-4337-929F-701AA3F67BCE}"/>
-              </a:ext>
-            </a:extLst>
-          </p:cNvPr>
-          <p:cNvSpPr>
-            <a:spLocks noGrp="1"/>
-          </p:cNvSpPr>
-          <p:nvPr>
-            <p:ph type="title"/>
-          </p:nvPr>
-        </p:nvSpPr>
-        <p:spPr/>
-        <p:txBody>
-          <a:bodyPr/>
-          <a:lstStyle/>
-          <a:p>
-            <a:r>
-              <a:rPr kumimoji="1" lang="ja-JP" altLang="en-US" dirty="0"/>
-              <a:t>宿題</a:t>
-            </a:r>
-          </a:p>
-        </p:txBody>
-      </p:sp>
-      <p:sp>
-        <p:nvSpPr>
-          <p:cNvPr id="3" name="コンテンツ プレースホルダー 2">
-            <a:extLst>
-              <a:ext uri="{FF2B5EF4-FFF2-40B4-BE49-F238E27FC236}">
-                <a16:creationId xmlns:a16="http://schemas.microsoft.com/office/drawing/2014/main" id="{7315E676-526E-4414-927D-D454C555CCFE}"/>
-              </a:ext>
-            </a:extLst>
-          </p:cNvPr>
-          <p:cNvSpPr>
-            <a:spLocks noGrp="1"/>
-          </p:cNvSpPr>
-          <p:nvPr>
-            <p:ph idx="1"/>
-          </p:nvPr>
-        </p:nvSpPr>
-        <p:spPr/>
-        <p:txBody>
-          <a:bodyPr/>
-          <a:lstStyle/>
-          <a:p>
-            <a:r>
-              <a:rPr kumimoji="1" lang="ja-JP" altLang="en-US" dirty="0"/>
-              <a:t>スコアを選択しているタスクの残量に変更</a:t>
-            </a:r>
-            <a:endParaRPr kumimoji="1" lang="en-US" altLang="ja-JP" dirty="0"/>
-          </a:p>
-          <a:p>
-            <a:r>
-              <a:rPr lang="en-US" altLang="ja-JP" dirty="0"/>
-              <a:t>Doing</a:t>
-            </a:r>
-            <a:r>
-              <a:rPr lang="ja-JP" altLang="en-US" dirty="0"/>
-              <a:t>に持ってきてから作業を始める。</a:t>
-            </a:r>
-            <a:endParaRPr lang="en-US" altLang="ja-JP" dirty="0"/>
-          </a:p>
-          <a:p>
-            <a:r>
-              <a:rPr kumimoji="1" lang="en-US" altLang="ja-JP" dirty="0" err="1"/>
-              <a:t>Todo</a:t>
-            </a:r>
-            <a:r>
-              <a:rPr kumimoji="1" lang="ja-JP" altLang="en-US" dirty="0"/>
-              <a:t>から</a:t>
-            </a:r>
-            <a:r>
-              <a:rPr kumimoji="1" lang="en-US" altLang="ja-JP" dirty="0"/>
-              <a:t>Doing</a:t>
-            </a:r>
-            <a:r>
-              <a:rPr kumimoji="1" lang="ja-JP" altLang="en-US" dirty="0"/>
-              <a:t>を選択制にする。</a:t>
-            </a:r>
-            <a:endParaRPr kumimoji="1" lang="en-US" altLang="ja-JP" dirty="0"/>
-          </a:p>
-          <a:p>
-            <a:r>
-              <a:rPr kumimoji="1" lang="en-US" altLang="ja-JP" dirty="0"/>
-              <a:t>Doing</a:t>
-            </a:r>
-            <a:r>
-              <a:rPr kumimoji="1" lang="ja-JP" altLang="en-US" dirty="0"/>
-              <a:t>の中から選択してからサイコロ</a:t>
-            </a:r>
-            <a:endParaRPr kumimoji="1" lang="en-US" altLang="ja-JP" dirty="0"/>
-          </a:p>
-          <a:p>
-            <a:pPr marL="0" indent="0">
-              <a:buNone/>
-            </a:pPr>
-            <a:endParaRPr kumimoji="1" lang="ja-JP" altLang="en-US" dirty="0"/>
-          </a:p>
-        </p:txBody>
-      </p:sp>
-    </p:spTree>
-    <p:extLst>
-      <p:ext uri="{BB962C8B-B14F-4D97-AF65-F5344CB8AC3E}">
-        <p14:creationId xmlns:p14="http://schemas.microsoft.com/office/powerpoint/2010/main" val="2499500757"/>
-      </p:ext>
-    </p:extLst>
-  </p:cSld>
-  <p:clrMapOvr>
-    <a:masterClrMapping/>
-  </p:clrMapOvr>
-</p:sld>
-</file>
-
 <file path=ppt/slides/slide2.xml><?xml version="1.0" encoding="utf-8"?>
 <p:sld xmlns:a="http://schemas.openxmlformats.org/drawingml/2006/main" xmlns:r="http://schemas.openxmlformats.org/officeDocument/2006/relationships" xmlns:p="http://schemas.openxmlformats.org/presentationml/2006/main">
   <p:cSld>
@@ -6839,465 +4602,6 @@
     <p:extLst>
       <p:ext uri="{BB962C8B-B14F-4D97-AF65-F5344CB8AC3E}">
         <p14:creationId xmlns:p14="http://schemas.microsoft.com/office/powerpoint/2010/main" val="863746250"/>
-      </p:ext>
-    </p:extLst>
-  </p:cSld>
-  <p:clrMapOvr>
-    <a:masterClrMapping/>
-  </p:clrMapOvr>
-</p:sld>
-</file>
-
-<file path=ppt/slides/slide8.xml><?xml version="1.0" encoding="utf-8"?>
-<p:sld xmlns:a="http://schemas.openxmlformats.org/drawingml/2006/main" xmlns:r="http://schemas.openxmlformats.org/officeDocument/2006/relationships" xmlns:p="http://schemas.openxmlformats.org/presentationml/2006/main">
-  <p:cSld>
-    <p:bg>
-      <p:bgPr>
-        <a:solidFill>
-          <a:schemeClr val="bg1"/>
-        </a:solidFill>
-        <a:effectLst/>
-      </p:bgPr>
-    </p:bg>
-    <p:spTree>
-      <p:nvGrpSpPr>
-        <p:cNvPr id="1" name=""/>
-        <p:cNvGrpSpPr/>
-        <p:nvPr/>
-      </p:nvGrpSpPr>
-      <p:grpSpPr>
-        <a:xfrm>
-          <a:off x="0" y="0"/>
-          <a:ext cx="0" cy="0"/>
-          <a:chOff x="0" y="0"/>
-          <a:chExt cx="0" cy="0"/>
-        </a:xfrm>
-      </p:grpSpPr>
-      <p:pic>
-        <p:nvPicPr>
-          <p:cNvPr id="4" name="コンテンツ プレースホルダー 3" descr="スクリーンショットの画面&#10;&#10;自動的に生成された説明">
-            <a:extLst>
-              <a:ext uri="{FF2B5EF4-FFF2-40B4-BE49-F238E27FC236}">
-                <a16:creationId xmlns:a16="http://schemas.microsoft.com/office/drawing/2014/main" id="{1E72B44E-EA52-4E6F-8962-0BACB9502B72}"/>
-              </a:ext>
-            </a:extLst>
-          </p:cNvPr>
-          <p:cNvPicPr>
-            <a:picLocks noGrp="1" noChangeAspect="1"/>
-          </p:cNvPicPr>
-          <p:nvPr>
-            <p:ph idx="1"/>
-          </p:nvPr>
-        </p:nvPicPr>
-        <p:blipFill rotWithShape="1">
-          <a:blip r:embed="rId2"/>
-          <a:srcRect t="11114" b="4616"/>
-          <a:stretch/>
-        </p:blipFill>
-        <p:spPr>
-          <a:xfrm>
-            <a:off x="0" y="0"/>
-            <a:ext cx="12191980" cy="6857990"/>
-          </a:xfrm>
-          <a:prstGeom prst="rect">
-            <a:avLst/>
-          </a:prstGeom>
-        </p:spPr>
-      </p:pic>
-      <p:sp>
-        <p:nvSpPr>
-          <p:cNvPr id="5" name="テキスト ボックス 4">
-            <a:extLst>
-              <a:ext uri="{FF2B5EF4-FFF2-40B4-BE49-F238E27FC236}">
-                <a16:creationId xmlns:a16="http://schemas.microsoft.com/office/drawing/2014/main" id="{4AECB87E-3736-4998-9923-558D5D0375CD}"/>
-              </a:ext>
-            </a:extLst>
-          </p:cNvPr>
-          <p:cNvSpPr txBox="1"/>
-          <p:nvPr/>
-        </p:nvSpPr>
-        <p:spPr>
-          <a:xfrm>
-            <a:off x="5869578" y="2791157"/>
-            <a:ext cx="5608319" cy="1569660"/>
-          </a:xfrm>
-          <a:prstGeom prst="rect">
-            <a:avLst/>
-          </a:prstGeom>
-          <a:noFill/>
-        </p:spPr>
-        <p:txBody>
-          <a:bodyPr wrap="square" rtlCol="0">
-            <a:spAutoFit/>
-          </a:bodyPr>
-          <a:lstStyle/>
-          <a:p>
-            <a:r>
-              <a:rPr kumimoji="1" lang="en-US" altLang="ja-JP" sz="3200" b="1" dirty="0"/>
-              <a:t>Doing</a:t>
-            </a:r>
-            <a:r>
-              <a:rPr kumimoji="1" lang="ja-JP" altLang="en-US" sz="3200" b="1" dirty="0"/>
-              <a:t>にあるストーリーカードを一つ選択しサイコロをクリックする。</a:t>
-            </a:r>
-          </a:p>
-        </p:txBody>
-      </p:sp>
-      <p:sp>
-        <p:nvSpPr>
-          <p:cNvPr id="6" name="楕円 5">
-            <a:extLst>
-              <a:ext uri="{FF2B5EF4-FFF2-40B4-BE49-F238E27FC236}">
-                <a16:creationId xmlns:a16="http://schemas.microsoft.com/office/drawing/2014/main" id="{E475F883-89C4-45C0-A7CB-4A9CBFD61B26}"/>
-              </a:ext>
-            </a:extLst>
-          </p:cNvPr>
-          <p:cNvSpPr/>
-          <p:nvPr/>
-        </p:nvSpPr>
-        <p:spPr>
-          <a:xfrm>
-            <a:off x="3936274" y="661852"/>
-            <a:ext cx="2264228" cy="1393372"/>
-          </a:xfrm>
-          <a:prstGeom prst="ellipse">
-            <a:avLst/>
-          </a:prstGeom>
-          <a:noFill/>
-          <a:ln w="76200">
-            <a:solidFill>
-              <a:srgbClr val="FF0000"/>
-            </a:solidFill>
-          </a:ln>
-        </p:spPr>
-        <p:style>
-          <a:lnRef idx="2">
-            <a:schemeClr val="accent1">
-              <a:shade val="50000"/>
-            </a:schemeClr>
-          </a:lnRef>
-          <a:fillRef idx="1">
-            <a:schemeClr val="accent1"/>
-          </a:fillRef>
-          <a:effectRef idx="0">
-            <a:schemeClr val="accent1"/>
-          </a:effectRef>
-          <a:fontRef idx="minor">
-            <a:schemeClr val="lt1"/>
-          </a:fontRef>
-        </p:style>
-        <p:txBody>
-          <a:bodyPr rtlCol="0" anchor="ctr"/>
-          <a:lstStyle/>
-          <a:p>
-            <a:pPr algn="ctr"/>
-            <a:endParaRPr kumimoji="1" lang="ja-JP" altLang="en-US"/>
-          </a:p>
-        </p:txBody>
-      </p:sp>
-      <p:sp>
-        <p:nvSpPr>
-          <p:cNvPr id="7" name="楕円 6">
-            <a:extLst>
-              <a:ext uri="{FF2B5EF4-FFF2-40B4-BE49-F238E27FC236}">
-                <a16:creationId xmlns:a16="http://schemas.microsoft.com/office/drawing/2014/main" id="{13FE9A12-9F9E-45C6-8DBC-7F506694787E}"/>
-              </a:ext>
-            </a:extLst>
-          </p:cNvPr>
-          <p:cNvSpPr/>
-          <p:nvPr/>
-        </p:nvSpPr>
-        <p:spPr>
-          <a:xfrm>
-            <a:off x="4572000" y="5512526"/>
-            <a:ext cx="2882536" cy="1166948"/>
-          </a:xfrm>
-          <a:prstGeom prst="ellipse">
-            <a:avLst/>
-          </a:prstGeom>
-          <a:noFill/>
-          <a:ln w="76200">
-            <a:solidFill>
-              <a:srgbClr val="FF0000"/>
-            </a:solidFill>
-          </a:ln>
-        </p:spPr>
-        <p:style>
-          <a:lnRef idx="2">
-            <a:schemeClr val="accent1">
-              <a:shade val="50000"/>
-            </a:schemeClr>
-          </a:lnRef>
-          <a:fillRef idx="1">
-            <a:schemeClr val="accent1"/>
-          </a:fillRef>
-          <a:effectRef idx="0">
-            <a:schemeClr val="accent1"/>
-          </a:effectRef>
-          <a:fontRef idx="minor">
-            <a:schemeClr val="lt1"/>
-          </a:fontRef>
-        </p:style>
-        <p:txBody>
-          <a:bodyPr rtlCol="0" anchor="ctr"/>
-          <a:lstStyle/>
-          <a:p>
-            <a:pPr algn="ctr"/>
-            <a:endParaRPr kumimoji="1" lang="ja-JP" altLang="en-US"/>
-          </a:p>
-        </p:txBody>
-      </p:sp>
-      <p:cxnSp>
-        <p:nvCxnSpPr>
-          <p:cNvPr id="9" name="直線矢印コネクタ 8">
-            <a:extLst>
-              <a:ext uri="{FF2B5EF4-FFF2-40B4-BE49-F238E27FC236}">
-                <a16:creationId xmlns:a16="http://schemas.microsoft.com/office/drawing/2014/main" id="{8EC2BB21-5EF7-4388-B387-9E298EB5D1EF}"/>
-              </a:ext>
-            </a:extLst>
-          </p:cNvPr>
-          <p:cNvCxnSpPr/>
-          <p:nvPr/>
-        </p:nvCxnSpPr>
-        <p:spPr>
-          <a:xfrm flipH="1" flipV="1">
-            <a:off x="5312229" y="2231512"/>
-            <a:ext cx="444137" cy="790362"/>
-          </a:xfrm>
-          <a:prstGeom prst="straightConnector1">
-            <a:avLst/>
-          </a:prstGeom>
-          <a:ln>
-            <a:solidFill>
-              <a:schemeClr val="tx1"/>
-            </a:solidFill>
-            <a:tailEnd type="triangle"/>
-          </a:ln>
-        </p:spPr>
-        <p:style>
-          <a:lnRef idx="1">
-            <a:schemeClr val="accent1"/>
-          </a:lnRef>
-          <a:fillRef idx="0">
-            <a:schemeClr val="accent1"/>
-          </a:fillRef>
-          <a:effectRef idx="0">
-            <a:schemeClr val="accent1"/>
-          </a:effectRef>
-          <a:fontRef idx="minor">
-            <a:schemeClr val="tx1"/>
-          </a:fontRef>
-        </p:style>
-      </p:cxnSp>
-      <p:cxnSp>
-        <p:nvCxnSpPr>
-          <p:cNvPr id="10" name="直線矢印コネクタ 9">
-            <a:extLst>
-              <a:ext uri="{FF2B5EF4-FFF2-40B4-BE49-F238E27FC236}">
-                <a16:creationId xmlns:a16="http://schemas.microsoft.com/office/drawing/2014/main" id="{0F36433D-F8EB-493C-8481-CA0F3144D219}"/>
-              </a:ext>
-            </a:extLst>
-          </p:cNvPr>
-          <p:cNvCxnSpPr>
-            <a:cxnSpLocks/>
-          </p:cNvCxnSpPr>
-          <p:nvPr/>
-        </p:nvCxnSpPr>
-        <p:spPr>
-          <a:xfrm flipH="1">
-            <a:off x="5199017" y="3971109"/>
-            <a:ext cx="557349" cy="1362891"/>
-          </a:xfrm>
-          <a:prstGeom prst="straightConnector1">
-            <a:avLst/>
-          </a:prstGeom>
-          <a:ln>
-            <a:solidFill>
-              <a:schemeClr val="tx1"/>
-            </a:solidFill>
-            <a:tailEnd type="triangle"/>
-          </a:ln>
-        </p:spPr>
-        <p:style>
-          <a:lnRef idx="1">
-            <a:schemeClr val="accent1"/>
-          </a:lnRef>
-          <a:fillRef idx="0">
-            <a:schemeClr val="accent1"/>
-          </a:fillRef>
-          <a:effectRef idx="0">
-            <a:schemeClr val="accent1"/>
-          </a:effectRef>
-          <a:fontRef idx="minor">
-            <a:schemeClr val="tx1"/>
-          </a:fontRef>
-        </p:style>
-      </p:cxnSp>
-    </p:spTree>
-    <p:extLst>
-      <p:ext uri="{BB962C8B-B14F-4D97-AF65-F5344CB8AC3E}">
-        <p14:creationId xmlns:p14="http://schemas.microsoft.com/office/powerpoint/2010/main" val="4095871786"/>
-      </p:ext>
-    </p:extLst>
-  </p:cSld>
-  <p:clrMapOvr>
-    <a:masterClrMapping/>
-  </p:clrMapOvr>
-</p:sld>
-</file>
-
-<file path=ppt/slides/slide9.xml><?xml version="1.0" encoding="utf-8"?>
-<p:sld xmlns:a="http://schemas.openxmlformats.org/drawingml/2006/main" xmlns:r="http://schemas.openxmlformats.org/officeDocument/2006/relationships" xmlns:p="http://schemas.openxmlformats.org/presentationml/2006/main">
-  <p:cSld>
-    <p:bg>
-      <p:bgPr>
-        <a:solidFill>
-          <a:schemeClr val="bg1"/>
-        </a:solidFill>
-        <a:effectLst/>
-      </p:bgPr>
-    </p:bg>
-    <p:spTree>
-      <p:nvGrpSpPr>
-        <p:cNvPr id="1" name=""/>
-        <p:cNvGrpSpPr/>
-        <p:nvPr/>
-      </p:nvGrpSpPr>
-      <p:grpSpPr>
-        <a:xfrm>
-          <a:off x="0" y="0"/>
-          <a:ext cx="0" cy="0"/>
-          <a:chOff x="0" y="0"/>
-          <a:chExt cx="0" cy="0"/>
-        </a:xfrm>
-      </p:grpSpPr>
-      <p:pic>
-        <p:nvPicPr>
-          <p:cNvPr id="4" name="コンテンツ プレースホルダー 3" descr="スクリーンショットの画面&#10;&#10;自動的に生成された説明">
-            <a:extLst>
-              <a:ext uri="{FF2B5EF4-FFF2-40B4-BE49-F238E27FC236}">
-                <a16:creationId xmlns:a16="http://schemas.microsoft.com/office/drawing/2014/main" id="{05700A88-0402-48B0-BB76-FBCCD707BFAD}"/>
-              </a:ext>
-            </a:extLst>
-          </p:cNvPr>
-          <p:cNvPicPr>
-            <a:picLocks noGrp="1" noChangeAspect="1"/>
-          </p:cNvPicPr>
-          <p:nvPr>
-            <p:ph idx="1"/>
-          </p:nvPr>
-        </p:nvPicPr>
-        <p:blipFill rotWithShape="1">
-          <a:blip r:embed="rId2"/>
-          <a:srcRect t="11470" b="4260"/>
-          <a:stretch/>
-        </p:blipFill>
-        <p:spPr>
-          <a:xfrm>
-            <a:off x="20" y="10"/>
-            <a:ext cx="12191980" cy="6857990"/>
-          </a:xfrm>
-          <a:prstGeom prst="rect">
-            <a:avLst/>
-          </a:prstGeom>
-        </p:spPr>
-      </p:pic>
-      <p:sp>
-        <p:nvSpPr>
-          <p:cNvPr id="5" name="楕円 4">
-            <a:extLst>
-              <a:ext uri="{FF2B5EF4-FFF2-40B4-BE49-F238E27FC236}">
-                <a16:creationId xmlns:a16="http://schemas.microsoft.com/office/drawing/2014/main" id="{62154891-144D-41E7-9E75-2BF2D95EC324}"/>
-              </a:ext>
-            </a:extLst>
-          </p:cNvPr>
-          <p:cNvSpPr/>
-          <p:nvPr/>
-        </p:nvSpPr>
-        <p:spPr>
-          <a:xfrm>
-            <a:off x="9265920" y="4737463"/>
-            <a:ext cx="2926060" cy="2120527"/>
-          </a:xfrm>
-          <a:prstGeom prst="ellipse">
-            <a:avLst/>
-          </a:prstGeom>
-          <a:noFill/>
-          <a:ln w="76200">
-            <a:solidFill>
-              <a:srgbClr val="FF0000"/>
-            </a:solidFill>
-          </a:ln>
-        </p:spPr>
-        <p:style>
-          <a:lnRef idx="2">
-            <a:schemeClr val="accent1">
-              <a:shade val="50000"/>
-            </a:schemeClr>
-          </a:lnRef>
-          <a:fillRef idx="1">
-            <a:schemeClr val="accent1"/>
-          </a:fillRef>
-          <a:effectRef idx="0">
-            <a:schemeClr val="accent1"/>
-          </a:effectRef>
-          <a:fontRef idx="minor">
-            <a:schemeClr val="lt1"/>
-          </a:fontRef>
-        </p:style>
-        <p:txBody>
-          <a:bodyPr rtlCol="0" anchor="ctr"/>
-          <a:lstStyle/>
-          <a:p>
-            <a:pPr algn="ctr"/>
-            <a:endParaRPr kumimoji="1" lang="ja-JP" altLang="en-US"/>
-          </a:p>
-        </p:txBody>
-      </p:sp>
-      <p:sp>
-        <p:nvSpPr>
-          <p:cNvPr id="7" name="テキスト ボックス 6">
-            <a:extLst>
-              <a:ext uri="{FF2B5EF4-FFF2-40B4-BE49-F238E27FC236}">
-                <a16:creationId xmlns:a16="http://schemas.microsoft.com/office/drawing/2014/main" id="{4820F420-0C8F-4805-86D9-48662742F477}"/>
-              </a:ext>
-            </a:extLst>
-          </p:cNvPr>
-          <p:cNvSpPr txBox="1"/>
-          <p:nvPr/>
-        </p:nvSpPr>
-        <p:spPr>
-          <a:xfrm>
-            <a:off x="5730231" y="3660235"/>
-            <a:ext cx="5608319" cy="1077218"/>
-          </a:xfrm>
-          <a:prstGeom prst="rect">
-            <a:avLst/>
-          </a:prstGeom>
-          <a:noFill/>
-        </p:spPr>
-        <p:txBody>
-          <a:bodyPr wrap="square" rtlCol="0">
-            <a:spAutoFit/>
-          </a:bodyPr>
-          <a:lstStyle/>
-          <a:p>
-            <a:r>
-              <a:rPr lang="en-US" altLang="ja-JP" sz="3200" b="1" dirty="0"/>
-              <a:t>Event</a:t>
-            </a:r>
-            <a:r>
-              <a:rPr lang="ja-JP" altLang="en-US" sz="3200" b="1" dirty="0"/>
-              <a:t>カードを引く場合は右下のカードをクリック</a:t>
-            </a:r>
-            <a:endParaRPr kumimoji="1" lang="ja-JP" altLang="en-US" sz="3200" b="1" dirty="0"/>
-          </a:p>
-        </p:txBody>
-      </p:sp>
-    </p:spTree>
-    <p:extLst>
-      <p:ext uri="{BB962C8B-B14F-4D97-AF65-F5344CB8AC3E}">
-        <p14:creationId xmlns:p14="http://schemas.microsoft.com/office/powerpoint/2010/main" val="2627753242"/>
       </p:ext>
     </p:extLst>
   </p:cSld>
